--- a/Programación web/PW_Sesion8.pptx
+++ b/Programación web/PW_Sesion8.pptx
@@ -6,25 +6,27 @@
     <p:sldMasterId id="2147483699" r:id="rId2"/>
   </p:sldMasterIdLst>
   <p:notesMasterIdLst>
-    <p:notesMasterId r:id="rId16"/>
+    <p:notesMasterId r:id="rId18"/>
   </p:notesMasterIdLst>
   <p:handoutMasterIdLst>
-    <p:handoutMasterId r:id="rId17"/>
+    <p:handoutMasterId r:id="rId19"/>
   </p:handoutMasterIdLst>
   <p:sldIdLst>
     <p:sldId id="256" r:id="rId3"/>
     <p:sldId id="269" r:id="rId4"/>
-    <p:sldId id="262" r:id="rId5"/>
-    <p:sldId id="257" r:id="rId6"/>
-    <p:sldId id="258" r:id="rId7"/>
-    <p:sldId id="259" r:id="rId8"/>
-    <p:sldId id="260" r:id="rId9"/>
-    <p:sldId id="263" r:id="rId10"/>
-    <p:sldId id="264" r:id="rId11"/>
-    <p:sldId id="265" r:id="rId12"/>
-    <p:sldId id="266" r:id="rId13"/>
-    <p:sldId id="267" r:id="rId14"/>
-    <p:sldId id="261" r:id="rId15"/>
+    <p:sldId id="274" r:id="rId5"/>
+    <p:sldId id="262" r:id="rId6"/>
+    <p:sldId id="257" r:id="rId7"/>
+    <p:sldId id="258" r:id="rId8"/>
+    <p:sldId id="259" r:id="rId9"/>
+    <p:sldId id="260" r:id="rId10"/>
+    <p:sldId id="263" r:id="rId11"/>
+    <p:sldId id="264" r:id="rId12"/>
+    <p:sldId id="265" r:id="rId13"/>
+    <p:sldId id="266" r:id="rId14"/>
+    <p:sldId id="267" r:id="rId15"/>
+    <p:sldId id="275" r:id="rId16"/>
+    <p:sldId id="261" r:id="rId17"/>
   </p:sldIdLst>
   <p:sldSz cx="12192000" cy="6858000"/>
   <p:notesSz cx="6858000" cy="9144000"/>
@@ -228,7 +230,7 @@
           <a:p>
             <a:fld id="{7FF7D7FF-DDC7-474C-8526-899954A31AD1}" type="datetimeFigureOut">
               <a:rPr lang="es-EC" smtClean="0"/>
-              <a:t>15/3/2024</a:t>
+              <a:t>31/3/2024</a:t>
             </a:fld>
             <a:endParaRPr lang="es-EC"/>
           </a:p>
@@ -405,7 +407,7 @@
           <a:p>
             <a:fld id="{A266080D-5226-48DF-A08B-67FADEB85FAB}" type="datetimeFigureOut">
               <a:rPr lang="es-419" smtClean="0"/>
-              <a:t>15/3/2024</a:t>
+              <a:t>31/3/2024</a:t>
             </a:fld>
             <a:endParaRPr lang="es-419"/>
           </a:p>
@@ -738,7 +740,7 @@
           <a:p>
             <a:fld id="{F7021451-1387-4CA6-816F-3879F97B5CBC}" type="slidenum">
               <a:rPr lang="en-US"/>
-              <a:t>3</a:t>
+              <a:t>4</a:t>
             </a:fld>
             <a:endParaRPr lang="en-US"/>
           </a:p>
@@ -822,7 +824,7 @@
           <a:p>
             <a:fld id="{F7021451-1387-4CA6-816F-3879F97B5CBC}" type="slidenum">
               <a:rPr lang="en-US"/>
-              <a:t>12</a:t>
+              <a:t>13</a:t>
             </a:fld>
             <a:endParaRPr lang="en-US"/>
           </a:p>
@@ -906,7 +908,7 @@
           <a:p>
             <a:fld id="{F7021451-1387-4CA6-816F-3879F97B5CBC}" type="slidenum">
               <a:rPr lang="en-US"/>
-              <a:t>4</a:t>
+              <a:t>5</a:t>
             </a:fld>
             <a:endParaRPr lang="en-US"/>
           </a:p>
@@ -990,7 +992,7 @@
           <a:p>
             <a:fld id="{F7021451-1387-4CA6-816F-3879F97B5CBC}" type="slidenum">
               <a:rPr lang="en-US"/>
-              <a:t>5</a:t>
+              <a:t>6</a:t>
             </a:fld>
             <a:endParaRPr lang="en-US"/>
           </a:p>
@@ -1074,7 +1076,7 @@
           <a:p>
             <a:fld id="{F7021451-1387-4CA6-816F-3879F97B5CBC}" type="slidenum">
               <a:rPr lang="en-US"/>
-              <a:t>6</a:t>
+              <a:t>7</a:t>
             </a:fld>
             <a:endParaRPr lang="en-US"/>
           </a:p>
@@ -1158,7 +1160,7 @@
           <a:p>
             <a:fld id="{F7021451-1387-4CA6-816F-3879F97B5CBC}" type="slidenum">
               <a:rPr lang="en-US"/>
-              <a:t>7</a:t>
+              <a:t>8</a:t>
             </a:fld>
             <a:endParaRPr lang="en-US"/>
           </a:p>
@@ -1242,7 +1244,7 @@
           <a:p>
             <a:fld id="{F7021451-1387-4CA6-816F-3879F97B5CBC}" type="slidenum">
               <a:rPr lang="en-US"/>
-              <a:t>8</a:t>
+              <a:t>9</a:t>
             </a:fld>
             <a:endParaRPr lang="en-US"/>
           </a:p>
@@ -1326,7 +1328,7 @@
           <a:p>
             <a:fld id="{F7021451-1387-4CA6-816F-3879F97B5CBC}" type="slidenum">
               <a:rPr lang="en-US"/>
-              <a:t>9</a:t>
+              <a:t>10</a:t>
             </a:fld>
             <a:endParaRPr lang="en-US"/>
           </a:p>
@@ -1410,7 +1412,7 @@
           <a:p>
             <a:fld id="{F7021451-1387-4CA6-816F-3879F97B5CBC}" type="slidenum">
               <a:rPr lang="en-US"/>
-              <a:t>10</a:t>
+              <a:t>11</a:t>
             </a:fld>
             <a:endParaRPr lang="en-US"/>
           </a:p>
@@ -1494,7 +1496,7 @@
           <a:p>
             <a:fld id="{F7021451-1387-4CA6-816F-3879F97B5CBC}" type="slidenum">
               <a:rPr lang="en-US"/>
-              <a:t>11</a:t>
+              <a:t>12</a:t>
             </a:fld>
             <a:endParaRPr lang="en-US"/>
           </a:p>
@@ -1644,7 +1646,7 @@
           <a:p>
             <a:fld id="{8FEB83C7-CE7D-EE43-931B-A983B2AE7CF3}" type="datetimeFigureOut">
               <a:rPr lang="es-EC" smtClean="0"/>
-              <a:t>15/3/2024</a:t>
+              <a:t>31/3/2024</a:t>
             </a:fld>
             <a:endParaRPr lang="es-EC"/>
           </a:p>
@@ -1814,7 +1816,7 @@
           <a:p>
             <a:fld id="{8FEB83C7-CE7D-EE43-931B-A983B2AE7CF3}" type="datetimeFigureOut">
               <a:rPr lang="es-EC" smtClean="0"/>
-              <a:t>15/3/2024</a:t>
+              <a:t>31/3/2024</a:t>
             </a:fld>
             <a:endParaRPr lang="es-EC"/>
           </a:p>
@@ -1994,7 +1996,7 @@
           <a:p>
             <a:fld id="{8FEB83C7-CE7D-EE43-931B-A983B2AE7CF3}" type="datetimeFigureOut">
               <a:rPr lang="es-EC" smtClean="0"/>
-              <a:t>15/3/2024</a:t>
+              <a:t>31/3/2024</a:t>
             </a:fld>
             <a:endParaRPr lang="es-EC"/>
           </a:p>
@@ -2606,7 +2608,7 @@
           <a:p>
             <a:fld id="{8FEB83C7-CE7D-EE43-931B-A983B2AE7CF3}" type="datetimeFigureOut">
               <a:rPr lang="es-EC" smtClean="0"/>
-              <a:t>15/3/2024</a:t>
+              <a:t>31/3/2024</a:t>
             </a:fld>
             <a:endParaRPr lang="es-EC"/>
           </a:p>
@@ -2852,7 +2854,7 @@
           <a:p>
             <a:fld id="{8FEB83C7-CE7D-EE43-931B-A983B2AE7CF3}" type="datetimeFigureOut">
               <a:rPr lang="es-EC" smtClean="0"/>
-              <a:t>15/3/2024</a:t>
+              <a:t>31/3/2024</a:t>
             </a:fld>
             <a:endParaRPr lang="es-EC"/>
           </a:p>
@@ -3084,7 +3086,7 @@
           <a:p>
             <a:fld id="{8FEB83C7-CE7D-EE43-931B-A983B2AE7CF3}" type="datetimeFigureOut">
               <a:rPr lang="es-EC" smtClean="0"/>
-              <a:t>15/3/2024</a:t>
+              <a:t>31/3/2024</a:t>
             </a:fld>
             <a:endParaRPr lang="es-EC"/>
           </a:p>
@@ -3451,7 +3453,7 @@
           <a:p>
             <a:fld id="{8FEB83C7-CE7D-EE43-931B-A983B2AE7CF3}" type="datetimeFigureOut">
               <a:rPr lang="es-EC" smtClean="0"/>
-              <a:t>15/3/2024</a:t>
+              <a:t>31/3/2024</a:t>
             </a:fld>
             <a:endParaRPr lang="es-EC"/>
           </a:p>
@@ -3569,7 +3571,7 @@
           <a:p>
             <a:fld id="{8FEB83C7-CE7D-EE43-931B-A983B2AE7CF3}" type="datetimeFigureOut">
               <a:rPr lang="es-EC" smtClean="0"/>
-              <a:t>15/3/2024</a:t>
+              <a:t>31/3/2024</a:t>
             </a:fld>
             <a:endParaRPr lang="es-EC"/>
           </a:p>
@@ -3664,7 +3666,7 @@
           <a:p>
             <a:fld id="{8FEB83C7-CE7D-EE43-931B-A983B2AE7CF3}" type="datetimeFigureOut">
               <a:rPr lang="es-EC" smtClean="0"/>
-              <a:t>15/3/2024</a:t>
+              <a:t>31/3/2024</a:t>
             </a:fld>
             <a:endParaRPr lang="es-EC"/>
           </a:p>
@@ -3941,7 +3943,7 @@
           <a:p>
             <a:fld id="{8FEB83C7-CE7D-EE43-931B-A983B2AE7CF3}" type="datetimeFigureOut">
               <a:rPr lang="es-EC" smtClean="0"/>
-              <a:t>15/3/2024</a:t>
+              <a:t>31/3/2024</a:t>
             </a:fld>
             <a:endParaRPr lang="es-EC"/>
           </a:p>
@@ -4198,7 +4200,7 @@
           <a:p>
             <a:fld id="{8FEB83C7-CE7D-EE43-931B-A983B2AE7CF3}" type="datetimeFigureOut">
               <a:rPr lang="es-EC" smtClean="0"/>
-              <a:t>15/3/2024</a:t>
+              <a:t>31/3/2024</a:t>
             </a:fld>
             <a:endParaRPr lang="es-EC"/>
           </a:p>
@@ -4411,7 +4413,7 @@
           <a:p>
             <a:fld id="{8FEB83C7-CE7D-EE43-931B-A983B2AE7CF3}" type="datetimeFigureOut">
               <a:rPr lang="es-EC" smtClean="0"/>
-              <a:t>15/3/2024</a:t>
+              <a:t>31/3/2024</a:t>
             </a:fld>
             <a:endParaRPr lang="es-EC"/>
           </a:p>
@@ -4948,7 +4950,7 @@
           <a:p>
             <a:fld id="{8FEB83C7-CE7D-EE43-931B-A983B2AE7CF3}" type="datetimeFigureOut">
               <a:rPr lang="es-EC" smtClean="0"/>
-              <a:t>15/3/2024</a:t>
+              <a:t>31/3/2024</a:t>
             </a:fld>
             <a:endParaRPr lang="es-EC"/>
           </a:p>
@@ -5506,8 +5508,8 @@
         </p:nvSpPr>
         <p:spPr>
           <a:xfrm>
-            <a:off x="1698328" y="734219"/>
-            <a:ext cx="8795345" cy="1157288"/>
+            <a:off x="1698328" y="1049437"/>
+            <a:ext cx="7593608" cy="578644"/>
           </a:xfrm>
           <a:prstGeom prst="rect">
             <a:avLst/>
@@ -5516,7 +5518,7 @@
           <a:ln/>
         </p:spPr>
         <p:txBody>
-          <a:bodyPr wrap="square" rtlCol="0" anchor="t"/>
+          <a:bodyPr wrap="none" rtlCol="0" anchor="t"/>
           <a:lstStyle/>
           <a:p>
             <a:pPr>
@@ -5533,22 +5535,46 @@
                 <a:ea typeface="Kanit" pitchFamily="34" charset="-122"/>
                 <a:cs typeface="Kanit" pitchFamily="34" charset="-120"/>
               </a:rPr>
-              <a:t>Consideraciones de seguridad al usar widgets HTML</a:t>
+              <a:t>Ejemplos de widgets HTML populares</a:t>
             </a:r>
             <a:endParaRPr lang="en-US" sz="3645" dirty="0"/>
           </a:p>
         </p:txBody>
       </p:sp>
-      <p:sp>
-        <p:nvSpPr>
-          <p:cNvPr id="5" name="Text 3"/>
+      <p:pic>
+        <p:nvPicPr>
+          <p:cNvPr id="5" name="Image 0" descr="preencoded.png"/>
+          <p:cNvPicPr>
+            <a:picLocks noChangeAspect="1"/>
+          </p:cNvPicPr>
+          <p:nvPr/>
+        </p:nvPicPr>
+        <p:blipFill>
+          <a:blip r:embed="rId3"/>
+          <a:stretch>
+            <a:fillRect/>
+          </a:stretch>
+        </p:blipFill>
+        <p:spPr>
+          <a:xfrm>
+            <a:off x="1698328" y="1998366"/>
+            <a:ext cx="2746573" cy="1697434"/>
+          </a:xfrm>
+          <a:prstGeom prst="rect">
+            <a:avLst/>
+          </a:prstGeom>
+        </p:spPr>
+      </p:pic>
+      <p:sp>
+        <p:nvSpPr>
+          <p:cNvPr id="6" name="Text 3"/>
           <p:cNvSpPr/>
           <p:nvPr/>
         </p:nvSpPr>
         <p:spPr>
           <a:xfrm>
-            <a:off x="1698328" y="2354362"/>
-            <a:ext cx="2314575" cy="289322"/>
+            <a:off x="1698328" y="3927178"/>
+            <a:ext cx="2746573" cy="578644"/>
           </a:xfrm>
           <a:prstGeom prst="rect">
             <a:avLst/>
@@ -5557,7 +5583,7 @@
           <a:ln/>
         </p:spPr>
         <p:txBody>
-          <a:bodyPr wrap="none" rtlCol="0" anchor="t"/>
+          <a:bodyPr wrap="square" rtlCol="0" anchor="t"/>
           <a:lstStyle/>
           <a:p>
             <a:pPr>
@@ -5568,13 +5594,13 @@
             <a:r>
               <a:rPr lang="en-US" sz="1822" dirty="0">
                 <a:solidFill>
-                  <a:srgbClr val="272D45"/>
+                  <a:srgbClr val="2C3249"/>
                 </a:solidFill>
                 <a:latin typeface="Kanit" pitchFamily="34" charset="0"/>
                 <a:ea typeface="Kanit" pitchFamily="34" charset="-122"/>
                 <a:cs typeface="Kanit" pitchFamily="34" charset="-120"/>
               </a:rPr>
-              <a:t>Riesgos Potenciales</a:t>
+              <a:t>Reproductor de vídeo HTML5</a:t>
             </a:r>
             <a:endParaRPr lang="en-US" sz="1822" dirty="0"/>
           </a:p>
@@ -5582,14 +5608,14 @@
       </p:sp>
       <p:sp>
         <p:nvSpPr>
-          <p:cNvPr id="6" name="Text 4"/>
+          <p:cNvPr id="7" name="Text 4"/>
           <p:cNvSpPr/>
           <p:nvPr/>
         </p:nvSpPr>
         <p:spPr>
           <a:xfrm>
-            <a:off x="1698328" y="2828826"/>
-            <a:ext cx="2630289" cy="1480840"/>
+            <a:off x="1698328" y="4616847"/>
+            <a:ext cx="2746573" cy="1184672"/>
           </a:xfrm>
           <a:prstGeom prst="rect">
             <a:avLst/>
@@ -5615,22 +5641,87 @@
                 <a:ea typeface="Martel Sans" pitchFamily="34" charset="-122"/>
                 <a:cs typeface="Martel Sans" pitchFamily="34" charset="-120"/>
               </a:rPr>
-              <a:t>La inclusión de widgets HTML de fuentes no confiables puede exponer su sitio web a vulnerabilidades de seguridad.</a:t>
+              <a:t>Un reproductor de vídeo HTML5 con controles personalizables y un diseño moderno y minimalista.</a:t>
             </a:r>
             <a:endParaRPr lang="en-US" sz="1458" dirty="0"/>
           </a:p>
         </p:txBody>
       </p:sp>
-      <p:sp>
-        <p:nvSpPr>
-          <p:cNvPr id="7" name="Text 5"/>
+      <p:pic>
+        <p:nvPicPr>
+          <p:cNvPr id="8" name="Image 1" descr="preencoded.png"/>
+          <p:cNvPicPr>
+            <a:picLocks noChangeAspect="1"/>
+          </p:cNvPicPr>
+          <p:nvPr/>
+        </p:nvPicPr>
+        <p:blipFill>
+          <a:blip r:embed="rId4"/>
+          <a:stretch>
+            <a:fillRect/>
+          </a:stretch>
+        </p:blipFill>
+        <p:spPr>
+          <a:xfrm>
+            <a:off x="4722614" y="1998365"/>
+            <a:ext cx="2746673" cy="1697533"/>
+          </a:xfrm>
+          <a:prstGeom prst="rect">
+            <a:avLst/>
+          </a:prstGeom>
+        </p:spPr>
+      </p:pic>
+      <p:sp>
+        <p:nvSpPr>
+          <p:cNvPr id="9" name="Text 5"/>
           <p:cNvSpPr/>
           <p:nvPr/>
         </p:nvSpPr>
         <p:spPr>
           <a:xfrm>
-            <a:off x="1698328" y="4476254"/>
-            <a:ext cx="2630289" cy="1480840"/>
+            <a:off x="4722615" y="3927277"/>
+            <a:ext cx="2331839" cy="289322"/>
+          </a:xfrm>
+          <a:prstGeom prst="rect">
+            <a:avLst/>
+          </a:prstGeom>
+          <a:noFill/>
+          <a:ln/>
+        </p:spPr>
+        <p:txBody>
+          <a:bodyPr wrap="none" rtlCol="0" anchor="t"/>
+          <a:lstStyle/>
+          <a:p>
+            <a:pPr>
+              <a:lnSpc>
+                <a:spcPts val="2278"/>
+              </a:lnSpc>
+            </a:pPr>
+            <a:r>
+              <a:rPr lang="en-US" sz="1822" dirty="0">
+                <a:solidFill>
+                  <a:srgbClr val="2C3249"/>
+                </a:solidFill>
+                <a:latin typeface="Kanit" pitchFamily="34" charset="0"/>
+                <a:ea typeface="Kanit" pitchFamily="34" charset="-122"/>
+                <a:cs typeface="Kanit" pitchFamily="34" charset="-120"/>
+              </a:rPr>
+              <a:t>Mapa interactivo HTML</a:t>
+            </a:r>
+            <a:endParaRPr lang="en-US" sz="1822" dirty="0"/>
+          </a:p>
+        </p:txBody>
+      </p:sp>
+      <p:sp>
+        <p:nvSpPr>
+          <p:cNvPr id="10" name="Text 6"/>
+          <p:cNvSpPr/>
+          <p:nvPr/>
+        </p:nvSpPr>
+        <p:spPr>
+          <a:xfrm>
+            <a:off x="4722614" y="4327624"/>
+            <a:ext cx="2746673" cy="1480840"/>
           </a:xfrm>
           <a:prstGeom prst="rect">
             <a:avLst/>
@@ -5656,22 +5747,46 @@
                 <a:ea typeface="Martel Sans" pitchFamily="34" charset="-122"/>
                 <a:cs typeface="Martel Sans" pitchFamily="34" charset="-120"/>
               </a:rPr>
-              <a:t>Los widgets maliciosos podrían contener código dañino que comprometa la integridad y la privacidad de sus usuarios.</a:t>
+              <a:t>Mapa interactivo HTML que muestra datos en tiempo real, con esquema de colores vibrante y marcadores personalizables.</a:t>
             </a:r>
             <a:endParaRPr lang="en-US" sz="1458" dirty="0"/>
           </a:p>
         </p:txBody>
       </p:sp>
-      <p:sp>
-        <p:nvSpPr>
-          <p:cNvPr id="8" name="Text 6"/>
+      <p:pic>
+        <p:nvPicPr>
+          <p:cNvPr id="11" name="Image 2" descr="preencoded.png"/>
+          <p:cNvPicPr>
+            <a:picLocks noChangeAspect="1"/>
+          </p:cNvPicPr>
+          <p:nvPr/>
+        </p:nvPicPr>
+        <p:blipFill>
+          <a:blip r:embed="rId5"/>
+          <a:stretch>
+            <a:fillRect/>
+          </a:stretch>
+        </p:blipFill>
+        <p:spPr>
+          <a:xfrm>
+            <a:off x="7747000" y="1998365"/>
+            <a:ext cx="2746673" cy="1697533"/>
+          </a:xfrm>
+          <a:prstGeom prst="rect">
+            <a:avLst/>
+          </a:prstGeom>
+        </p:spPr>
+      </p:pic>
+      <p:sp>
+        <p:nvSpPr>
+          <p:cNvPr id="12" name="Text 7"/>
           <p:cNvSpPr/>
           <p:nvPr/>
         </p:nvSpPr>
         <p:spPr>
           <a:xfrm>
-            <a:off x="4786611" y="2354362"/>
-            <a:ext cx="2535039" cy="289322"/>
+            <a:off x="7747000" y="3927277"/>
+            <a:ext cx="2314575" cy="289322"/>
           </a:xfrm>
           <a:prstGeom prst="rect">
             <a:avLst/>
@@ -5691,13 +5806,13 @@
             <a:r>
               <a:rPr lang="en-US" sz="1822" dirty="0">
                 <a:solidFill>
-                  <a:srgbClr val="272D45"/>
+                  <a:srgbClr val="2C3249"/>
                 </a:solidFill>
                 <a:latin typeface="Kanit" pitchFamily="34" charset="0"/>
                 <a:ea typeface="Kanit" pitchFamily="34" charset="-122"/>
                 <a:cs typeface="Kanit" pitchFamily="34" charset="-120"/>
               </a:rPr>
-              <a:t>Protección y Verificación</a:t>
+              <a:t>Calendario HTML</a:t>
             </a:r>
             <a:endParaRPr lang="en-US" sz="1822" dirty="0"/>
           </a:p>
@@ -5705,14 +5820,14 @@
       </p:sp>
       <p:sp>
         <p:nvSpPr>
-          <p:cNvPr id="9" name="Text 7"/>
+          <p:cNvPr id="13" name="Text 8"/>
           <p:cNvSpPr/>
           <p:nvPr/>
         </p:nvSpPr>
         <p:spPr>
           <a:xfrm>
-            <a:off x="4786611" y="2828826"/>
-            <a:ext cx="2630289" cy="1184672"/>
+            <a:off x="7747000" y="4327624"/>
+            <a:ext cx="2746673" cy="1184672"/>
           </a:xfrm>
           <a:prstGeom prst="rect">
             <a:avLst/>
@@ -5738,171 +5853,7 @@
                 <a:ea typeface="Martel Sans" pitchFamily="34" charset="-122"/>
                 <a:cs typeface="Martel Sans" pitchFamily="34" charset="-120"/>
               </a:rPr>
-              <a:t>Es crucial asegurarse de que los widgets utilizados sean de fuentes seguras y de confianza.</a:t>
-            </a:r>
-            <a:endParaRPr lang="en-US" sz="1458" dirty="0"/>
-          </a:p>
-        </p:txBody>
-      </p:sp>
-      <p:sp>
-        <p:nvSpPr>
-          <p:cNvPr id="10" name="Text 8"/>
-          <p:cNvSpPr/>
-          <p:nvPr/>
-        </p:nvSpPr>
-        <p:spPr>
-          <a:xfrm>
-            <a:off x="4786611" y="4180086"/>
-            <a:ext cx="2630289" cy="1480840"/>
-          </a:xfrm>
-          <a:prstGeom prst="rect">
-            <a:avLst/>
-          </a:prstGeom>
-          <a:noFill/>
-          <a:ln/>
-        </p:spPr>
-        <p:txBody>
-          <a:bodyPr wrap="square" rtlCol="0" anchor="t"/>
-          <a:lstStyle/>
-          <a:p>
-            <a:pPr>
-              <a:lnSpc>
-                <a:spcPts val="2332"/>
-              </a:lnSpc>
-            </a:pPr>
-            <a:r>
-              <a:rPr lang="en-US" sz="1458" dirty="0">
-                <a:solidFill>
-                  <a:srgbClr val="2C3249"/>
-                </a:solidFill>
-                <a:latin typeface="Martel Sans" pitchFamily="34" charset="0"/>
-                <a:ea typeface="Martel Sans" pitchFamily="34" charset="-122"/>
-                <a:cs typeface="Martel Sans" pitchFamily="34" charset="-120"/>
-              </a:rPr>
-              <a:t>Revisar regularmente las actualizaciones de seguridad y auditar los widgets implementados es fundamental.</a:t>
-            </a:r>
-            <a:endParaRPr lang="en-US" sz="1458" dirty="0"/>
-          </a:p>
-        </p:txBody>
-      </p:sp>
-      <p:sp>
-        <p:nvSpPr>
-          <p:cNvPr id="11" name="Text 9"/>
-          <p:cNvSpPr/>
-          <p:nvPr/>
-        </p:nvSpPr>
-        <p:spPr>
-          <a:xfrm>
-            <a:off x="7874893" y="2354362"/>
-            <a:ext cx="2314575" cy="289322"/>
-          </a:xfrm>
-          <a:prstGeom prst="rect">
-            <a:avLst/>
-          </a:prstGeom>
-          <a:noFill/>
-          <a:ln/>
-        </p:spPr>
-        <p:txBody>
-          <a:bodyPr wrap="none" rtlCol="0" anchor="t"/>
-          <a:lstStyle/>
-          <a:p>
-            <a:pPr>
-              <a:lnSpc>
-                <a:spcPts val="2278"/>
-              </a:lnSpc>
-            </a:pPr>
-            <a:r>
-              <a:rPr lang="en-US" sz="1822" dirty="0">
-                <a:solidFill>
-                  <a:srgbClr val="272D45"/>
-                </a:solidFill>
-                <a:latin typeface="Kanit" pitchFamily="34" charset="0"/>
-                <a:ea typeface="Kanit" pitchFamily="34" charset="-122"/>
-                <a:cs typeface="Kanit" pitchFamily="34" charset="-120"/>
-              </a:rPr>
-              <a:t>Validación de Origen</a:t>
-            </a:r>
-            <a:endParaRPr lang="en-US" sz="1822" dirty="0"/>
-          </a:p>
-        </p:txBody>
-      </p:sp>
-      <p:sp>
-        <p:nvSpPr>
-          <p:cNvPr id="12" name="Text 10"/>
-          <p:cNvSpPr/>
-          <p:nvPr/>
-        </p:nvSpPr>
-        <p:spPr>
-          <a:xfrm>
-            <a:off x="7874894" y="2828826"/>
-            <a:ext cx="2630289" cy="1480840"/>
-          </a:xfrm>
-          <a:prstGeom prst="rect">
-            <a:avLst/>
-          </a:prstGeom>
-          <a:noFill/>
-          <a:ln/>
-        </p:spPr>
-        <p:txBody>
-          <a:bodyPr wrap="square" rtlCol="0" anchor="t"/>
-          <a:lstStyle/>
-          <a:p>
-            <a:pPr>
-              <a:lnSpc>
-                <a:spcPts val="2332"/>
-              </a:lnSpc>
-            </a:pPr>
-            <a:r>
-              <a:rPr lang="en-US" sz="1458" dirty="0">
-                <a:solidFill>
-                  <a:srgbClr val="2C3249"/>
-                </a:solidFill>
-                <a:latin typeface="Martel Sans" pitchFamily="34" charset="0"/>
-                <a:ea typeface="Martel Sans" pitchFamily="34" charset="-122"/>
-                <a:cs typeface="Martel Sans" pitchFamily="34" charset="-120"/>
-              </a:rPr>
-              <a:t>Al incorporar widgets HTML, es importante validar el origen y la autenticidad del código para evitar ataques de suplantación de identidad.</a:t>
-            </a:r>
-            <a:endParaRPr lang="en-US" sz="1458" dirty="0"/>
-          </a:p>
-        </p:txBody>
-      </p:sp>
-      <p:sp>
-        <p:nvSpPr>
-          <p:cNvPr id="13" name="Text 11"/>
-          <p:cNvSpPr/>
-          <p:nvPr/>
-        </p:nvSpPr>
-        <p:spPr>
-          <a:xfrm>
-            <a:off x="7874894" y="4476254"/>
-            <a:ext cx="2630289" cy="1184672"/>
-          </a:xfrm>
-          <a:prstGeom prst="rect">
-            <a:avLst/>
-          </a:prstGeom>
-          <a:noFill/>
-          <a:ln/>
-        </p:spPr>
-        <p:txBody>
-          <a:bodyPr wrap="square" rtlCol="0" anchor="t"/>
-          <a:lstStyle/>
-          <a:p>
-            <a:pPr>
-              <a:lnSpc>
-                <a:spcPts val="2332"/>
-              </a:lnSpc>
-            </a:pPr>
-            <a:r>
-              <a:rPr lang="en-US" sz="1458" dirty="0">
-                <a:solidFill>
-                  <a:srgbClr val="2C3249"/>
-                </a:solidFill>
-                <a:latin typeface="Martel Sans" pitchFamily="34" charset="0"/>
-                <a:ea typeface="Martel Sans" pitchFamily="34" charset="-122"/>
-                <a:cs typeface="Martel Sans" pitchFamily="34" charset="-120"/>
-              </a:rPr>
-              <a:t>Utilice HTTPS y configuraciones de seguridad estrictas al cargar widgets externos.</a:t>
+              <a:t>Calendario HTML responsive con notificaciones de eventos, interfaz limpia e intuitiva y tipografía elegante.</a:t>
             </a:r>
             <a:endParaRPr lang="en-US" sz="1458" dirty="0"/>
           </a:p>
@@ -5913,7 +5864,7 @@
           <p:cNvPr id="14" name="Imagen 13">
             <a:extLst>
               <a:ext uri="{FF2B5EF4-FFF2-40B4-BE49-F238E27FC236}">
-                <a16:creationId xmlns:a16="http://schemas.microsoft.com/office/drawing/2014/main" id="{E8B7D568-D12B-6AB7-AC2C-E5515A3DD50F}"/>
+                <a16:creationId xmlns:a16="http://schemas.microsoft.com/office/drawing/2014/main" id="{375B4B40-7E5F-72B0-E02F-7961660B961B}"/>
               </a:ext>
             </a:extLst>
           </p:cNvPr>
@@ -5923,7 +5874,7 @@
           <p:nvPr/>
         </p:nvPicPr>
         <p:blipFill>
-          <a:blip r:embed="rId3"/>
+          <a:blip r:embed="rId6"/>
           <a:stretch>
             <a:fillRect/>
           </a:stretch>
@@ -5943,7 +5894,7 @@
           <p:cNvPr id="15" name="Imagen 14">
             <a:extLst>
               <a:ext uri="{FF2B5EF4-FFF2-40B4-BE49-F238E27FC236}">
-                <a16:creationId xmlns:a16="http://schemas.microsoft.com/office/drawing/2014/main" id="{9F9565AD-22F1-5CB0-7268-77F908F25C25}"/>
+                <a16:creationId xmlns:a16="http://schemas.microsoft.com/office/drawing/2014/main" id="{A4D56547-8953-EC5A-4764-0CF0090B82EC}"/>
               </a:ext>
             </a:extLst>
           </p:cNvPr>
@@ -5953,7 +5904,7 @@
           <p:nvPr/>
         </p:nvPicPr>
         <p:blipFill>
-          <a:blip r:embed="rId4"/>
+          <a:blip r:embed="rId7"/>
           <a:stretch>
             <a:fillRect/>
           </a:stretch>
@@ -6041,7 +5992,7 @@
         </p:nvSpPr>
         <p:spPr>
           <a:xfrm>
-            <a:off x="1698328" y="824309"/>
+            <a:off x="1698328" y="734219"/>
             <a:ext cx="8795345" cy="1157288"/>
           </a:xfrm>
           <a:prstGeom prst="rect">
@@ -6068,7 +6019,7 @@
                 <a:ea typeface="Kanit" pitchFamily="34" charset="-122"/>
                 <a:cs typeface="Kanit" pitchFamily="34" charset="-120"/>
               </a:rPr>
-              <a:t>Solución de problemas comunes de widgets HTML</a:t>
+              <a:t>Consideraciones de seguridad al usar widgets HTML</a:t>
             </a:r>
             <a:endParaRPr lang="en-US" sz="3645" dirty="0"/>
           </a:p>
@@ -6076,41 +6027,14 @@
       </p:sp>
       <p:sp>
         <p:nvSpPr>
-          <p:cNvPr id="5" name="Shape 3"/>
+          <p:cNvPr id="5" name="Text 3"/>
           <p:cNvSpPr/>
           <p:nvPr/>
         </p:nvSpPr>
         <p:spPr>
           <a:xfrm>
-            <a:off x="1698328" y="2351882"/>
-            <a:ext cx="1465858" cy="1066800"/>
-          </a:xfrm>
-          <a:prstGeom prst="roundRect">
-            <a:avLst>
-              <a:gd name="adj" fmla="val 7811"/>
-            </a:avLst>
-          </a:prstGeom>
-          <a:solidFill>
-            <a:srgbClr val="DFECE9"/>
-          </a:solidFill>
-          <a:ln w="7620">
-            <a:solidFill>
-              <a:srgbClr val="C5D2CF"/>
-            </a:solidFill>
-            <a:prstDash val="solid"/>
-          </a:ln>
-        </p:spPr>
-      </p:sp>
-      <p:sp>
-        <p:nvSpPr>
-          <p:cNvPr id="6" name="Text 4"/>
-          <p:cNvSpPr/>
-          <p:nvPr/>
-        </p:nvSpPr>
-        <p:spPr>
-          <a:xfrm>
-            <a:off x="1889820" y="2700140"/>
-            <a:ext cx="70346" cy="370284"/>
+            <a:off x="1698328" y="2354362"/>
+            <a:ext cx="2314575" cy="289322"/>
           </a:xfrm>
           <a:prstGeom prst="rect">
             <a:avLst/>
@@ -6122,21 +6046,21 @@
           <a:bodyPr wrap="none" rtlCol="0" anchor="t"/>
           <a:lstStyle/>
           <a:p>
-            <a:pPr algn="ctr">
+            <a:pPr>
               <a:lnSpc>
-                <a:spcPts val="2916"/>
+                <a:spcPts val="2278"/>
               </a:lnSpc>
             </a:pPr>
             <a:r>
               <a:rPr lang="en-US" sz="1822" dirty="0">
                 <a:solidFill>
-                  <a:srgbClr val="2C3249"/>
+                  <a:srgbClr val="272D45"/>
                 </a:solidFill>
                 <a:latin typeface="Kanit" pitchFamily="34" charset="0"/>
                 <a:ea typeface="Kanit" pitchFamily="34" charset="-122"/>
                 <a:cs typeface="Kanit" pitchFamily="34" charset="-120"/>
               </a:rPr>
-              <a:t>1</a:t>
+              <a:t>Riesgos Potenciales</a:t>
             </a:r>
             <a:endParaRPr lang="en-US" sz="1822" dirty="0"/>
           </a:p>
@@ -6144,14 +6068,14 @@
       </p:sp>
       <p:sp>
         <p:nvSpPr>
-          <p:cNvPr id="7" name="Text 5"/>
+          <p:cNvPr id="6" name="Text 4"/>
           <p:cNvSpPr/>
           <p:nvPr/>
         </p:nvSpPr>
         <p:spPr>
           <a:xfrm>
-            <a:off x="3349328" y="2537023"/>
-            <a:ext cx="2576711" cy="289322"/>
+            <a:off x="1698328" y="2828826"/>
+            <a:ext cx="2630289" cy="1480840"/>
           </a:xfrm>
           <a:prstGeom prst="rect">
             <a:avLst/>
@@ -6160,48 +6084,7 @@
           <a:ln/>
         </p:spPr>
         <p:txBody>
-          <a:bodyPr wrap="none" rtlCol="0" anchor="t"/>
-          <a:lstStyle/>
-          <a:p>
-            <a:pPr>
-              <a:lnSpc>
-                <a:spcPts val="2278"/>
-              </a:lnSpc>
-            </a:pPr>
-            <a:r>
-              <a:rPr lang="en-US" sz="1822" dirty="0">
-                <a:solidFill>
-                  <a:srgbClr val="2C3249"/>
-                </a:solidFill>
-                <a:latin typeface="Kanit" pitchFamily="34" charset="0"/>
-                <a:ea typeface="Kanit" pitchFamily="34" charset="-122"/>
-                <a:cs typeface="Kanit" pitchFamily="34" charset="-120"/>
-              </a:rPr>
-              <a:t>Problemas de carga lenta</a:t>
-            </a:r>
-            <a:endParaRPr lang="en-US" sz="1822" dirty="0"/>
-          </a:p>
-        </p:txBody>
-      </p:sp>
-      <p:sp>
-        <p:nvSpPr>
-          <p:cNvPr id="8" name="Text 6"/>
-          <p:cNvSpPr/>
-          <p:nvPr/>
-        </p:nvSpPr>
-        <p:spPr>
-          <a:xfrm>
-            <a:off x="3349328" y="2937371"/>
-            <a:ext cx="5442446" cy="296168"/>
-          </a:xfrm>
-          <a:prstGeom prst="rect">
-            <a:avLst/>
-          </a:prstGeom>
-          <a:noFill/>
-          <a:ln/>
-        </p:spPr>
-        <p:txBody>
-          <a:bodyPr wrap="none" rtlCol="0" anchor="t"/>
+          <a:bodyPr wrap="square" rtlCol="0" anchor="t"/>
           <a:lstStyle/>
           <a:p>
             <a:pPr>
@@ -6218,7 +6101,7 @@
                 <a:ea typeface="Martel Sans" pitchFamily="34" charset="-122"/>
                 <a:cs typeface="Martel Sans" pitchFamily="34" charset="-120"/>
               </a:rPr>
-              <a:t>Tiempo de carga prolongado afecta la experiencia del usuario.</a:t>
+              <a:t>La inclusión de widgets HTML de fuentes no confiables puede exponer su sitio web a vulnerabilidades de seguridad.</a:t>
             </a:r>
             <a:endParaRPr lang="en-US" sz="1458" dirty="0"/>
           </a:p>
@@ -6226,63 +6109,14 @@
       </p:sp>
       <p:sp>
         <p:nvSpPr>
-          <p:cNvPr id="9" name="Shape 7"/>
+          <p:cNvPr id="7" name="Text 5"/>
           <p:cNvSpPr/>
           <p:nvPr/>
         </p:nvSpPr>
         <p:spPr>
           <a:xfrm>
-            <a:off x="3256756" y="3397276"/>
-            <a:ext cx="7144345" cy="18504"/>
-          </a:xfrm>
-          <a:prstGeom prst="roundRect">
-            <a:avLst>
-              <a:gd name="adj" fmla="val 450302"/>
-            </a:avLst>
-          </a:prstGeom>
-          <a:solidFill>
-            <a:srgbClr val="C5D2CF"/>
-          </a:solidFill>
-          <a:ln/>
-        </p:spPr>
-      </p:sp>
-      <p:sp>
-        <p:nvSpPr>
-          <p:cNvPr id="10" name="Shape 8"/>
-          <p:cNvSpPr/>
-          <p:nvPr/>
-        </p:nvSpPr>
-        <p:spPr>
-          <a:xfrm>
-            <a:off x="1698328" y="3511253"/>
-            <a:ext cx="2931716" cy="1066800"/>
-          </a:xfrm>
-          <a:prstGeom prst="roundRect">
-            <a:avLst>
-              <a:gd name="adj" fmla="val 7811"/>
-            </a:avLst>
-          </a:prstGeom>
-          <a:solidFill>
-            <a:srgbClr val="DFECE9"/>
-          </a:solidFill>
-          <a:ln w="7620">
-            <a:solidFill>
-              <a:srgbClr val="C5D2CF"/>
-            </a:solidFill>
-            <a:prstDash val="solid"/>
-          </a:ln>
-        </p:spPr>
-      </p:sp>
-      <p:sp>
-        <p:nvSpPr>
-          <p:cNvPr id="11" name="Text 9"/>
-          <p:cNvSpPr/>
-          <p:nvPr/>
-        </p:nvSpPr>
-        <p:spPr>
-          <a:xfrm>
-            <a:off x="1889819" y="3859511"/>
-            <a:ext cx="117078" cy="370284"/>
+            <a:off x="1698328" y="4476254"/>
+            <a:ext cx="2630289" cy="1480840"/>
           </a:xfrm>
           <a:prstGeom prst="rect">
             <a:avLst/>
@@ -6291,89 +6125,7 @@
           <a:ln/>
         </p:spPr>
         <p:txBody>
-          <a:bodyPr wrap="none" rtlCol="0" anchor="t"/>
-          <a:lstStyle/>
-          <a:p>
-            <a:pPr algn="ctr">
-              <a:lnSpc>
-                <a:spcPts val="2916"/>
-              </a:lnSpc>
-            </a:pPr>
-            <a:r>
-              <a:rPr lang="en-US" sz="1822" dirty="0">
-                <a:solidFill>
-                  <a:srgbClr val="2C3249"/>
-                </a:solidFill>
-                <a:latin typeface="Kanit" pitchFamily="34" charset="0"/>
-                <a:ea typeface="Kanit" pitchFamily="34" charset="-122"/>
-                <a:cs typeface="Kanit" pitchFamily="34" charset="-120"/>
-              </a:rPr>
-              <a:t>2</a:t>
-            </a:r>
-            <a:endParaRPr lang="en-US" sz="1822" dirty="0"/>
-          </a:p>
-        </p:txBody>
-      </p:sp>
-      <p:sp>
-        <p:nvSpPr>
-          <p:cNvPr id="12" name="Text 10"/>
-          <p:cNvSpPr/>
-          <p:nvPr/>
-        </p:nvSpPr>
-        <p:spPr>
-          <a:xfrm>
-            <a:off x="4815185" y="3696394"/>
-            <a:ext cx="3336925" cy="289322"/>
-          </a:xfrm>
-          <a:prstGeom prst="rect">
-            <a:avLst/>
-          </a:prstGeom>
-          <a:noFill/>
-          <a:ln/>
-        </p:spPr>
-        <p:txBody>
-          <a:bodyPr wrap="none" rtlCol="0" anchor="t"/>
-          <a:lstStyle/>
-          <a:p>
-            <a:pPr>
-              <a:lnSpc>
-                <a:spcPts val="2278"/>
-              </a:lnSpc>
-            </a:pPr>
-            <a:r>
-              <a:rPr lang="en-US" sz="1822" dirty="0">
-                <a:solidFill>
-                  <a:srgbClr val="2C3249"/>
-                </a:solidFill>
-                <a:latin typeface="Kanit" pitchFamily="34" charset="0"/>
-                <a:ea typeface="Kanit" pitchFamily="34" charset="-122"/>
-                <a:cs typeface="Kanit" pitchFamily="34" charset="-120"/>
-              </a:rPr>
-              <a:t>Compatibilidad con navegadores</a:t>
-            </a:r>
-            <a:endParaRPr lang="en-US" sz="1822" dirty="0"/>
-          </a:p>
-        </p:txBody>
-      </p:sp>
-      <p:sp>
-        <p:nvSpPr>
-          <p:cNvPr id="13" name="Text 11"/>
-          <p:cNvSpPr/>
-          <p:nvPr/>
-        </p:nvSpPr>
-        <p:spPr>
-          <a:xfrm>
-            <a:off x="4815185" y="4096743"/>
-            <a:ext cx="5207893" cy="296168"/>
-          </a:xfrm>
-          <a:prstGeom prst="rect">
-            <a:avLst/>
-          </a:prstGeom>
-          <a:noFill/>
-          <a:ln/>
-        </p:spPr>
-        <p:txBody>
-          <a:bodyPr wrap="none" rtlCol="0" anchor="t"/>
+          <a:bodyPr wrap="square" rtlCol="0" anchor="t"/>
           <a:lstStyle/>
           <a:p>
             <a:pPr>
@@ -6390,7 +6142,7 @@
                 <a:ea typeface="Martel Sans" pitchFamily="34" charset="-122"/>
                 <a:cs typeface="Martel Sans" pitchFamily="34" charset="-120"/>
               </a:rPr>
-              <a:t>Problemas de visualización en diferentes navegadores web.</a:t>
+              <a:t>Los widgets maliciosos podrían contener código dañino que comprometa la integridad y la privacidad de sus usuarios.</a:t>
             </a:r>
             <a:endParaRPr lang="en-US" sz="1458" dirty="0"/>
           </a:p>
@@ -6398,63 +6150,14 @@
       </p:sp>
       <p:sp>
         <p:nvSpPr>
-          <p:cNvPr id="14" name="Shape 12"/>
+          <p:cNvPr id="8" name="Text 6"/>
           <p:cNvSpPr/>
           <p:nvPr/>
         </p:nvSpPr>
         <p:spPr>
           <a:xfrm>
-            <a:off x="4722614" y="4556646"/>
-            <a:ext cx="5678488" cy="18504"/>
-          </a:xfrm>
-          <a:prstGeom prst="roundRect">
-            <a:avLst>
-              <a:gd name="adj" fmla="val 450302"/>
-            </a:avLst>
-          </a:prstGeom>
-          <a:solidFill>
-            <a:srgbClr val="C5D2CF"/>
-          </a:solidFill>
-          <a:ln/>
-        </p:spPr>
-      </p:sp>
-      <p:sp>
-        <p:nvSpPr>
-          <p:cNvPr id="15" name="Shape 13"/>
-          <p:cNvSpPr/>
-          <p:nvPr/>
-        </p:nvSpPr>
-        <p:spPr>
-          <a:xfrm>
-            <a:off x="1698328" y="4670624"/>
-            <a:ext cx="4397673" cy="1362968"/>
-          </a:xfrm>
-          <a:prstGeom prst="roundRect">
-            <a:avLst>
-              <a:gd name="adj" fmla="val 6113"/>
-            </a:avLst>
-          </a:prstGeom>
-          <a:solidFill>
-            <a:srgbClr val="DFECE9"/>
-          </a:solidFill>
-          <a:ln w="7620">
-            <a:solidFill>
-              <a:srgbClr val="C5D2CF"/>
-            </a:solidFill>
-            <a:prstDash val="solid"/>
-          </a:ln>
-        </p:spPr>
-      </p:sp>
-      <p:sp>
-        <p:nvSpPr>
-          <p:cNvPr id="16" name="Text 14"/>
-          <p:cNvSpPr/>
-          <p:nvPr/>
-        </p:nvSpPr>
-        <p:spPr>
-          <a:xfrm>
-            <a:off x="1889819" y="5166916"/>
-            <a:ext cx="118963" cy="370284"/>
+            <a:off x="4786611" y="2354362"/>
+            <a:ext cx="2535039" cy="289322"/>
           </a:xfrm>
           <a:prstGeom prst="rect">
             <a:avLst/>
@@ -6466,21 +6169,21 @@
           <a:bodyPr wrap="none" rtlCol="0" anchor="t"/>
           <a:lstStyle/>
           <a:p>
-            <a:pPr algn="ctr">
+            <a:pPr>
               <a:lnSpc>
-                <a:spcPts val="2916"/>
+                <a:spcPts val="2278"/>
               </a:lnSpc>
             </a:pPr>
             <a:r>
               <a:rPr lang="en-US" sz="1822" dirty="0">
                 <a:solidFill>
-                  <a:srgbClr val="2C3249"/>
+                  <a:srgbClr val="272D45"/>
                 </a:solidFill>
                 <a:latin typeface="Kanit" pitchFamily="34" charset="0"/>
                 <a:ea typeface="Kanit" pitchFamily="34" charset="-122"/>
                 <a:cs typeface="Kanit" pitchFamily="34" charset="-120"/>
               </a:rPr>
-              <a:t>3</a:t>
+              <a:t>Protección y Verificación</a:t>
             </a:r>
             <a:endParaRPr lang="en-US" sz="1822" dirty="0"/>
           </a:p>
@@ -6488,55 +6191,14 @@
       </p:sp>
       <p:sp>
         <p:nvSpPr>
-          <p:cNvPr id="17" name="Text 15"/>
+          <p:cNvPr id="9" name="Text 7"/>
           <p:cNvSpPr/>
           <p:nvPr/>
         </p:nvSpPr>
         <p:spPr>
           <a:xfrm>
-            <a:off x="6281143" y="4855766"/>
-            <a:ext cx="2652118" cy="289322"/>
-          </a:xfrm>
-          <a:prstGeom prst="rect">
-            <a:avLst/>
-          </a:prstGeom>
-          <a:noFill/>
-          <a:ln/>
-        </p:spPr>
-        <p:txBody>
-          <a:bodyPr wrap="none" rtlCol="0" anchor="t"/>
-          <a:lstStyle/>
-          <a:p>
-            <a:pPr>
-              <a:lnSpc>
-                <a:spcPts val="2278"/>
-              </a:lnSpc>
-            </a:pPr>
-            <a:r>
-              <a:rPr lang="en-US" sz="1822" dirty="0">
-                <a:solidFill>
-                  <a:srgbClr val="2C3249"/>
-                </a:solidFill>
-                <a:latin typeface="Kanit" pitchFamily="34" charset="0"/>
-                <a:ea typeface="Kanit" pitchFamily="34" charset="-122"/>
-                <a:cs typeface="Kanit" pitchFamily="34" charset="-120"/>
-              </a:rPr>
-              <a:t>Conflicto con otros scripts</a:t>
-            </a:r>
-            <a:endParaRPr lang="en-US" sz="1822" dirty="0"/>
-          </a:p>
-        </p:txBody>
-      </p:sp>
-      <p:sp>
-        <p:nvSpPr>
-          <p:cNvPr id="18" name="Text 16"/>
-          <p:cNvSpPr/>
-          <p:nvPr/>
-        </p:nvSpPr>
-        <p:spPr>
-          <a:xfrm>
-            <a:off x="6281143" y="5256114"/>
-            <a:ext cx="4027388" cy="592336"/>
+            <a:off x="4786611" y="2828826"/>
+            <a:ext cx="2630289" cy="1184672"/>
           </a:xfrm>
           <a:prstGeom prst="rect">
             <a:avLst/>
@@ -6562,7 +6224,171 @@
                 <a:ea typeface="Martel Sans" pitchFamily="34" charset="-122"/>
                 <a:cs typeface="Martel Sans" pitchFamily="34" charset="-120"/>
               </a:rPr>
-              <a:t>Interferencia con scripts existentes en la página web.</a:t>
+              <a:t>Es crucial asegurarse de que los widgets utilizados sean de fuentes seguras y de confianza.</a:t>
+            </a:r>
+            <a:endParaRPr lang="en-US" sz="1458" dirty="0"/>
+          </a:p>
+        </p:txBody>
+      </p:sp>
+      <p:sp>
+        <p:nvSpPr>
+          <p:cNvPr id="10" name="Text 8"/>
+          <p:cNvSpPr/>
+          <p:nvPr/>
+        </p:nvSpPr>
+        <p:spPr>
+          <a:xfrm>
+            <a:off x="4786611" y="4180086"/>
+            <a:ext cx="2630289" cy="1480840"/>
+          </a:xfrm>
+          <a:prstGeom prst="rect">
+            <a:avLst/>
+          </a:prstGeom>
+          <a:noFill/>
+          <a:ln/>
+        </p:spPr>
+        <p:txBody>
+          <a:bodyPr wrap="square" rtlCol="0" anchor="t"/>
+          <a:lstStyle/>
+          <a:p>
+            <a:pPr>
+              <a:lnSpc>
+                <a:spcPts val="2332"/>
+              </a:lnSpc>
+            </a:pPr>
+            <a:r>
+              <a:rPr lang="en-US" sz="1458" dirty="0">
+                <a:solidFill>
+                  <a:srgbClr val="2C3249"/>
+                </a:solidFill>
+                <a:latin typeface="Martel Sans" pitchFamily="34" charset="0"/>
+                <a:ea typeface="Martel Sans" pitchFamily="34" charset="-122"/>
+                <a:cs typeface="Martel Sans" pitchFamily="34" charset="-120"/>
+              </a:rPr>
+              <a:t>Revisar regularmente las actualizaciones de seguridad y auditar los widgets implementados es fundamental.</a:t>
+            </a:r>
+            <a:endParaRPr lang="en-US" sz="1458" dirty="0"/>
+          </a:p>
+        </p:txBody>
+      </p:sp>
+      <p:sp>
+        <p:nvSpPr>
+          <p:cNvPr id="11" name="Text 9"/>
+          <p:cNvSpPr/>
+          <p:nvPr/>
+        </p:nvSpPr>
+        <p:spPr>
+          <a:xfrm>
+            <a:off x="7874893" y="2354362"/>
+            <a:ext cx="2314575" cy="289322"/>
+          </a:xfrm>
+          <a:prstGeom prst="rect">
+            <a:avLst/>
+          </a:prstGeom>
+          <a:noFill/>
+          <a:ln/>
+        </p:spPr>
+        <p:txBody>
+          <a:bodyPr wrap="none" rtlCol="0" anchor="t"/>
+          <a:lstStyle/>
+          <a:p>
+            <a:pPr>
+              <a:lnSpc>
+                <a:spcPts val="2278"/>
+              </a:lnSpc>
+            </a:pPr>
+            <a:r>
+              <a:rPr lang="en-US" sz="1822" dirty="0">
+                <a:solidFill>
+                  <a:srgbClr val="272D45"/>
+                </a:solidFill>
+                <a:latin typeface="Kanit" pitchFamily="34" charset="0"/>
+                <a:ea typeface="Kanit" pitchFamily="34" charset="-122"/>
+                <a:cs typeface="Kanit" pitchFamily="34" charset="-120"/>
+              </a:rPr>
+              <a:t>Validación de Origen</a:t>
+            </a:r>
+            <a:endParaRPr lang="en-US" sz="1822" dirty="0"/>
+          </a:p>
+        </p:txBody>
+      </p:sp>
+      <p:sp>
+        <p:nvSpPr>
+          <p:cNvPr id="12" name="Text 10"/>
+          <p:cNvSpPr/>
+          <p:nvPr/>
+        </p:nvSpPr>
+        <p:spPr>
+          <a:xfrm>
+            <a:off x="7874894" y="2828826"/>
+            <a:ext cx="2630289" cy="1480840"/>
+          </a:xfrm>
+          <a:prstGeom prst="rect">
+            <a:avLst/>
+          </a:prstGeom>
+          <a:noFill/>
+          <a:ln/>
+        </p:spPr>
+        <p:txBody>
+          <a:bodyPr wrap="square" rtlCol="0" anchor="t"/>
+          <a:lstStyle/>
+          <a:p>
+            <a:pPr>
+              <a:lnSpc>
+                <a:spcPts val="2332"/>
+              </a:lnSpc>
+            </a:pPr>
+            <a:r>
+              <a:rPr lang="en-US" sz="1458" dirty="0">
+                <a:solidFill>
+                  <a:srgbClr val="2C3249"/>
+                </a:solidFill>
+                <a:latin typeface="Martel Sans" pitchFamily="34" charset="0"/>
+                <a:ea typeface="Martel Sans" pitchFamily="34" charset="-122"/>
+                <a:cs typeface="Martel Sans" pitchFamily="34" charset="-120"/>
+              </a:rPr>
+              <a:t>Al incorporar widgets HTML, es importante validar el origen y la autenticidad del código para evitar ataques de suplantación de identidad.</a:t>
+            </a:r>
+            <a:endParaRPr lang="en-US" sz="1458" dirty="0"/>
+          </a:p>
+        </p:txBody>
+      </p:sp>
+      <p:sp>
+        <p:nvSpPr>
+          <p:cNvPr id="13" name="Text 11"/>
+          <p:cNvSpPr/>
+          <p:nvPr/>
+        </p:nvSpPr>
+        <p:spPr>
+          <a:xfrm>
+            <a:off x="7874894" y="4476254"/>
+            <a:ext cx="2630289" cy="1184672"/>
+          </a:xfrm>
+          <a:prstGeom prst="rect">
+            <a:avLst/>
+          </a:prstGeom>
+          <a:noFill/>
+          <a:ln/>
+        </p:spPr>
+        <p:txBody>
+          <a:bodyPr wrap="square" rtlCol="0" anchor="t"/>
+          <a:lstStyle/>
+          <a:p>
+            <a:pPr>
+              <a:lnSpc>
+                <a:spcPts val="2332"/>
+              </a:lnSpc>
+            </a:pPr>
+            <a:r>
+              <a:rPr lang="en-US" sz="1458" dirty="0">
+                <a:solidFill>
+                  <a:srgbClr val="2C3249"/>
+                </a:solidFill>
+                <a:latin typeface="Martel Sans" pitchFamily="34" charset="0"/>
+                <a:ea typeface="Martel Sans" pitchFamily="34" charset="-122"/>
+                <a:cs typeface="Martel Sans" pitchFamily="34" charset="-120"/>
+              </a:rPr>
+              <a:t>Utilice HTTPS y configuraciones de seguridad estrictas al cargar widgets externos.</a:t>
             </a:r>
             <a:endParaRPr lang="en-US" sz="1458" dirty="0"/>
           </a:p>
@@ -6570,10 +6396,10 @@
       </p:sp>
       <p:pic>
         <p:nvPicPr>
-          <p:cNvPr id="19" name="Imagen 18">
+          <p:cNvPr id="14" name="Imagen 13">
             <a:extLst>
               <a:ext uri="{FF2B5EF4-FFF2-40B4-BE49-F238E27FC236}">
-                <a16:creationId xmlns:a16="http://schemas.microsoft.com/office/drawing/2014/main" id="{5B5F4015-0FDC-A689-F721-CBBA3EECDDDC}"/>
+                <a16:creationId xmlns:a16="http://schemas.microsoft.com/office/drawing/2014/main" id="{E8B7D568-D12B-6AB7-AC2C-E5515A3DD50F}"/>
               </a:ext>
             </a:extLst>
           </p:cNvPr>
@@ -6600,10 +6426,10 @@
       </p:pic>
       <p:pic>
         <p:nvPicPr>
-          <p:cNvPr id="20" name="Imagen 19">
+          <p:cNvPr id="15" name="Imagen 14">
             <a:extLst>
               <a:ext uri="{FF2B5EF4-FFF2-40B4-BE49-F238E27FC236}">
-                <a16:creationId xmlns:a16="http://schemas.microsoft.com/office/drawing/2014/main" id="{90782A33-6917-EF9D-2DE3-8209109D117E}"/>
+                <a16:creationId xmlns:a16="http://schemas.microsoft.com/office/drawing/2014/main" id="{9F9565AD-22F1-5CB0-7268-77F908F25C25}"/>
               </a:ext>
             </a:extLst>
           </p:cNvPr>
@@ -6701,6 +6527,666 @@
         </p:nvSpPr>
         <p:spPr>
           <a:xfrm>
+            <a:off x="1698328" y="824309"/>
+            <a:ext cx="8795345" cy="1157288"/>
+          </a:xfrm>
+          <a:prstGeom prst="rect">
+            <a:avLst/>
+          </a:prstGeom>
+          <a:noFill/>
+          <a:ln/>
+        </p:spPr>
+        <p:txBody>
+          <a:bodyPr wrap="square" rtlCol="0" anchor="t"/>
+          <a:lstStyle/>
+          <a:p>
+            <a:pPr>
+              <a:lnSpc>
+                <a:spcPts val="4556"/>
+              </a:lnSpc>
+            </a:pPr>
+            <a:r>
+              <a:rPr lang="en-US" sz="3645" dirty="0">
+                <a:solidFill>
+                  <a:srgbClr val="272D45"/>
+                </a:solidFill>
+                <a:latin typeface="Kanit" pitchFamily="34" charset="0"/>
+                <a:ea typeface="Kanit" pitchFamily="34" charset="-122"/>
+                <a:cs typeface="Kanit" pitchFamily="34" charset="-120"/>
+              </a:rPr>
+              <a:t>Solución de problemas comunes de widgets HTML</a:t>
+            </a:r>
+            <a:endParaRPr lang="en-US" sz="3645" dirty="0"/>
+          </a:p>
+        </p:txBody>
+      </p:sp>
+      <p:sp>
+        <p:nvSpPr>
+          <p:cNvPr id="5" name="Shape 3"/>
+          <p:cNvSpPr/>
+          <p:nvPr/>
+        </p:nvSpPr>
+        <p:spPr>
+          <a:xfrm>
+            <a:off x="1698328" y="2351882"/>
+            <a:ext cx="1465858" cy="1066800"/>
+          </a:xfrm>
+          <a:prstGeom prst="roundRect">
+            <a:avLst>
+              <a:gd name="adj" fmla="val 7811"/>
+            </a:avLst>
+          </a:prstGeom>
+          <a:solidFill>
+            <a:srgbClr val="DFECE9"/>
+          </a:solidFill>
+          <a:ln w="7620">
+            <a:solidFill>
+              <a:srgbClr val="C5D2CF"/>
+            </a:solidFill>
+            <a:prstDash val="solid"/>
+          </a:ln>
+        </p:spPr>
+      </p:sp>
+      <p:sp>
+        <p:nvSpPr>
+          <p:cNvPr id="6" name="Text 4"/>
+          <p:cNvSpPr/>
+          <p:nvPr/>
+        </p:nvSpPr>
+        <p:spPr>
+          <a:xfrm>
+            <a:off x="1889820" y="2700140"/>
+            <a:ext cx="70346" cy="370284"/>
+          </a:xfrm>
+          <a:prstGeom prst="rect">
+            <a:avLst/>
+          </a:prstGeom>
+          <a:noFill/>
+          <a:ln/>
+        </p:spPr>
+        <p:txBody>
+          <a:bodyPr wrap="none" rtlCol="0" anchor="t"/>
+          <a:lstStyle/>
+          <a:p>
+            <a:pPr algn="ctr">
+              <a:lnSpc>
+                <a:spcPts val="2916"/>
+              </a:lnSpc>
+            </a:pPr>
+            <a:r>
+              <a:rPr lang="en-US" sz="1822" dirty="0">
+                <a:solidFill>
+                  <a:srgbClr val="2C3249"/>
+                </a:solidFill>
+                <a:latin typeface="Kanit" pitchFamily="34" charset="0"/>
+                <a:ea typeface="Kanit" pitchFamily="34" charset="-122"/>
+                <a:cs typeface="Kanit" pitchFamily="34" charset="-120"/>
+              </a:rPr>
+              <a:t>1</a:t>
+            </a:r>
+            <a:endParaRPr lang="en-US" sz="1822" dirty="0"/>
+          </a:p>
+        </p:txBody>
+      </p:sp>
+      <p:sp>
+        <p:nvSpPr>
+          <p:cNvPr id="7" name="Text 5"/>
+          <p:cNvSpPr/>
+          <p:nvPr/>
+        </p:nvSpPr>
+        <p:spPr>
+          <a:xfrm>
+            <a:off x="3349328" y="2537023"/>
+            <a:ext cx="2576711" cy="289322"/>
+          </a:xfrm>
+          <a:prstGeom prst="rect">
+            <a:avLst/>
+          </a:prstGeom>
+          <a:noFill/>
+          <a:ln/>
+        </p:spPr>
+        <p:txBody>
+          <a:bodyPr wrap="none" rtlCol="0" anchor="t"/>
+          <a:lstStyle/>
+          <a:p>
+            <a:pPr>
+              <a:lnSpc>
+                <a:spcPts val="2278"/>
+              </a:lnSpc>
+            </a:pPr>
+            <a:r>
+              <a:rPr lang="en-US" sz="1822" dirty="0">
+                <a:solidFill>
+                  <a:srgbClr val="2C3249"/>
+                </a:solidFill>
+                <a:latin typeface="Kanit" pitchFamily="34" charset="0"/>
+                <a:ea typeface="Kanit" pitchFamily="34" charset="-122"/>
+                <a:cs typeface="Kanit" pitchFamily="34" charset="-120"/>
+              </a:rPr>
+              <a:t>Problemas de carga lenta</a:t>
+            </a:r>
+            <a:endParaRPr lang="en-US" sz="1822" dirty="0"/>
+          </a:p>
+        </p:txBody>
+      </p:sp>
+      <p:sp>
+        <p:nvSpPr>
+          <p:cNvPr id="8" name="Text 6"/>
+          <p:cNvSpPr/>
+          <p:nvPr/>
+        </p:nvSpPr>
+        <p:spPr>
+          <a:xfrm>
+            <a:off x="3349328" y="2937371"/>
+            <a:ext cx="5442446" cy="296168"/>
+          </a:xfrm>
+          <a:prstGeom prst="rect">
+            <a:avLst/>
+          </a:prstGeom>
+          <a:noFill/>
+          <a:ln/>
+        </p:spPr>
+        <p:txBody>
+          <a:bodyPr wrap="none" rtlCol="0" anchor="t"/>
+          <a:lstStyle/>
+          <a:p>
+            <a:pPr>
+              <a:lnSpc>
+                <a:spcPts val="2332"/>
+              </a:lnSpc>
+            </a:pPr>
+            <a:r>
+              <a:rPr lang="en-US" sz="1458" dirty="0">
+                <a:solidFill>
+                  <a:srgbClr val="2C3249"/>
+                </a:solidFill>
+                <a:latin typeface="Martel Sans" pitchFamily="34" charset="0"/>
+                <a:ea typeface="Martel Sans" pitchFamily="34" charset="-122"/>
+                <a:cs typeface="Martel Sans" pitchFamily="34" charset="-120"/>
+              </a:rPr>
+              <a:t>Tiempo de carga prolongado afecta la experiencia del usuario.</a:t>
+            </a:r>
+            <a:endParaRPr lang="en-US" sz="1458" dirty="0"/>
+          </a:p>
+        </p:txBody>
+      </p:sp>
+      <p:sp>
+        <p:nvSpPr>
+          <p:cNvPr id="9" name="Shape 7"/>
+          <p:cNvSpPr/>
+          <p:nvPr/>
+        </p:nvSpPr>
+        <p:spPr>
+          <a:xfrm>
+            <a:off x="3256756" y="3397276"/>
+            <a:ext cx="7144345" cy="18504"/>
+          </a:xfrm>
+          <a:prstGeom prst="roundRect">
+            <a:avLst>
+              <a:gd name="adj" fmla="val 450302"/>
+            </a:avLst>
+          </a:prstGeom>
+          <a:solidFill>
+            <a:srgbClr val="C5D2CF"/>
+          </a:solidFill>
+          <a:ln/>
+        </p:spPr>
+      </p:sp>
+      <p:sp>
+        <p:nvSpPr>
+          <p:cNvPr id="10" name="Shape 8"/>
+          <p:cNvSpPr/>
+          <p:nvPr/>
+        </p:nvSpPr>
+        <p:spPr>
+          <a:xfrm>
+            <a:off x="1698328" y="3511253"/>
+            <a:ext cx="2931716" cy="1066800"/>
+          </a:xfrm>
+          <a:prstGeom prst="roundRect">
+            <a:avLst>
+              <a:gd name="adj" fmla="val 7811"/>
+            </a:avLst>
+          </a:prstGeom>
+          <a:solidFill>
+            <a:srgbClr val="DFECE9"/>
+          </a:solidFill>
+          <a:ln w="7620">
+            <a:solidFill>
+              <a:srgbClr val="C5D2CF"/>
+            </a:solidFill>
+            <a:prstDash val="solid"/>
+          </a:ln>
+        </p:spPr>
+      </p:sp>
+      <p:sp>
+        <p:nvSpPr>
+          <p:cNvPr id="11" name="Text 9"/>
+          <p:cNvSpPr/>
+          <p:nvPr/>
+        </p:nvSpPr>
+        <p:spPr>
+          <a:xfrm>
+            <a:off x="1889819" y="3859511"/>
+            <a:ext cx="117078" cy="370284"/>
+          </a:xfrm>
+          <a:prstGeom prst="rect">
+            <a:avLst/>
+          </a:prstGeom>
+          <a:noFill/>
+          <a:ln/>
+        </p:spPr>
+        <p:txBody>
+          <a:bodyPr wrap="none" rtlCol="0" anchor="t"/>
+          <a:lstStyle/>
+          <a:p>
+            <a:pPr algn="ctr">
+              <a:lnSpc>
+                <a:spcPts val="2916"/>
+              </a:lnSpc>
+            </a:pPr>
+            <a:r>
+              <a:rPr lang="en-US" sz="1822" dirty="0">
+                <a:solidFill>
+                  <a:srgbClr val="2C3249"/>
+                </a:solidFill>
+                <a:latin typeface="Kanit" pitchFamily="34" charset="0"/>
+                <a:ea typeface="Kanit" pitchFamily="34" charset="-122"/>
+                <a:cs typeface="Kanit" pitchFamily="34" charset="-120"/>
+              </a:rPr>
+              <a:t>2</a:t>
+            </a:r>
+            <a:endParaRPr lang="en-US" sz="1822" dirty="0"/>
+          </a:p>
+        </p:txBody>
+      </p:sp>
+      <p:sp>
+        <p:nvSpPr>
+          <p:cNvPr id="12" name="Text 10"/>
+          <p:cNvSpPr/>
+          <p:nvPr/>
+        </p:nvSpPr>
+        <p:spPr>
+          <a:xfrm>
+            <a:off x="4815185" y="3696394"/>
+            <a:ext cx="3336925" cy="289322"/>
+          </a:xfrm>
+          <a:prstGeom prst="rect">
+            <a:avLst/>
+          </a:prstGeom>
+          <a:noFill/>
+          <a:ln/>
+        </p:spPr>
+        <p:txBody>
+          <a:bodyPr wrap="none" rtlCol="0" anchor="t"/>
+          <a:lstStyle/>
+          <a:p>
+            <a:pPr>
+              <a:lnSpc>
+                <a:spcPts val="2278"/>
+              </a:lnSpc>
+            </a:pPr>
+            <a:r>
+              <a:rPr lang="en-US" sz="1822" dirty="0">
+                <a:solidFill>
+                  <a:srgbClr val="2C3249"/>
+                </a:solidFill>
+                <a:latin typeface="Kanit" pitchFamily="34" charset="0"/>
+                <a:ea typeface="Kanit" pitchFamily="34" charset="-122"/>
+                <a:cs typeface="Kanit" pitchFamily="34" charset="-120"/>
+              </a:rPr>
+              <a:t>Compatibilidad con navegadores</a:t>
+            </a:r>
+            <a:endParaRPr lang="en-US" sz="1822" dirty="0"/>
+          </a:p>
+        </p:txBody>
+      </p:sp>
+      <p:sp>
+        <p:nvSpPr>
+          <p:cNvPr id="13" name="Text 11"/>
+          <p:cNvSpPr/>
+          <p:nvPr/>
+        </p:nvSpPr>
+        <p:spPr>
+          <a:xfrm>
+            <a:off x="4815185" y="4096743"/>
+            <a:ext cx="5207893" cy="296168"/>
+          </a:xfrm>
+          <a:prstGeom prst="rect">
+            <a:avLst/>
+          </a:prstGeom>
+          <a:noFill/>
+          <a:ln/>
+        </p:spPr>
+        <p:txBody>
+          <a:bodyPr wrap="none" rtlCol="0" anchor="t"/>
+          <a:lstStyle/>
+          <a:p>
+            <a:pPr>
+              <a:lnSpc>
+                <a:spcPts val="2332"/>
+              </a:lnSpc>
+            </a:pPr>
+            <a:r>
+              <a:rPr lang="en-US" sz="1458" dirty="0">
+                <a:solidFill>
+                  <a:srgbClr val="2C3249"/>
+                </a:solidFill>
+                <a:latin typeface="Martel Sans" pitchFamily="34" charset="0"/>
+                <a:ea typeface="Martel Sans" pitchFamily="34" charset="-122"/>
+                <a:cs typeface="Martel Sans" pitchFamily="34" charset="-120"/>
+              </a:rPr>
+              <a:t>Problemas de visualización en diferentes navegadores web.</a:t>
+            </a:r>
+            <a:endParaRPr lang="en-US" sz="1458" dirty="0"/>
+          </a:p>
+        </p:txBody>
+      </p:sp>
+      <p:sp>
+        <p:nvSpPr>
+          <p:cNvPr id="14" name="Shape 12"/>
+          <p:cNvSpPr/>
+          <p:nvPr/>
+        </p:nvSpPr>
+        <p:spPr>
+          <a:xfrm>
+            <a:off x="4722614" y="4556646"/>
+            <a:ext cx="5678488" cy="18504"/>
+          </a:xfrm>
+          <a:prstGeom prst="roundRect">
+            <a:avLst>
+              <a:gd name="adj" fmla="val 450302"/>
+            </a:avLst>
+          </a:prstGeom>
+          <a:solidFill>
+            <a:srgbClr val="C5D2CF"/>
+          </a:solidFill>
+          <a:ln/>
+        </p:spPr>
+      </p:sp>
+      <p:sp>
+        <p:nvSpPr>
+          <p:cNvPr id="15" name="Shape 13"/>
+          <p:cNvSpPr/>
+          <p:nvPr/>
+        </p:nvSpPr>
+        <p:spPr>
+          <a:xfrm>
+            <a:off x="1698328" y="4670624"/>
+            <a:ext cx="4397673" cy="1362968"/>
+          </a:xfrm>
+          <a:prstGeom prst="roundRect">
+            <a:avLst>
+              <a:gd name="adj" fmla="val 6113"/>
+            </a:avLst>
+          </a:prstGeom>
+          <a:solidFill>
+            <a:srgbClr val="DFECE9"/>
+          </a:solidFill>
+          <a:ln w="7620">
+            <a:solidFill>
+              <a:srgbClr val="C5D2CF"/>
+            </a:solidFill>
+            <a:prstDash val="solid"/>
+          </a:ln>
+        </p:spPr>
+      </p:sp>
+      <p:sp>
+        <p:nvSpPr>
+          <p:cNvPr id="16" name="Text 14"/>
+          <p:cNvSpPr/>
+          <p:nvPr/>
+        </p:nvSpPr>
+        <p:spPr>
+          <a:xfrm>
+            <a:off x="1889819" y="5166916"/>
+            <a:ext cx="118963" cy="370284"/>
+          </a:xfrm>
+          <a:prstGeom prst="rect">
+            <a:avLst/>
+          </a:prstGeom>
+          <a:noFill/>
+          <a:ln/>
+        </p:spPr>
+        <p:txBody>
+          <a:bodyPr wrap="none" rtlCol="0" anchor="t"/>
+          <a:lstStyle/>
+          <a:p>
+            <a:pPr algn="ctr">
+              <a:lnSpc>
+                <a:spcPts val="2916"/>
+              </a:lnSpc>
+            </a:pPr>
+            <a:r>
+              <a:rPr lang="en-US" sz="1822" dirty="0">
+                <a:solidFill>
+                  <a:srgbClr val="2C3249"/>
+                </a:solidFill>
+                <a:latin typeface="Kanit" pitchFamily="34" charset="0"/>
+                <a:ea typeface="Kanit" pitchFamily="34" charset="-122"/>
+                <a:cs typeface="Kanit" pitchFamily="34" charset="-120"/>
+              </a:rPr>
+              <a:t>3</a:t>
+            </a:r>
+            <a:endParaRPr lang="en-US" sz="1822" dirty="0"/>
+          </a:p>
+        </p:txBody>
+      </p:sp>
+      <p:sp>
+        <p:nvSpPr>
+          <p:cNvPr id="17" name="Text 15"/>
+          <p:cNvSpPr/>
+          <p:nvPr/>
+        </p:nvSpPr>
+        <p:spPr>
+          <a:xfrm>
+            <a:off x="6281143" y="4855766"/>
+            <a:ext cx="2652118" cy="289322"/>
+          </a:xfrm>
+          <a:prstGeom prst="rect">
+            <a:avLst/>
+          </a:prstGeom>
+          <a:noFill/>
+          <a:ln/>
+        </p:spPr>
+        <p:txBody>
+          <a:bodyPr wrap="none" rtlCol="0" anchor="t"/>
+          <a:lstStyle/>
+          <a:p>
+            <a:pPr>
+              <a:lnSpc>
+                <a:spcPts val="2278"/>
+              </a:lnSpc>
+            </a:pPr>
+            <a:r>
+              <a:rPr lang="en-US" sz="1822" dirty="0">
+                <a:solidFill>
+                  <a:srgbClr val="2C3249"/>
+                </a:solidFill>
+                <a:latin typeface="Kanit" pitchFamily="34" charset="0"/>
+                <a:ea typeface="Kanit" pitchFamily="34" charset="-122"/>
+                <a:cs typeface="Kanit" pitchFamily="34" charset="-120"/>
+              </a:rPr>
+              <a:t>Conflicto con otros scripts</a:t>
+            </a:r>
+            <a:endParaRPr lang="en-US" sz="1822" dirty="0"/>
+          </a:p>
+        </p:txBody>
+      </p:sp>
+      <p:sp>
+        <p:nvSpPr>
+          <p:cNvPr id="18" name="Text 16"/>
+          <p:cNvSpPr/>
+          <p:nvPr/>
+        </p:nvSpPr>
+        <p:spPr>
+          <a:xfrm>
+            <a:off x="6281143" y="5256114"/>
+            <a:ext cx="4027388" cy="592336"/>
+          </a:xfrm>
+          <a:prstGeom prst="rect">
+            <a:avLst/>
+          </a:prstGeom>
+          <a:noFill/>
+          <a:ln/>
+        </p:spPr>
+        <p:txBody>
+          <a:bodyPr wrap="square" rtlCol="0" anchor="t"/>
+          <a:lstStyle/>
+          <a:p>
+            <a:pPr>
+              <a:lnSpc>
+                <a:spcPts val="2332"/>
+              </a:lnSpc>
+            </a:pPr>
+            <a:r>
+              <a:rPr lang="en-US" sz="1458" dirty="0">
+                <a:solidFill>
+                  <a:srgbClr val="2C3249"/>
+                </a:solidFill>
+                <a:latin typeface="Martel Sans" pitchFamily="34" charset="0"/>
+                <a:ea typeface="Martel Sans" pitchFamily="34" charset="-122"/>
+                <a:cs typeface="Martel Sans" pitchFamily="34" charset="-120"/>
+              </a:rPr>
+              <a:t>Interferencia con scripts existentes en la página web.</a:t>
+            </a:r>
+            <a:endParaRPr lang="en-US" sz="1458" dirty="0"/>
+          </a:p>
+        </p:txBody>
+      </p:sp>
+      <p:pic>
+        <p:nvPicPr>
+          <p:cNvPr id="19" name="Imagen 18">
+            <a:extLst>
+              <a:ext uri="{FF2B5EF4-FFF2-40B4-BE49-F238E27FC236}">
+                <a16:creationId xmlns:a16="http://schemas.microsoft.com/office/drawing/2014/main" id="{5B5F4015-0FDC-A689-F721-CBBA3EECDDDC}"/>
+              </a:ext>
+            </a:extLst>
+          </p:cNvPr>
+          <p:cNvPicPr>
+            <a:picLocks noChangeAspect="1"/>
+          </p:cNvPicPr>
+          <p:nvPr/>
+        </p:nvPicPr>
+        <p:blipFill>
+          <a:blip r:embed="rId3"/>
+          <a:stretch>
+            <a:fillRect/>
+          </a:stretch>
+        </p:blipFill>
+        <p:spPr>
+          <a:xfrm>
+            <a:off x="0" y="6143625"/>
+            <a:ext cx="11087100" cy="714375"/>
+          </a:xfrm>
+          <a:prstGeom prst="rect">
+            <a:avLst/>
+          </a:prstGeom>
+        </p:spPr>
+      </p:pic>
+      <p:pic>
+        <p:nvPicPr>
+          <p:cNvPr id="20" name="Imagen 19">
+            <a:extLst>
+              <a:ext uri="{FF2B5EF4-FFF2-40B4-BE49-F238E27FC236}">
+                <a16:creationId xmlns:a16="http://schemas.microsoft.com/office/drawing/2014/main" id="{90782A33-6917-EF9D-2DE3-8209109D117E}"/>
+              </a:ext>
+            </a:extLst>
+          </p:cNvPr>
+          <p:cNvPicPr>
+            <a:picLocks noChangeAspect="1"/>
+          </p:cNvPicPr>
+          <p:nvPr/>
+        </p:nvPicPr>
+        <p:blipFill>
+          <a:blip r:embed="rId4"/>
+          <a:stretch>
+            <a:fillRect/>
+          </a:stretch>
+        </p:blipFill>
+        <p:spPr>
+          <a:xfrm>
+            <a:off x="55066" y="0"/>
+            <a:ext cx="11896725" cy="676275"/>
+          </a:xfrm>
+          <a:prstGeom prst="rect">
+            <a:avLst/>
+          </a:prstGeom>
+        </p:spPr>
+      </p:pic>
+    </p:spTree>
+  </p:cSld>
+  <p:clrMapOvr>
+    <a:masterClrMapping/>
+  </p:clrMapOvr>
+</p:sld>
+</file>
+
+<file path=ppt/slides/slide13.xml><?xml version="1.0" encoding="utf-8"?>
+<p:sld xmlns:a="http://schemas.openxmlformats.org/drawingml/2006/main" xmlns:r="http://schemas.openxmlformats.org/officeDocument/2006/relationships" xmlns:p="http://schemas.openxmlformats.org/presentationml/2006/main">
+  <p:cSld>
+    <p:spTree>
+      <p:nvGrpSpPr>
+        <p:cNvPr id="1" name=""/>
+        <p:cNvGrpSpPr/>
+        <p:nvPr/>
+      </p:nvGrpSpPr>
+      <p:grpSpPr>
+        <a:xfrm>
+          <a:off x="0" y="0"/>
+          <a:ext cx="0" cy="0"/>
+          <a:chOff x="0" y="0"/>
+          <a:chExt cx="0" cy="0"/>
+        </a:xfrm>
+      </p:grpSpPr>
+      <p:sp>
+        <p:nvSpPr>
+          <p:cNvPr id="2" name="Shape 0"/>
+          <p:cNvSpPr/>
+          <p:nvPr/>
+        </p:nvSpPr>
+        <p:spPr>
+          <a:xfrm>
+            <a:off x="0" y="0"/>
+            <a:ext cx="12192000" cy="6858000"/>
+          </a:xfrm>
+          <a:prstGeom prst="rect">
+            <a:avLst/>
+          </a:prstGeom>
+          <a:solidFill>
+            <a:srgbClr val="EBF4F3"/>
+          </a:solidFill>
+          <a:ln/>
+        </p:spPr>
+      </p:sp>
+      <p:sp>
+        <p:nvSpPr>
+          <p:cNvPr id="3" name="Shape 1"/>
+          <p:cNvSpPr/>
+          <p:nvPr/>
+        </p:nvSpPr>
+        <p:spPr>
+          <a:xfrm>
+            <a:off x="0" y="0"/>
+            <a:ext cx="12192000" cy="6858000"/>
+          </a:xfrm>
+          <a:prstGeom prst="rect">
+            <a:avLst/>
+          </a:prstGeom>
+          <a:solidFill>
+            <a:srgbClr val="FFFFFF"/>
+          </a:solidFill>
+          <a:ln/>
+        </p:spPr>
+      </p:sp>
+      <p:sp>
+        <p:nvSpPr>
+          <p:cNvPr id="4" name="Text 2"/>
+          <p:cNvSpPr/>
+          <p:nvPr/>
+        </p:nvSpPr>
+        <p:spPr>
+          <a:xfrm>
             <a:off x="1698328" y="1961853"/>
             <a:ext cx="6353671" cy="578644"/>
           </a:xfrm>
@@ -6884,7 +7370,159 @@
 </p:sld>
 </file>
 
-<file path=ppt/slides/slide13.xml><?xml version="1.0" encoding="utf-8"?>
+<file path=ppt/slides/slide14.xml><?xml version="1.0" encoding="utf-8"?>
+<p:sld xmlns:a="http://schemas.openxmlformats.org/drawingml/2006/main" xmlns:r="http://schemas.openxmlformats.org/officeDocument/2006/relationships" xmlns:p="http://schemas.openxmlformats.org/presentationml/2006/main">
+  <p:cSld>
+    <p:spTree>
+      <p:nvGrpSpPr>
+        <p:cNvPr id="1" name=""/>
+        <p:cNvGrpSpPr/>
+        <p:nvPr/>
+      </p:nvGrpSpPr>
+      <p:grpSpPr>
+        <a:xfrm>
+          <a:off x="0" y="0"/>
+          <a:ext cx="0" cy="0"/>
+          <a:chOff x="0" y="0"/>
+          <a:chExt cx="0" cy="0"/>
+        </a:xfrm>
+      </p:grpSpPr>
+      <p:sp>
+        <p:nvSpPr>
+          <p:cNvPr id="2" name="Título 1">
+            <a:extLst>
+              <a:ext uri="{FF2B5EF4-FFF2-40B4-BE49-F238E27FC236}">
+                <a16:creationId xmlns:a16="http://schemas.microsoft.com/office/drawing/2014/main" id="{B8ABAACC-5240-4E68-A4E9-ACA6E7A4B0A2}"/>
+              </a:ext>
+            </a:extLst>
+          </p:cNvPr>
+          <p:cNvSpPr>
+            <a:spLocks noGrp="1"/>
+          </p:cNvSpPr>
+          <p:nvPr>
+            <p:ph type="title" idx="4294967295"/>
+          </p:nvPr>
+        </p:nvSpPr>
+        <p:spPr>
+          <a:xfrm>
+            <a:off x="492369" y="1395046"/>
+            <a:ext cx="11218985" cy="295642"/>
+          </a:xfrm>
+        </p:spPr>
+        <p:txBody>
+          <a:bodyPr>
+            <a:noAutofit/>
+          </a:bodyPr>
+          <a:lstStyle/>
+          <a:p>
+            <a:r>
+              <a:rPr lang="es-EC" sz="3200" b="1" dirty="0"/>
+              <a:t>Tarea: Desplegando widgets HTML </a:t>
+            </a:r>
+          </a:p>
+        </p:txBody>
+      </p:sp>
+      <p:sp>
+        <p:nvSpPr>
+          <p:cNvPr id="3" name="Marcador de contenido 2">
+            <a:extLst>
+              <a:ext uri="{FF2B5EF4-FFF2-40B4-BE49-F238E27FC236}">
+                <a16:creationId xmlns:a16="http://schemas.microsoft.com/office/drawing/2014/main" id="{055CBC30-9FA5-4F46-97C3-766A43887EE6}"/>
+              </a:ext>
+            </a:extLst>
+          </p:cNvPr>
+          <p:cNvSpPr>
+            <a:spLocks noGrp="1"/>
+          </p:cNvSpPr>
+          <p:nvPr>
+            <p:ph idx="4294967295"/>
+          </p:nvPr>
+        </p:nvSpPr>
+        <p:spPr>
+          <a:xfrm>
+            <a:off x="492369" y="1825625"/>
+            <a:ext cx="11218985" cy="4351338"/>
+          </a:xfrm>
+        </p:spPr>
+        <p:txBody>
+          <a:bodyPr>
+            <a:normAutofit/>
+          </a:bodyPr>
+          <a:lstStyle/>
+          <a:p>
+            <a:pPr algn="just"/>
+            <a:endParaRPr lang="es-EC" sz="1400" dirty="0"/>
+          </a:p>
+          <a:p>
+            <a:pPr algn="just"/>
+            <a:r>
+              <a:rPr lang="es-EC" sz="2000" dirty="0"/>
+              <a:t>Elaborar una página web con el despliegue de al menos 3 widgets HTML.</a:t>
+            </a:r>
+          </a:p>
+        </p:txBody>
+      </p:sp>
+      <p:pic>
+        <p:nvPicPr>
+          <p:cNvPr id="1028" name="Picture 4" descr="Cómo hacer una maquetación web óptima?">
+            <a:extLst>
+              <a:ext uri="{FF2B5EF4-FFF2-40B4-BE49-F238E27FC236}">
+                <a16:creationId xmlns:a16="http://schemas.microsoft.com/office/drawing/2014/main" id="{D62FD894-7ACC-6C05-06CC-B38F16A17B04}"/>
+              </a:ext>
+            </a:extLst>
+          </p:cNvPr>
+          <p:cNvPicPr>
+            <a:picLocks noChangeAspect="1" noChangeArrowheads="1"/>
+          </p:cNvPicPr>
+          <p:nvPr/>
+        </p:nvPicPr>
+        <p:blipFill>
+          <a:blip r:embed="rId2">
+            <a:extLst>
+              <a:ext uri="{28A0092B-C50C-407E-A947-70E740481C1C}">
+                <a14:useLocalDpi xmlns:a14="http://schemas.microsoft.com/office/drawing/2010/main" val="0"/>
+              </a:ext>
+            </a:extLst>
+          </a:blip>
+          <a:srcRect/>
+          <a:stretch>
+            <a:fillRect/>
+          </a:stretch>
+        </p:blipFill>
+        <p:spPr bwMode="auto">
+          <a:xfrm>
+            <a:off x="3032643" y="2780523"/>
+            <a:ext cx="5796642" cy="3265714"/>
+          </a:xfrm>
+          <a:prstGeom prst="rect">
+            <a:avLst/>
+          </a:prstGeom>
+          <a:noFill/>
+          <a:extLst>
+            <a:ext uri="{909E8E84-426E-40DD-AFC4-6F175D3DCCD1}">
+              <a14:hiddenFill xmlns:a14="http://schemas.microsoft.com/office/drawing/2010/main">
+                <a:solidFill>
+                  <a:srgbClr val="FFFFFF"/>
+                </a:solidFill>
+              </a14:hiddenFill>
+            </a:ext>
+          </a:extLst>
+        </p:spPr>
+      </p:pic>
+    </p:spTree>
+    <p:extLst>
+      <p:ext uri="{BB962C8B-B14F-4D97-AF65-F5344CB8AC3E}">
+        <p14:creationId xmlns:p14="http://schemas.microsoft.com/office/powerpoint/2010/main" val="161920326"/>
+      </p:ext>
+    </p:extLst>
+  </p:cSld>
+  <p:clrMapOvr>
+    <a:masterClrMapping/>
+  </p:clrMapOvr>
+</p:sld>
+</file>
+
+<file path=ppt/slides/slide15.xml><?xml version="1.0" encoding="utf-8"?>
 <p:sld xmlns:a="http://schemas.openxmlformats.org/drawingml/2006/main" xmlns:r="http://schemas.openxmlformats.org/officeDocument/2006/relationships" xmlns:p="http://schemas.openxmlformats.org/presentationml/2006/main">
   <p:cSld>
     <p:spTree>
@@ -7004,7 +7642,7 @@
             </a:r>
             <a:r>
               <a:rPr lang="es-EC" sz="2000"/>
-              <a:t>, implementaros </a:t>
+              <a:t>, implementarlos </a:t>
             </a:r>
             <a:r>
               <a:rPr lang="es-EC" sz="2000" dirty="0"/>
@@ -7092,211 +7730,149 @@
       </p:grpSpPr>
       <p:sp>
         <p:nvSpPr>
-          <p:cNvPr id="2" name="Shape 0"/>
-          <p:cNvSpPr/>
-          <p:nvPr/>
-        </p:nvSpPr>
-        <p:spPr>
-          <a:xfrm>
-            <a:off x="0" y="0"/>
-            <a:ext cx="12192000" cy="6858000"/>
-          </a:xfrm>
-          <a:prstGeom prst="rect">
-            <a:avLst/>
-          </a:prstGeom>
-          <a:solidFill>
-            <a:srgbClr val="EBF4F3"/>
-          </a:solidFill>
-          <a:ln/>
-        </p:spPr>
-      </p:sp>
-      <p:sp>
-        <p:nvSpPr>
-          <p:cNvPr id="3" name="Shape 1"/>
-          <p:cNvSpPr/>
-          <p:nvPr/>
-        </p:nvSpPr>
-        <p:spPr>
-          <a:xfrm>
-            <a:off x="0" y="0"/>
-            <a:ext cx="12192000" cy="6858000"/>
-          </a:xfrm>
-          <a:prstGeom prst="rect">
-            <a:avLst/>
-          </a:prstGeom>
-          <a:solidFill>
-            <a:srgbClr val="FFFFFF"/>
-          </a:solidFill>
-          <a:ln/>
-        </p:spPr>
+          <p:cNvPr id="2" name="Título 1">
+            <a:extLst>
+              <a:ext uri="{FF2B5EF4-FFF2-40B4-BE49-F238E27FC236}">
+                <a16:creationId xmlns:a16="http://schemas.microsoft.com/office/drawing/2014/main" id="{B8ABAACC-5240-4E68-A4E9-ACA6E7A4B0A2}"/>
+              </a:ext>
+            </a:extLst>
+          </p:cNvPr>
+          <p:cNvSpPr>
+            <a:spLocks noGrp="1"/>
+          </p:cNvSpPr>
+          <p:nvPr>
+            <p:ph type="title" idx="4294967295"/>
+          </p:nvPr>
+        </p:nvSpPr>
+        <p:spPr>
+          <a:xfrm>
+            <a:off x="343079" y="1409161"/>
+            <a:ext cx="11218985" cy="295642"/>
+          </a:xfrm>
+        </p:spPr>
+        <p:txBody>
+          <a:bodyPr>
+            <a:noAutofit/>
+          </a:bodyPr>
+          <a:lstStyle/>
+          <a:p>
+            <a:pPr algn="ctr"/>
+            <a:r>
+              <a:rPr lang="es-EC" sz="3200" b="1" dirty="0"/>
+              <a:t>Agenda</a:t>
+            </a:r>
+          </a:p>
+        </p:txBody>
+      </p:sp>
+      <p:sp>
+        <p:nvSpPr>
+          <p:cNvPr id="3" name="Marcador de contenido 2">
+            <a:extLst>
+              <a:ext uri="{FF2B5EF4-FFF2-40B4-BE49-F238E27FC236}">
+                <a16:creationId xmlns:a16="http://schemas.microsoft.com/office/drawing/2014/main" id="{055CBC30-9FA5-4F46-97C3-766A43887EE6}"/>
+              </a:ext>
+            </a:extLst>
+          </p:cNvPr>
+          <p:cNvSpPr>
+            <a:spLocks noGrp="1"/>
+          </p:cNvSpPr>
+          <p:nvPr>
+            <p:ph idx="4294967295"/>
+          </p:nvPr>
+        </p:nvSpPr>
+        <p:spPr>
+          <a:xfrm>
+            <a:off x="492369" y="2012615"/>
+            <a:ext cx="11218985" cy="1171984"/>
+          </a:xfrm>
+        </p:spPr>
+        <p:txBody>
+          <a:bodyPr>
+            <a:normAutofit/>
+          </a:bodyPr>
+          <a:lstStyle/>
+          <a:p>
+            <a:pPr marL="457200" indent="-457200" algn="ctr">
+              <a:buAutoNum type="arabicPeriod"/>
+            </a:pPr>
+            <a:r>
+              <a:rPr lang="es-EC" sz="2000" dirty="0"/>
+              <a:t>Widgets HTML: Concepto y ventajas</a:t>
+            </a:r>
+          </a:p>
+          <a:p>
+            <a:pPr marL="457200" indent="-457200" algn="ctr">
+              <a:buAutoNum type="arabicPeriod"/>
+            </a:pPr>
+            <a:r>
+              <a:rPr lang="es-EC" sz="2000" dirty="0"/>
+              <a:t> Herramientas para su uso</a:t>
+            </a:r>
+          </a:p>
+          <a:p>
+            <a:pPr marL="457200" indent="-457200" algn="ctr">
+              <a:buAutoNum type="arabicPeriod"/>
+            </a:pPr>
+            <a:r>
+              <a:rPr lang="es-EC" sz="2000" dirty="0"/>
+              <a:t>Solución a problemas.</a:t>
+            </a:r>
+          </a:p>
+        </p:txBody>
       </p:sp>
       <p:pic>
         <p:nvPicPr>
-          <p:cNvPr id="4" name="Image 0" descr="preencoded.png"/>
+          <p:cNvPr id="2050" name="Picture 2" descr="870.700+ Agenda Fotografías de stock, fotos e imágenes libres de derechos -  iStock | Calendario, Indice, Reloj">
+            <a:extLst>
+              <a:ext uri="{FF2B5EF4-FFF2-40B4-BE49-F238E27FC236}">
+                <a16:creationId xmlns:a16="http://schemas.microsoft.com/office/drawing/2014/main" id="{62461B0E-7D99-532C-B023-030084F16629}"/>
+              </a:ext>
+            </a:extLst>
+          </p:cNvPr>
           <p:cNvPicPr>
-            <a:picLocks noChangeAspect="1"/>
+            <a:picLocks noChangeAspect="1" noChangeArrowheads="1"/>
           </p:cNvPicPr>
           <p:nvPr/>
         </p:nvPicPr>
         <p:blipFill>
-          <a:blip r:embed="rId3"/>
+          <a:blip r:embed="rId2">
+            <a:extLst>
+              <a:ext uri="{28A0092B-C50C-407E-A947-70E740481C1C}">
+                <a14:useLocalDpi xmlns:a14="http://schemas.microsoft.com/office/drawing/2010/main" val="0"/>
+              </a:ext>
+            </a:extLst>
+          </a:blip>
+          <a:srcRect/>
           <a:stretch>
             <a:fillRect/>
           </a:stretch>
         </p:blipFill>
-        <p:spPr>
-          <a:xfrm>
-            <a:off x="0" y="0"/>
-            <a:ext cx="4572000" cy="6858000"/>
-          </a:xfrm>
-          <a:prstGeom prst="rect">
-            <a:avLst/>
-          </a:prstGeom>
-        </p:spPr>
-      </p:pic>
-      <p:sp>
-        <p:nvSpPr>
-          <p:cNvPr id="5" name="Text 2"/>
-          <p:cNvSpPr/>
-          <p:nvPr/>
-        </p:nvSpPr>
-        <p:spPr>
-          <a:xfrm>
-            <a:off x="5266333" y="1885355"/>
-            <a:ext cx="6231334" cy="1388666"/>
+        <p:spPr bwMode="auto">
+          <a:xfrm>
+            <a:off x="4818289" y="3429000"/>
+            <a:ext cx="2555421" cy="2555421"/>
           </a:xfrm>
           <a:prstGeom prst="rect">
             <a:avLst/>
           </a:prstGeom>
           <a:noFill/>
-          <a:ln/>
-        </p:spPr>
-        <p:txBody>
-          <a:bodyPr wrap="square" rtlCol="0" anchor="t"/>
-          <a:lstStyle/>
-          <a:p>
-            <a:pPr>
-              <a:lnSpc>
-                <a:spcPts val="5467"/>
-              </a:lnSpc>
-            </a:pPr>
-            <a:r>
-              <a:rPr lang="en-US" sz="4374" dirty="0">
+          <a:extLst>
+            <a:ext uri="{909E8E84-426E-40DD-AFC4-6F175D3DCCD1}">
+              <a14:hiddenFill xmlns:a14="http://schemas.microsoft.com/office/drawing/2010/main">
                 <a:solidFill>
-                  <a:srgbClr val="272D45"/>
+                  <a:srgbClr val="FFFFFF"/>
                 </a:solidFill>
-                <a:latin typeface="Kanit" pitchFamily="34" charset="0"/>
-                <a:ea typeface="Kanit" pitchFamily="34" charset="-122"/>
-                <a:cs typeface="Kanit" pitchFamily="34" charset="-120"/>
-              </a:rPr>
-              <a:t>¿Qué son los widgets HTML?</a:t>
-            </a:r>
-            <a:endParaRPr lang="en-US" sz="4374" dirty="0"/>
-          </a:p>
-        </p:txBody>
-      </p:sp>
-      <p:sp>
-        <p:nvSpPr>
-          <p:cNvPr id="6" name="Text 3"/>
-          <p:cNvSpPr/>
-          <p:nvPr/>
-        </p:nvSpPr>
-        <p:spPr>
-          <a:xfrm>
-            <a:off x="5266333" y="3551734"/>
-            <a:ext cx="6231334" cy="888504"/>
-          </a:xfrm>
-          <a:prstGeom prst="rect">
-            <a:avLst/>
-          </a:prstGeom>
-          <a:noFill/>
-          <a:ln/>
-        </p:spPr>
-        <p:txBody>
-          <a:bodyPr wrap="square" rtlCol="0" anchor="t"/>
-          <a:lstStyle/>
-          <a:p>
-            <a:pPr>
-              <a:lnSpc>
-                <a:spcPts val="2332"/>
-              </a:lnSpc>
-            </a:pPr>
-            <a:r>
-              <a:rPr lang="en-US" sz="1458" dirty="0">
-                <a:solidFill>
-                  <a:srgbClr val="2C3249"/>
-                </a:solidFill>
-                <a:latin typeface="Martel Sans" pitchFamily="34" charset="0"/>
-                <a:ea typeface="Martel Sans" pitchFamily="34" charset="-122"/>
-                <a:cs typeface="Martel Sans" pitchFamily="34" charset="-120"/>
-              </a:rPr>
-              <a:t>Los widgets HTML son elementos interactivos o visuales, como botones, menús desplegables y formularios, que se pueden integrar en páginas web para mejorar la experiencia del usuario.</a:t>
-            </a:r>
-            <a:endParaRPr lang="en-US" sz="1458" dirty="0"/>
-          </a:p>
-        </p:txBody>
-      </p:sp>
-      <p:pic>
-        <p:nvPicPr>
-          <p:cNvPr id="7" name="Imagen 6">
-            <a:extLst>
-              <a:ext uri="{FF2B5EF4-FFF2-40B4-BE49-F238E27FC236}">
-                <a16:creationId xmlns:a16="http://schemas.microsoft.com/office/drawing/2014/main" id="{3FCFE8E9-AD8B-A66E-F233-6AC281DB5785}"/>
-              </a:ext>
-            </a:extLst>
-          </p:cNvPr>
-          <p:cNvPicPr>
-            <a:picLocks noChangeAspect="1"/>
-          </p:cNvPicPr>
-          <p:nvPr/>
-        </p:nvPicPr>
-        <p:blipFill>
-          <a:blip r:embed="rId4"/>
-          <a:stretch>
-            <a:fillRect/>
-          </a:stretch>
-        </p:blipFill>
-        <p:spPr>
-          <a:xfrm>
-            <a:off x="5067300" y="27757"/>
-            <a:ext cx="7124700" cy="771525"/>
-          </a:xfrm>
-          <a:prstGeom prst="rect">
-            <a:avLst/>
-          </a:prstGeom>
-        </p:spPr>
-      </p:pic>
-      <p:pic>
-        <p:nvPicPr>
-          <p:cNvPr id="8" name="Imagen 7">
-            <a:extLst>
-              <a:ext uri="{FF2B5EF4-FFF2-40B4-BE49-F238E27FC236}">
-                <a16:creationId xmlns:a16="http://schemas.microsoft.com/office/drawing/2014/main" id="{19563764-0B27-B34F-50E3-2E18426A39A3}"/>
-              </a:ext>
-            </a:extLst>
-          </p:cNvPr>
-          <p:cNvPicPr>
-            <a:picLocks noChangeAspect="1"/>
-          </p:cNvPicPr>
-          <p:nvPr/>
-        </p:nvPicPr>
-        <p:blipFill>
-          <a:blip r:embed="rId5"/>
-          <a:stretch>
-            <a:fillRect/>
-          </a:stretch>
-        </p:blipFill>
-        <p:spPr>
-          <a:xfrm>
-            <a:off x="4572000" y="6149439"/>
-            <a:ext cx="7620000" cy="714375"/>
-          </a:xfrm>
-          <a:prstGeom prst="rect">
-            <a:avLst/>
-          </a:prstGeom>
+              </a14:hiddenFill>
+            </a:ext>
+          </a:extLst>
         </p:spPr>
       </p:pic>
     </p:spTree>
+    <p:extLst>
+      <p:ext uri="{BB962C8B-B14F-4D97-AF65-F5344CB8AC3E}">
+        <p14:creationId xmlns:p14="http://schemas.microsoft.com/office/powerpoint/2010/main" val="15895652"/>
+      </p:ext>
+    </p:extLst>
   </p:cSld>
   <p:clrMapOvr>
     <a:masterClrMapping/>
@@ -7361,16 +7937,40 @@
           <a:ln/>
         </p:spPr>
       </p:sp>
-      <p:sp>
-        <p:nvSpPr>
-          <p:cNvPr id="4" name="Text 2"/>
+      <p:pic>
+        <p:nvPicPr>
+          <p:cNvPr id="4" name="Image 0" descr="preencoded.png"/>
+          <p:cNvPicPr>
+            <a:picLocks noChangeAspect="1"/>
+          </p:cNvPicPr>
+          <p:nvPr/>
+        </p:nvPicPr>
+        <p:blipFill>
+          <a:blip r:embed="rId3"/>
+          <a:stretch>
+            <a:fillRect/>
+          </a:stretch>
+        </p:blipFill>
+        <p:spPr>
+          <a:xfrm>
+            <a:off x="0" y="0"/>
+            <a:ext cx="4572000" cy="6858000"/>
+          </a:xfrm>
+          <a:prstGeom prst="rect">
+            <a:avLst/>
+          </a:prstGeom>
+        </p:spPr>
+      </p:pic>
+      <p:sp>
+        <p:nvSpPr>
+          <p:cNvPr id="5" name="Text 2"/>
           <p:cNvSpPr/>
           <p:nvPr/>
         </p:nvSpPr>
         <p:spPr>
           <a:xfrm>
-            <a:off x="1698327" y="1190130"/>
-            <a:ext cx="4673997" cy="578644"/>
+            <a:off x="5266333" y="1885355"/>
+            <a:ext cx="6231334" cy="1388666"/>
           </a:xfrm>
           <a:prstGeom prst="rect">
             <a:avLst/>
@@ -7379,16 +7979,16 @@
           <a:ln/>
         </p:spPr>
         <p:txBody>
-          <a:bodyPr wrap="none" rtlCol="0" anchor="t"/>
+          <a:bodyPr wrap="square" rtlCol="0" anchor="t"/>
           <a:lstStyle/>
           <a:p>
             <a:pPr>
               <a:lnSpc>
-                <a:spcPts val="4556"/>
+                <a:spcPts val="5467"/>
               </a:lnSpc>
             </a:pPr>
             <a:r>
-              <a:rPr lang="en-US" sz="3645" dirty="0">
+              <a:rPr lang="en-US" sz="4374" dirty="0">
                 <a:solidFill>
                   <a:srgbClr val="272D45"/>
                 </a:solidFill>
@@ -7396,90 +7996,22 @@
                 <a:ea typeface="Kanit" pitchFamily="34" charset="-122"/>
                 <a:cs typeface="Kanit" pitchFamily="34" charset="-120"/>
               </a:rPr>
-              <a:t>Tipos de widgets HTML</a:t>
-            </a:r>
-            <a:endParaRPr lang="en-US" sz="3645" dirty="0"/>
-          </a:p>
-        </p:txBody>
-      </p:sp>
-      <p:sp>
-        <p:nvSpPr>
-          <p:cNvPr id="5" name="Shape 3"/>
+              <a:t>¿Qué son los widgets HTML?</a:t>
+            </a:r>
+            <a:endParaRPr lang="en-US" sz="4374" dirty="0"/>
+          </a:p>
+        </p:txBody>
+      </p:sp>
+      <p:sp>
+        <p:nvSpPr>
+          <p:cNvPr id="6" name="Text 3"/>
           <p:cNvSpPr/>
           <p:nvPr/>
         </p:nvSpPr>
         <p:spPr>
           <a:xfrm>
-            <a:off x="1698327" y="2139057"/>
-            <a:ext cx="4305102" cy="1671836"/>
-          </a:xfrm>
-          <a:prstGeom prst="roundRect">
-            <a:avLst>
-              <a:gd name="adj" fmla="val 4984"/>
-            </a:avLst>
-          </a:prstGeom>
-          <a:solidFill>
-            <a:srgbClr val="DFECE9"/>
-          </a:solidFill>
-          <a:ln w="7620">
-            <a:solidFill>
-              <a:srgbClr val="C5D2CF"/>
-            </a:solidFill>
-            <a:prstDash val="solid"/>
-          </a:ln>
-        </p:spPr>
-      </p:sp>
-      <p:sp>
-        <p:nvSpPr>
-          <p:cNvPr id="6" name="Text 4"/>
-          <p:cNvSpPr/>
-          <p:nvPr/>
-        </p:nvSpPr>
-        <p:spPr>
-          <a:xfrm>
-            <a:off x="1889819" y="2330549"/>
-            <a:ext cx="2314575" cy="289322"/>
-          </a:xfrm>
-          <a:prstGeom prst="rect">
-            <a:avLst/>
-          </a:prstGeom>
-          <a:noFill/>
-          <a:ln/>
-        </p:spPr>
-        <p:txBody>
-          <a:bodyPr wrap="none" rtlCol="0" anchor="t"/>
-          <a:lstStyle/>
-          <a:p>
-            <a:pPr>
-              <a:lnSpc>
-                <a:spcPts val="2278"/>
-              </a:lnSpc>
-            </a:pPr>
-            <a:r>
-              <a:rPr lang="en-US" sz="1822" dirty="0">
-                <a:solidFill>
-                  <a:srgbClr val="2C3249"/>
-                </a:solidFill>
-                <a:latin typeface="Kanit" pitchFamily="34" charset="0"/>
-                <a:ea typeface="Kanit" pitchFamily="34" charset="-122"/>
-                <a:cs typeface="Kanit" pitchFamily="34" charset="-120"/>
-              </a:rPr>
-              <a:t>Widgets de texto</a:t>
-            </a:r>
-            <a:endParaRPr lang="en-US" sz="1822" dirty="0"/>
-          </a:p>
-        </p:txBody>
-      </p:sp>
-      <p:sp>
-        <p:nvSpPr>
-          <p:cNvPr id="7" name="Text 5"/>
-          <p:cNvSpPr/>
-          <p:nvPr/>
-        </p:nvSpPr>
-        <p:spPr>
-          <a:xfrm>
-            <a:off x="1889819" y="2730897"/>
-            <a:ext cx="3922118" cy="888504"/>
+            <a:off x="5266333" y="3551734"/>
+            <a:ext cx="6231334" cy="888504"/>
           </a:xfrm>
           <a:prstGeom prst="rect">
             <a:avLst/>
@@ -7505,334 +8037,7 @@
                 <a:ea typeface="Martel Sans" pitchFamily="34" charset="-122"/>
                 <a:cs typeface="Martel Sans" pitchFamily="34" charset="-120"/>
               </a:rPr>
-              <a:t>Elementos HTML que muestran contenido de texto estático o dinámico en un sitio web.</a:t>
-            </a:r>
-            <a:endParaRPr lang="en-US" sz="1458" dirty="0"/>
-          </a:p>
-        </p:txBody>
-      </p:sp>
-      <p:sp>
-        <p:nvSpPr>
-          <p:cNvPr id="8" name="Shape 6"/>
-          <p:cNvSpPr/>
-          <p:nvPr/>
-        </p:nvSpPr>
-        <p:spPr>
-          <a:xfrm>
-            <a:off x="6188571" y="2139057"/>
-            <a:ext cx="4305102" cy="1671836"/>
-          </a:xfrm>
-          <a:prstGeom prst="roundRect">
-            <a:avLst>
-              <a:gd name="adj" fmla="val 4984"/>
-            </a:avLst>
-          </a:prstGeom>
-          <a:solidFill>
-            <a:srgbClr val="DFECE9"/>
-          </a:solidFill>
-          <a:ln w="7620">
-            <a:solidFill>
-              <a:srgbClr val="C5D2CF"/>
-            </a:solidFill>
-            <a:prstDash val="solid"/>
-          </a:ln>
-        </p:spPr>
-      </p:sp>
-      <p:sp>
-        <p:nvSpPr>
-          <p:cNvPr id="9" name="Text 7"/>
-          <p:cNvSpPr/>
-          <p:nvPr/>
-        </p:nvSpPr>
-        <p:spPr>
-          <a:xfrm>
-            <a:off x="6380063" y="2330549"/>
-            <a:ext cx="2314575" cy="289322"/>
-          </a:xfrm>
-          <a:prstGeom prst="rect">
-            <a:avLst/>
-          </a:prstGeom>
-          <a:noFill/>
-          <a:ln/>
-        </p:spPr>
-        <p:txBody>
-          <a:bodyPr wrap="none" rtlCol="0" anchor="t"/>
-          <a:lstStyle/>
-          <a:p>
-            <a:pPr>
-              <a:lnSpc>
-                <a:spcPts val="2278"/>
-              </a:lnSpc>
-            </a:pPr>
-            <a:r>
-              <a:rPr lang="en-US" sz="1822" dirty="0">
-                <a:solidFill>
-                  <a:srgbClr val="2C3249"/>
-                </a:solidFill>
-                <a:latin typeface="Kanit" pitchFamily="34" charset="0"/>
-                <a:ea typeface="Kanit" pitchFamily="34" charset="-122"/>
-                <a:cs typeface="Kanit" pitchFamily="34" charset="-120"/>
-              </a:rPr>
-              <a:t>Widgets de imágenes</a:t>
-            </a:r>
-            <a:endParaRPr lang="en-US" sz="1822" dirty="0"/>
-          </a:p>
-        </p:txBody>
-      </p:sp>
-      <p:sp>
-        <p:nvSpPr>
-          <p:cNvPr id="10" name="Text 8"/>
-          <p:cNvSpPr/>
-          <p:nvPr/>
-        </p:nvSpPr>
-        <p:spPr>
-          <a:xfrm>
-            <a:off x="6380064" y="2730897"/>
-            <a:ext cx="3922118" cy="888504"/>
-          </a:xfrm>
-          <a:prstGeom prst="rect">
-            <a:avLst/>
-          </a:prstGeom>
-          <a:noFill/>
-          <a:ln/>
-        </p:spPr>
-        <p:txBody>
-          <a:bodyPr wrap="square" rtlCol="0" anchor="t"/>
-          <a:lstStyle/>
-          <a:p>
-            <a:pPr>
-              <a:lnSpc>
-                <a:spcPts val="2332"/>
-              </a:lnSpc>
-            </a:pPr>
-            <a:r>
-              <a:rPr lang="en-US" sz="1458" dirty="0">
-                <a:solidFill>
-                  <a:srgbClr val="2C3249"/>
-                </a:solidFill>
-                <a:latin typeface="Martel Sans" pitchFamily="34" charset="0"/>
-                <a:ea typeface="Martel Sans" pitchFamily="34" charset="-122"/>
-                <a:cs typeface="Martel Sans" pitchFamily="34" charset="-120"/>
-              </a:rPr>
-              <a:t>Componentes que exhiben imágenes estáticas o deslizantes para mejorar la visualización del sitio.</a:t>
-            </a:r>
-            <a:endParaRPr lang="en-US" sz="1458" dirty="0"/>
-          </a:p>
-        </p:txBody>
-      </p:sp>
-      <p:sp>
-        <p:nvSpPr>
-          <p:cNvPr id="11" name="Shape 9"/>
-          <p:cNvSpPr/>
-          <p:nvPr/>
-        </p:nvSpPr>
-        <p:spPr>
-          <a:xfrm>
-            <a:off x="1698327" y="3996035"/>
-            <a:ext cx="4305102" cy="1671836"/>
-          </a:xfrm>
-          <a:prstGeom prst="roundRect">
-            <a:avLst>
-              <a:gd name="adj" fmla="val 4984"/>
-            </a:avLst>
-          </a:prstGeom>
-          <a:solidFill>
-            <a:srgbClr val="DFECE9"/>
-          </a:solidFill>
-          <a:ln w="7620">
-            <a:solidFill>
-              <a:srgbClr val="C5D2CF"/>
-            </a:solidFill>
-            <a:prstDash val="solid"/>
-          </a:ln>
-        </p:spPr>
-      </p:sp>
-      <p:sp>
-        <p:nvSpPr>
-          <p:cNvPr id="12" name="Text 10"/>
-          <p:cNvSpPr/>
-          <p:nvPr/>
-        </p:nvSpPr>
-        <p:spPr>
-          <a:xfrm>
-            <a:off x="1889819" y="4187527"/>
-            <a:ext cx="2360315" cy="289322"/>
-          </a:xfrm>
-          <a:prstGeom prst="rect">
-            <a:avLst/>
-          </a:prstGeom>
-          <a:noFill/>
-          <a:ln/>
-        </p:spPr>
-        <p:txBody>
-          <a:bodyPr wrap="none" rtlCol="0" anchor="t"/>
-          <a:lstStyle/>
-          <a:p>
-            <a:pPr>
-              <a:lnSpc>
-                <a:spcPts val="2278"/>
-              </a:lnSpc>
-            </a:pPr>
-            <a:r>
-              <a:rPr lang="en-US" sz="1822" dirty="0">
-                <a:solidFill>
-                  <a:srgbClr val="2C3249"/>
-                </a:solidFill>
-                <a:latin typeface="Kanit" pitchFamily="34" charset="0"/>
-                <a:ea typeface="Kanit" pitchFamily="34" charset="-122"/>
-                <a:cs typeface="Kanit" pitchFamily="34" charset="-120"/>
-              </a:rPr>
-              <a:t>Widgets de formularios</a:t>
-            </a:r>
-            <a:endParaRPr lang="en-US" sz="1822" dirty="0"/>
-          </a:p>
-        </p:txBody>
-      </p:sp>
-      <p:sp>
-        <p:nvSpPr>
-          <p:cNvPr id="13" name="Text 11"/>
-          <p:cNvSpPr/>
-          <p:nvPr/>
-        </p:nvSpPr>
-        <p:spPr>
-          <a:xfrm>
-            <a:off x="1889819" y="4587875"/>
-            <a:ext cx="3922118" cy="592336"/>
-          </a:xfrm>
-          <a:prstGeom prst="rect">
-            <a:avLst/>
-          </a:prstGeom>
-          <a:noFill/>
-          <a:ln/>
-        </p:spPr>
-        <p:txBody>
-          <a:bodyPr wrap="square" rtlCol="0" anchor="t"/>
-          <a:lstStyle/>
-          <a:p>
-            <a:pPr>
-              <a:lnSpc>
-                <a:spcPts val="2332"/>
-              </a:lnSpc>
-            </a:pPr>
-            <a:r>
-              <a:rPr lang="en-US" sz="1458" dirty="0">
-                <a:solidFill>
-                  <a:srgbClr val="2C3249"/>
-                </a:solidFill>
-                <a:latin typeface="Martel Sans" pitchFamily="34" charset="0"/>
-                <a:ea typeface="Martel Sans" pitchFamily="34" charset="-122"/>
-                <a:cs typeface="Martel Sans" pitchFamily="34" charset="-120"/>
-              </a:rPr>
-              <a:t>Elementos interactivos que permiten a los usuarios enviar datos a través del sitio web.</a:t>
-            </a:r>
-            <a:endParaRPr lang="en-US" sz="1458" dirty="0"/>
-          </a:p>
-        </p:txBody>
-      </p:sp>
-      <p:sp>
-        <p:nvSpPr>
-          <p:cNvPr id="14" name="Shape 12"/>
-          <p:cNvSpPr/>
-          <p:nvPr/>
-        </p:nvSpPr>
-        <p:spPr>
-          <a:xfrm>
-            <a:off x="6188571" y="3996035"/>
-            <a:ext cx="4305102" cy="1671836"/>
-          </a:xfrm>
-          <a:prstGeom prst="roundRect">
-            <a:avLst>
-              <a:gd name="adj" fmla="val 4984"/>
-            </a:avLst>
-          </a:prstGeom>
-          <a:solidFill>
-            <a:srgbClr val="DFECE9"/>
-          </a:solidFill>
-          <a:ln w="7620">
-            <a:solidFill>
-              <a:srgbClr val="C5D2CF"/>
-            </a:solidFill>
-            <a:prstDash val="solid"/>
-          </a:ln>
-        </p:spPr>
-      </p:sp>
-      <p:sp>
-        <p:nvSpPr>
-          <p:cNvPr id="15" name="Text 13"/>
-          <p:cNvSpPr/>
-          <p:nvPr/>
-        </p:nvSpPr>
-        <p:spPr>
-          <a:xfrm>
-            <a:off x="6380063" y="4187527"/>
-            <a:ext cx="2609255" cy="289322"/>
-          </a:xfrm>
-          <a:prstGeom prst="rect">
-            <a:avLst/>
-          </a:prstGeom>
-          <a:noFill/>
-          <a:ln/>
-        </p:spPr>
-        <p:txBody>
-          <a:bodyPr wrap="none" rtlCol="0" anchor="t"/>
-          <a:lstStyle/>
-          <a:p>
-            <a:pPr>
-              <a:lnSpc>
-                <a:spcPts val="2278"/>
-              </a:lnSpc>
-            </a:pPr>
-            <a:r>
-              <a:rPr lang="en-US" sz="1822" dirty="0">
-                <a:solidFill>
-                  <a:srgbClr val="2C3249"/>
-                </a:solidFill>
-                <a:latin typeface="Kanit" pitchFamily="34" charset="0"/>
-                <a:ea typeface="Kanit" pitchFamily="34" charset="-122"/>
-                <a:cs typeface="Kanit" pitchFamily="34" charset="-120"/>
-              </a:rPr>
-              <a:t>Widgets de redes sociales</a:t>
-            </a:r>
-            <a:endParaRPr lang="en-US" sz="1822" dirty="0"/>
-          </a:p>
-        </p:txBody>
-      </p:sp>
-      <p:sp>
-        <p:nvSpPr>
-          <p:cNvPr id="16" name="Text 14"/>
-          <p:cNvSpPr/>
-          <p:nvPr/>
-        </p:nvSpPr>
-        <p:spPr>
-          <a:xfrm>
-            <a:off x="6380064" y="4587876"/>
-            <a:ext cx="3922118" cy="888504"/>
-          </a:xfrm>
-          <a:prstGeom prst="rect">
-            <a:avLst/>
-          </a:prstGeom>
-          <a:noFill/>
-          <a:ln/>
-        </p:spPr>
-        <p:txBody>
-          <a:bodyPr wrap="square" rtlCol="0" anchor="t"/>
-          <a:lstStyle/>
-          <a:p>
-            <a:pPr>
-              <a:lnSpc>
-                <a:spcPts val="2332"/>
-              </a:lnSpc>
-            </a:pPr>
-            <a:r>
-              <a:rPr lang="en-US" sz="1458" dirty="0">
-                <a:solidFill>
-                  <a:srgbClr val="2C3249"/>
-                </a:solidFill>
-                <a:latin typeface="Martel Sans" pitchFamily="34" charset="0"/>
-                <a:ea typeface="Martel Sans" pitchFamily="34" charset="-122"/>
-                <a:cs typeface="Martel Sans" pitchFamily="34" charset="-120"/>
-              </a:rPr>
-              <a:t>Botones o cuadros que conectan el contenido del sitio web con plataformas de redes sociales.</a:t>
+              <a:t>Los widgets HTML son elementos interactivos o visuales, como botones, menús desplegables y formularios, que se pueden integrar en páginas web para mejorar la experiencia del usuario.</a:t>
             </a:r>
             <a:endParaRPr lang="en-US" sz="1458" dirty="0"/>
           </a:p>
@@ -7840,40 +8045,10 @@
       </p:sp>
       <p:pic>
         <p:nvPicPr>
-          <p:cNvPr id="17" name="Imagen 16">
+          <p:cNvPr id="7" name="Imagen 6">
             <a:extLst>
               <a:ext uri="{FF2B5EF4-FFF2-40B4-BE49-F238E27FC236}">
-                <a16:creationId xmlns:a16="http://schemas.microsoft.com/office/drawing/2014/main" id="{431DDBF0-D5FF-8A8C-39E4-F03EC999AFCA}"/>
-              </a:ext>
-            </a:extLst>
-          </p:cNvPr>
-          <p:cNvPicPr>
-            <a:picLocks noChangeAspect="1"/>
-          </p:cNvPicPr>
-          <p:nvPr/>
-        </p:nvPicPr>
-        <p:blipFill>
-          <a:blip r:embed="rId3"/>
-          <a:stretch>
-            <a:fillRect/>
-          </a:stretch>
-        </p:blipFill>
-        <p:spPr>
-          <a:xfrm>
-            <a:off x="0" y="6143625"/>
-            <a:ext cx="11087100" cy="714375"/>
-          </a:xfrm>
-          <a:prstGeom prst="rect">
-            <a:avLst/>
-          </a:prstGeom>
-        </p:spPr>
-      </p:pic>
-      <p:pic>
-        <p:nvPicPr>
-          <p:cNvPr id="18" name="Imagen 17">
-            <a:extLst>
-              <a:ext uri="{FF2B5EF4-FFF2-40B4-BE49-F238E27FC236}">
-                <a16:creationId xmlns:a16="http://schemas.microsoft.com/office/drawing/2014/main" id="{44B5238B-C441-792B-BCD3-7AAE8D86903A}"/>
+                <a16:creationId xmlns:a16="http://schemas.microsoft.com/office/drawing/2014/main" id="{3FCFE8E9-AD8B-A66E-F233-6AC281DB5785}"/>
               </a:ext>
             </a:extLst>
           </p:cNvPr>
@@ -7890,8 +8065,38 @@
         </p:blipFill>
         <p:spPr>
           <a:xfrm>
-            <a:off x="55066" y="0"/>
-            <a:ext cx="11896725" cy="676275"/>
+            <a:off x="5067300" y="27757"/>
+            <a:ext cx="7124700" cy="771525"/>
+          </a:xfrm>
+          <a:prstGeom prst="rect">
+            <a:avLst/>
+          </a:prstGeom>
+        </p:spPr>
+      </p:pic>
+      <p:pic>
+        <p:nvPicPr>
+          <p:cNvPr id="8" name="Imagen 7">
+            <a:extLst>
+              <a:ext uri="{FF2B5EF4-FFF2-40B4-BE49-F238E27FC236}">
+                <a16:creationId xmlns:a16="http://schemas.microsoft.com/office/drawing/2014/main" id="{19563764-0B27-B34F-50E3-2E18426A39A3}"/>
+              </a:ext>
+            </a:extLst>
+          </p:cNvPr>
+          <p:cNvPicPr>
+            <a:picLocks noChangeAspect="1"/>
+          </p:cNvPicPr>
+          <p:nvPr/>
+        </p:nvPicPr>
+        <p:blipFill>
+          <a:blip r:embed="rId5"/>
+          <a:stretch>
+            <a:fillRect/>
+          </a:stretch>
+        </p:blipFill>
+        <p:spPr>
+          <a:xfrm>
+            <a:off x="4572000" y="6149439"/>
+            <a:ext cx="7620000" cy="714375"/>
           </a:xfrm>
           <a:prstGeom prst="rect">
             <a:avLst/>
@@ -7963,40 +8168,16 @@
           <a:ln/>
         </p:spPr>
       </p:sp>
-      <p:pic>
-        <p:nvPicPr>
-          <p:cNvPr id="4" name="Image 0" descr="preencoded.png"/>
-          <p:cNvPicPr>
-            <a:picLocks noChangeAspect="1"/>
-          </p:cNvPicPr>
-          <p:nvPr/>
-        </p:nvPicPr>
-        <p:blipFill>
-          <a:blip r:embed="rId3"/>
-          <a:stretch>
-            <a:fillRect/>
-          </a:stretch>
-        </p:blipFill>
-        <p:spPr>
-          <a:xfrm>
-            <a:off x="0" y="0"/>
-            <a:ext cx="4572000" cy="6858000"/>
-          </a:xfrm>
-          <a:prstGeom prst="rect">
-            <a:avLst/>
-          </a:prstGeom>
-        </p:spPr>
-      </p:pic>
-      <p:sp>
-        <p:nvSpPr>
-          <p:cNvPr id="5" name="Text 2"/>
+      <p:sp>
+        <p:nvSpPr>
+          <p:cNvPr id="4" name="Text 2"/>
           <p:cNvSpPr/>
           <p:nvPr/>
         </p:nvSpPr>
         <p:spPr>
           <a:xfrm>
-            <a:off x="5266333" y="1452761"/>
-            <a:ext cx="6231334" cy="1157288"/>
+            <a:off x="1698327" y="1190130"/>
+            <a:ext cx="4673997" cy="578644"/>
           </a:xfrm>
           <a:prstGeom prst="rect">
             <a:avLst/>
@@ -8005,7 +8186,7 @@
           <a:ln/>
         </p:spPr>
         <p:txBody>
-          <a:bodyPr wrap="square" rtlCol="0" anchor="t"/>
+          <a:bodyPr wrap="none" rtlCol="0" anchor="t"/>
           <a:lstStyle/>
           <a:p>
             <a:pPr>
@@ -8022,7 +8203,7 @@
                 <a:ea typeface="Kanit" pitchFamily="34" charset="-122"/>
                 <a:cs typeface="Kanit" pitchFamily="34" charset="-120"/>
               </a:rPr>
-              <a:t>Ventajas de usar widgets HTML</a:t>
+              <a:t>Tipos de widgets HTML</a:t>
             </a:r>
             <a:endParaRPr lang="en-US" sz="3645" dirty="0"/>
           </a:p>
@@ -8030,14 +8211,41 @@
       </p:sp>
       <p:sp>
         <p:nvSpPr>
-          <p:cNvPr id="6" name="Text 3"/>
+          <p:cNvPr id="5" name="Shape 3"/>
           <p:cNvSpPr/>
           <p:nvPr/>
         </p:nvSpPr>
         <p:spPr>
           <a:xfrm>
-            <a:off x="5562501" y="2887762"/>
-            <a:ext cx="5935167" cy="592336"/>
+            <a:off x="1698327" y="2139057"/>
+            <a:ext cx="4305102" cy="1671836"/>
+          </a:xfrm>
+          <a:prstGeom prst="roundRect">
+            <a:avLst>
+              <a:gd name="adj" fmla="val 4984"/>
+            </a:avLst>
+          </a:prstGeom>
+          <a:solidFill>
+            <a:srgbClr val="DFECE9"/>
+          </a:solidFill>
+          <a:ln w="7620">
+            <a:solidFill>
+              <a:srgbClr val="C5D2CF"/>
+            </a:solidFill>
+            <a:prstDash val="solid"/>
+          </a:ln>
+        </p:spPr>
+      </p:sp>
+      <p:sp>
+        <p:nvSpPr>
+          <p:cNvPr id="6" name="Text 4"/>
+          <p:cNvSpPr/>
+          <p:nvPr/>
+        </p:nvSpPr>
+        <p:spPr>
+          <a:xfrm>
+            <a:off x="1889819" y="2330549"/>
+            <a:ext cx="2314575" cy="289322"/>
           </a:xfrm>
           <a:prstGeom prst="rect">
             <a:avLst/>
@@ -8046,27 +8254,55 @@
           <a:ln/>
         </p:spPr>
         <p:txBody>
+          <a:bodyPr wrap="none" rtlCol="0" anchor="t"/>
+          <a:lstStyle/>
+          <a:p>
+            <a:pPr>
+              <a:lnSpc>
+                <a:spcPts val="2278"/>
+              </a:lnSpc>
+            </a:pPr>
+            <a:r>
+              <a:rPr lang="en-US" sz="1822" dirty="0">
+                <a:solidFill>
+                  <a:srgbClr val="2C3249"/>
+                </a:solidFill>
+                <a:latin typeface="Kanit" pitchFamily="34" charset="0"/>
+                <a:ea typeface="Kanit" pitchFamily="34" charset="-122"/>
+                <a:cs typeface="Kanit" pitchFamily="34" charset="-120"/>
+              </a:rPr>
+              <a:t>Widgets de texto</a:t>
+            </a:r>
+            <a:endParaRPr lang="en-US" sz="1822" dirty="0"/>
+          </a:p>
+        </p:txBody>
+      </p:sp>
+      <p:sp>
+        <p:nvSpPr>
+          <p:cNvPr id="7" name="Text 5"/>
+          <p:cNvSpPr/>
+          <p:nvPr/>
+        </p:nvSpPr>
+        <p:spPr>
+          <a:xfrm>
+            <a:off x="1889819" y="2730897"/>
+            <a:ext cx="3922118" cy="888504"/>
+          </a:xfrm>
+          <a:prstGeom prst="rect">
+            <a:avLst/>
+          </a:prstGeom>
+          <a:noFill/>
+          <a:ln/>
+        </p:spPr>
+        <p:txBody>
           <a:bodyPr wrap="square" rtlCol="0" anchor="t"/>
           <a:lstStyle/>
           <a:p>
-            <a:pPr marL="285739" indent="-285739">
+            <a:pPr>
               <a:lnSpc>
                 <a:spcPts val="2332"/>
               </a:lnSpc>
-              <a:buSzPct val="100000"/>
-              <a:buChar char="•"/>
             </a:pPr>
-            <a:r>
-              <a:rPr lang="en-US" sz="1458" b="1" dirty="0">
-                <a:solidFill>
-                  <a:srgbClr val="2C3249"/>
-                </a:solidFill>
-                <a:latin typeface="Martel Sans" pitchFamily="34" charset="0"/>
-                <a:ea typeface="Martel Sans" pitchFamily="34" charset="-122"/>
-                <a:cs typeface="Martel Sans" pitchFamily="34" charset="-120"/>
-              </a:rPr>
-              <a:t>Multipropósito:</a:t>
-            </a:r>
             <a:r>
               <a:rPr lang="en-US" sz="1458" dirty="0">
                 <a:solidFill>
@@ -8076,7 +8312,7 @@
                 <a:ea typeface="Martel Sans" pitchFamily="34" charset="-122"/>
                 <a:cs typeface="Martel Sans" pitchFamily="34" charset="-120"/>
               </a:rPr>
-              <a:t> Los widgets HTML son versátiles y pueden utilizarse para una variedad de funciones en un sitio web.</a:t>
+              <a:t>Elementos HTML que muestran contenido de texto estático o dinámico en un sitio web.</a:t>
             </a:r>
             <a:endParaRPr lang="en-US" sz="1458" dirty="0"/>
           </a:p>
@@ -8084,14 +8320,41 @@
       </p:sp>
       <p:sp>
         <p:nvSpPr>
-          <p:cNvPr id="7" name="Text 4"/>
+          <p:cNvPr id="8" name="Shape 6"/>
           <p:cNvSpPr/>
           <p:nvPr/>
         </p:nvSpPr>
         <p:spPr>
           <a:xfrm>
-            <a:off x="5562501" y="3554116"/>
-            <a:ext cx="5935167" cy="888504"/>
+            <a:off x="6188571" y="2139057"/>
+            <a:ext cx="4305102" cy="1671836"/>
+          </a:xfrm>
+          <a:prstGeom prst="roundRect">
+            <a:avLst>
+              <a:gd name="adj" fmla="val 4984"/>
+            </a:avLst>
+          </a:prstGeom>
+          <a:solidFill>
+            <a:srgbClr val="DFECE9"/>
+          </a:solidFill>
+          <a:ln w="7620">
+            <a:solidFill>
+              <a:srgbClr val="C5D2CF"/>
+            </a:solidFill>
+            <a:prstDash val="solid"/>
+          </a:ln>
+        </p:spPr>
+      </p:sp>
+      <p:sp>
+        <p:nvSpPr>
+          <p:cNvPr id="9" name="Text 7"/>
+          <p:cNvSpPr/>
+          <p:nvPr/>
+        </p:nvSpPr>
+        <p:spPr>
+          <a:xfrm>
+            <a:off x="6380063" y="2330549"/>
+            <a:ext cx="2314575" cy="289322"/>
           </a:xfrm>
           <a:prstGeom prst="rect">
             <a:avLst/>
@@ -8100,27 +8363,55 @@
           <a:ln/>
         </p:spPr>
         <p:txBody>
+          <a:bodyPr wrap="none" rtlCol="0" anchor="t"/>
+          <a:lstStyle/>
+          <a:p>
+            <a:pPr>
+              <a:lnSpc>
+                <a:spcPts val="2278"/>
+              </a:lnSpc>
+            </a:pPr>
+            <a:r>
+              <a:rPr lang="en-US" sz="1822" dirty="0">
+                <a:solidFill>
+                  <a:srgbClr val="2C3249"/>
+                </a:solidFill>
+                <a:latin typeface="Kanit" pitchFamily="34" charset="0"/>
+                <a:ea typeface="Kanit" pitchFamily="34" charset="-122"/>
+                <a:cs typeface="Kanit" pitchFamily="34" charset="-120"/>
+              </a:rPr>
+              <a:t>Widgets de imágenes</a:t>
+            </a:r>
+            <a:endParaRPr lang="en-US" sz="1822" dirty="0"/>
+          </a:p>
+        </p:txBody>
+      </p:sp>
+      <p:sp>
+        <p:nvSpPr>
+          <p:cNvPr id="10" name="Text 8"/>
+          <p:cNvSpPr/>
+          <p:nvPr/>
+        </p:nvSpPr>
+        <p:spPr>
+          <a:xfrm>
+            <a:off x="6380064" y="2730897"/>
+            <a:ext cx="3922118" cy="888504"/>
+          </a:xfrm>
+          <a:prstGeom prst="rect">
+            <a:avLst/>
+          </a:prstGeom>
+          <a:noFill/>
+          <a:ln/>
+        </p:spPr>
+        <p:txBody>
           <a:bodyPr wrap="square" rtlCol="0" anchor="t"/>
           <a:lstStyle/>
           <a:p>
-            <a:pPr marL="285739" indent="-285739">
+            <a:pPr>
               <a:lnSpc>
                 <a:spcPts val="2332"/>
               </a:lnSpc>
-              <a:buSzPct val="100000"/>
-              <a:buChar char="•"/>
             </a:pPr>
-            <a:r>
-              <a:rPr lang="en-US" sz="1458" b="1" dirty="0">
-                <a:solidFill>
-                  <a:srgbClr val="2C3249"/>
-                </a:solidFill>
-                <a:latin typeface="Martel Sans" pitchFamily="34" charset="0"/>
-                <a:ea typeface="Martel Sans" pitchFamily="34" charset="-122"/>
-                <a:cs typeface="Martel Sans" pitchFamily="34" charset="-120"/>
-              </a:rPr>
-              <a:t>Facilidad de implementación:</a:t>
-            </a:r>
             <a:r>
               <a:rPr lang="en-US" sz="1458" dirty="0">
                 <a:solidFill>
@@ -8130,7 +8421,7 @@
                 <a:ea typeface="Martel Sans" pitchFamily="34" charset="-122"/>
                 <a:cs typeface="Martel Sans" pitchFamily="34" charset="-120"/>
               </a:rPr>
-              <a:t> Se pueden agregar fácilmente a cualquier página web sin requerir habilidades de programación avanzadas.</a:t>
+              <a:t>Componentes que exhiben imágenes estáticas o deslizantes para mejorar la visualización del sitio.</a:t>
             </a:r>
             <a:endParaRPr lang="en-US" sz="1458" dirty="0"/>
           </a:p>
@@ -8138,14 +8429,41 @@
       </p:sp>
       <p:sp>
         <p:nvSpPr>
-          <p:cNvPr id="8" name="Text 5"/>
+          <p:cNvPr id="11" name="Shape 9"/>
           <p:cNvSpPr/>
           <p:nvPr/>
         </p:nvSpPr>
         <p:spPr>
           <a:xfrm>
-            <a:off x="5562501" y="4516636"/>
-            <a:ext cx="5935167" cy="888504"/>
+            <a:off x="1698327" y="3996035"/>
+            <a:ext cx="4305102" cy="1671836"/>
+          </a:xfrm>
+          <a:prstGeom prst="roundRect">
+            <a:avLst>
+              <a:gd name="adj" fmla="val 4984"/>
+            </a:avLst>
+          </a:prstGeom>
+          <a:solidFill>
+            <a:srgbClr val="DFECE9"/>
+          </a:solidFill>
+          <a:ln w="7620">
+            <a:solidFill>
+              <a:srgbClr val="C5D2CF"/>
+            </a:solidFill>
+            <a:prstDash val="solid"/>
+          </a:ln>
+        </p:spPr>
+      </p:sp>
+      <p:sp>
+        <p:nvSpPr>
+          <p:cNvPr id="12" name="Text 10"/>
+          <p:cNvSpPr/>
+          <p:nvPr/>
+        </p:nvSpPr>
+        <p:spPr>
+          <a:xfrm>
+            <a:off x="1889819" y="4187527"/>
+            <a:ext cx="2360315" cy="289322"/>
           </a:xfrm>
           <a:prstGeom prst="rect">
             <a:avLst/>
@@ -8154,27 +8472,55 @@
           <a:ln/>
         </p:spPr>
         <p:txBody>
+          <a:bodyPr wrap="none" rtlCol="0" anchor="t"/>
+          <a:lstStyle/>
+          <a:p>
+            <a:pPr>
+              <a:lnSpc>
+                <a:spcPts val="2278"/>
+              </a:lnSpc>
+            </a:pPr>
+            <a:r>
+              <a:rPr lang="en-US" sz="1822" dirty="0">
+                <a:solidFill>
+                  <a:srgbClr val="2C3249"/>
+                </a:solidFill>
+                <a:latin typeface="Kanit" pitchFamily="34" charset="0"/>
+                <a:ea typeface="Kanit" pitchFamily="34" charset="-122"/>
+                <a:cs typeface="Kanit" pitchFamily="34" charset="-120"/>
+              </a:rPr>
+              <a:t>Widgets de formularios</a:t>
+            </a:r>
+            <a:endParaRPr lang="en-US" sz="1822" dirty="0"/>
+          </a:p>
+        </p:txBody>
+      </p:sp>
+      <p:sp>
+        <p:nvSpPr>
+          <p:cNvPr id="13" name="Text 11"/>
+          <p:cNvSpPr/>
+          <p:nvPr/>
+        </p:nvSpPr>
+        <p:spPr>
+          <a:xfrm>
+            <a:off x="1889819" y="4587875"/>
+            <a:ext cx="3922118" cy="592336"/>
+          </a:xfrm>
+          <a:prstGeom prst="rect">
+            <a:avLst/>
+          </a:prstGeom>
+          <a:noFill/>
+          <a:ln/>
+        </p:spPr>
+        <p:txBody>
           <a:bodyPr wrap="square" rtlCol="0" anchor="t"/>
           <a:lstStyle/>
           <a:p>
-            <a:pPr marL="285739" indent="-285739">
+            <a:pPr>
               <a:lnSpc>
                 <a:spcPts val="2332"/>
               </a:lnSpc>
-              <a:buSzPct val="100000"/>
-              <a:buChar char="•"/>
             </a:pPr>
-            <a:r>
-              <a:rPr lang="en-US" sz="1458" b="1" dirty="0">
-                <a:solidFill>
-                  <a:srgbClr val="2C3249"/>
-                </a:solidFill>
-                <a:latin typeface="Martel Sans" pitchFamily="34" charset="0"/>
-                <a:ea typeface="Martel Sans" pitchFamily="34" charset="-122"/>
-                <a:cs typeface="Martel Sans" pitchFamily="34" charset="-120"/>
-              </a:rPr>
-              <a:t>Compatibilidad:</a:t>
-            </a:r>
             <a:r>
               <a:rPr lang="en-US" sz="1458" dirty="0">
                 <a:solidFill>
@@ -8184,7 +8530,116 @@
                 <a:ea typeface="Martel Sans" pitchFamily="34" charset="-122"/>
                 <a:cs typeface="Martel Sans" pitchFamily="34" charset="-120"/>
               </a:rPr>
-              <a:t> Los widgets HTML son compatibles con la mayoría de los navegadores web y dispositivos, lo que garantiza una visualización consistente.</a:t>
+              <a:t>Elementos interactivos que permiten a los usuarios enviar datos a través del sitio web.</a:t>
+            </a:r>
+            <a:endParaRPr lang="en-US" sz="1458" dirty="0"/>
+          </a:p>
+        </p:txBody>
+      </p:sp>
+      <p:sp>
+        <p:nvSpPr>
+          <p:cNvPr id="14" name="Shape 12"/>
+          <p:cNvSpPr/>
+          <p:nvPr/>
+        </p:nvSpPr>
+        <p:spPr>
+          <a:xfrm>
+            <a:off x="6188571" y="3996035"/>
+            <a:ext cx="4305102" cy="1671836"/>
+          </a:xfrm>
+          <a:prstGeom prst="roundRect">
+            <a:avLst>
+              <a:gd name="adj" fmla="val 4984"/>
+            </a:avLst>
+          </a:prstGeom>
+          <a:solidFill>
+            <a:srgbClr val="DFECE9"/>
+          </a:solidFill>
+          <a:ln w="7620">
+            <a:solidFill>
+              <a:srgbClr val="C5D2CF"/>
+            </a:solidFill>
+            <a:prstDash val="solid"/>
+          </a:ln>
+        </p:spPr>
+      </p:sp>
+      <p:sp>
+        <p:nvSpPr>
+          <p:cNvPr id="15" name="Text 13"/>
+          <p:cNvSpPr/>
+          <p:nvPr/>
+        </p:nvSpPr>
+        <p:spPr>
+          <a:xfrm>
+            <a:off x="6380063" y="4187527"/>
+            <a:ext cx="2609255" cy="289322"/>
+          </a:xfrm>
+          <a:prstGeom prst="rect">
+            <a:avLst/>
+          </a:prstGeom>
+          <a:noFill/>
+          <a:ln/>
+        </p:spPr>
+        <p:txBody>
+          <a:bodyPr wrap="none" rtlCol="0" anchor="t"/>
+          <a:lstStyle/>
+          <a:p>
+            <a:pPr>
+              <a:lnSpc>
+                <a:spcPts val="2278"/>
+              </a:lnSpc>
+            </a:pPr>
+            <a:r>
+              <a:rPr lang="en-US" sz="1822" dirty="0">
+                <a:solidFill>
+                  <a:srgbClr val="2C3249"/>
+                </a:solidFill>
+                <a:latin typeface="Kanit" pitchFamily="34" charset="0"/>
+                <a:ea typeface="Kanit" pitchFamily="34" charset="-122"/>
+                <a:cs typeface="Kanit" pitchFamily="34" charset="-120"/>
+              </a:rPr>
+              <a:t>Widgets de redes sociales</a:t>
+            </a:r>
+            <a:endParaRPr lang="en-US" sz="1822" dirty="0"/>
+          </a:p>
+        </p:txBody>
+      </p:sp>
+      <p:sp>
+        <p:nvSpPr>
+          <p:cNvPr id="16" name="Text 14"/>
+          <p:cNvSpPr/>
+          <p:nvPr/>
+        </p:nvSpPr>
+        <p:spPr>
+          <a:xfrm>
+            <a:off x="6380064" y="4587876"/>
+            <a:ext cx="3922118" cy="888504"/>
+          </a:xfrm>
+          <a:prstGeom prst="rect">
+            <a:avLst/>
+          </a:prstGeom>
+          <a:noFill/>
+          <a:ln/>
+        </p:spPr>
+        <p:txBody>
+          <a:bodyPr wrap="square" rtlCol="0" anchor="t"/>
+          <a:lstStyle/>
+          <a:p>
+            <a:pPr>
+              <a:lnSpc>
+                <a:spcPts val="2332"/>
+              </a:lnSpc>
+            </a:pPr>
+            <a:r>
+              <a:rPr lang="en-US" sz="1458" dirty="0">
+                <a:solidFill>
+                  <a:srgbClr val="2C3249"/>
+                </a:solidFill>
+                <a:latin typeface="Martel Sans" pitchFamily="34" charset="0"/>
+                <a:ea typeface="Martel Sans" pitchFamily="34" charset="-122"/>
+                <a:cs typeface="Martel Sans" pitchFamily="34" charset="-120"/>
+              </a:rPr>
+              <a:t>Botones o cuadros que conectan el contenido del sitio web con plataformas de redes sociales.</a:t>
             </a:r>
             <a:endParaRPr lang="en-US" sz="1458" dirty="0"/>
           </a:p>
@@ -8192,10 +8647,40 @@
       </p:sp>
       <p:pic>
         <p:nvPicPr>
-          <p:cNvPr id="9" name="Imagen 8">
+          <p:cNvPr id="17" name="Imagen 16">
             <a:extLst>
               <a:ext uri="{FF2B5EF4-FFF2-40B4-BE49-F238E27FC236}">
-                <a16:creationId xmlns:a16="http://schemas.microsoft.com/office/drawing/2014/main" id="{547BDD7D-3824-7413-9F80-A4661EA88702}"/>
+                <a16:creationId xmlns:a16="http://schemas.microsoft.com/office/drawing/2014/main" id="{431DDBF0-D5FF-8A8C-39E4-F03EC999AFCA}"/>
+              </a:ext>
+            </a:extLst>
+          </p:cNvPr>
+          <p:cNvPicPr>
+            <a:picLocks noChangeAspect="1"/>
+          </p:cNvPicPr>
+          <p:nvPr/>
+        </p:nvPicPr>
+        <p:blipFill>
+          <a:blip r:embed="rId3"/>
+          <a:stretch>
+            <a:fillRect/>
+          </a:stretch>
+        </p:blipFill>
+        <p:spPr>
+          <a:xfrm>
+            <a:off x="0" y="6143625"/>
+            <a:ext cx="11087100" cy="714375"/>
+          </a:xfrm>
+          <a:prstGeom prst="rect">
+            <a:avLst/>
+          </a:prstGeom>
+        </p:spPr>
+      </p:pic>
+      <p:pic>
+        <p:nvPicPr>
+          <p:cNvPr id="18" name="Imagen 17">
+            <a:extLst>
+              <a:ext uri="{FF2B5EF4-FFF2-40B4-BE49-F238E27FC236}">
+                <a16:creationId xmlns:a16="http://schemas.microsoft.com/office/drawing/2014/main" id="{44B5238B-C441-792B-BCD3-7AAE8D86903A}"/>
               </a:ext>
             </a:extLst>
           </p:cNvPr>
@@ -8212,38 +8697,8 @@
         </p:blipFill>
         <p:spPr>
           <a:xfrm>
-            <a:off x="5067300" y="0"/>
-            <a:ext cx="7124700" cy="771525"/>
-          </a:xfrm>
-          <a:prstGeom prst="rect">
-            <a:avLst/>
-          </a:prstGeom>
-        </p:spPr>
-      </p:pic>
-      <p:pic>
-        <p:nvPicPr>
-          <p:cNvPr id="10" name="Imagen 9">
-            <a:extLst>
-              <a:ext uri="{FF2B5EF4-FFF2-40B4-BE49-F238E27FC236}">
-                <a16:creationId xmlns:a16="http://schemas.microsoft.com/office/drawing/2014/main" id="{C22CCBB9-DE06-61D2-051C-A5BEE750EB6C}"/>
-              </a:ext>
-            </a:extLst>
-          </p:cNvPr>
-          <p:cNvPicPr>
-            <a:picLocks noChangeAspect="1"/>
-          </p:cNvPicPr>
-          <p:nvPr/>
-        </p:nvPicPr>
-        <p:blipFill>
-          <a:blip r:embed="rId5"/>
-          <a:stretch>
-            <a:fillRect/>
-          </a:stretch>
-        </p:blipFill>
-        <p:spPr>
-          <a:xfrm>
-            <a:off x="4572000" y="6149439"/>
-            <a:ext cx="7620000" cy="714375"/>
+            <a:off x="55066" y="0"/>
+            <a:ext cx="11896725" cy="676275"/>
           </a:xfrm>
           <a:prstGeom prst="rect">
             <a:avLst/>
@@ -8315,16 +8770,40 @@
           <a:ln/>
         </p:spPr>
       </p:sp>
-      <p:sp>
-        <p:nvSpPr>
-          <p:cNvPr id="4" name="Text 2"/>
+      <p:pic>
+        <p:nvPicPr>
+          <p:cNvPr id="4" name="Image 0" descr="preencoded.png"/>
+          <p:cNvPicPr>
+            <a:picLocks noChangeAspect="1"/>
+          </p:cNvPicPr>
+          <p:nvPr/>
+        </p:nvPicPr>
+        <p:blipFill>
+          <a:blip r:embed="rId3"/>
+          <a:stretch>
+            <a:fillRect/>
+          </a:stretch>
+        </p:blipFill>
+        <p:spPr>
+          <a:xfrm>
+            <a:off x="0" y="0"/>
+            <a:ext cx="4572000" cy="6858000"/>
+          </a:xfrm>
+          <a:prstGeom prst="rect">
+            <a:avLst/>
+          </a:prstGeom>
+        </p:spPr>
+      </p:pic>
+      <p:sp>
+        <p:nvSpPr>
+          <p:cNvPr id="5" name="Text 2"/>
           <p:cNvSpPr/>
           <p:nvPr/>
         </p:nvSpPr>
         <p:spPr>
           <a:xfrm>
-            <a:off x="1698328" y="873026"/>
-            <a:ext cx="8643343" cy="578644"/>
+            <a:off x="5266333" y="1452761"/>
+            <a:ext cx="6231334" cy="1157288"/>
           </a:xfrm>
           <a:prstGeom prst="rect">
             <a:avLst/>
@@ -8333,7 +8812,7 @@
           <a:ln/>
         </p:spPr>
         <p:txBody>
-          <a:bodyPr wrap="none" rtlCol="0" anchor="t"/>
+          <a:bodyPr wrap="square" rtlCol="0" anchor="t"/>
           <a:lstStyle/>
           <a:p>
             <a:pPr>
@@ -8350,7 +8829,7 @@
                 <a:ea typeface="Kanit" pitchFamily="34" charset="-122"/>
                 <a:cs typeface="Kanit" pitchFamily="34" charset="-120"/>
               </a:rPr>
-              <a:t>Cómo agregar widgets HTML a su sitio web</a:t>
+              <a:t>Ventajas de usar widgets HTML</a:t>
             </a:r>
             <a:endParaRPr lang="en-US" sz="3645" dirty="0"/>
           </a:p>
@@ -8358,85 +8837,14 @@
       </p:sp>
       <p:sp>
         <p:nvSpPr>
-          <p:cNvPr id="5" name="Shape 3"/>
+          <p:cNvPr id="6" name="Text 3"/>
           <p:cNvSpPr/>
           <p:nvPr/>
         </p:nvSpPr>
         <p:spPr>
           <a:xfrm>
-            <a:off x="1957586" y="1821954"/>
-            <a:ext cx="37008" cy="4163020"/>
-          </a:xfrm>
-          <a:prstGeom prst="roundRect">
-            <a:avLst>
-              <a:gd name="adj" fmla="val 225151"/>
-            </a:avLst>
-          </a:prstGeom>
-          <a:solidFill>
-            <a:srgbClr val="C5D2CF"/>
-          </a:solidFill>
-          <a:ln/>
-        </p:spPr>
-      </p:sp>
-      <p:sp>
-        <p:nvSpPr>
-          <p:cNvPr id="6" name="Shape 4"/>
-          <p:cNvSpPr/>
-          <p:nvPr/>
-        </p:nvSpPr>
-        <p:spPr>
-          <a:xfrm>
-            <a:off x="2184350" y="2156371"/>
-            <a:ext cx="647998" cy="37008"/>
-          </a:xfrm>
-          <a:prstGeom prst="roundRect">
-            <a:avLst>
-              <a:gd name="adj" fmla="val 225151"/>
-            </a:avLst>
-          </a:prstGeom>
-          <a:solidFill>
-            <a:srgbClr val="C5D2CF"/>
-          </a:solidFill>
-          <a:ln/>
-        </p:spPr>
-      </p:sp>
-      <p:sp>
-        <p:nvSpPr>
-          <p:cNvPr id="7" name="Shape 5"/>
-          <p:cNvSpPr/>
-          <p:nvPr/>
-        </p:nvSpPr>
-        <p:spPr>
-          <a:xfrm>
-            <a:off x="1767731" y="1966616"/>
-            <a:ext cx="416619" cy="416619"/>
-          </a:xfrm>
-          <a:prstGeom prst="roundRect">
-            <a:avLst>
-              <a:gd name="adj" fmla="val 20000"/>
-            </a:avLst>
-          </a:prstGeom>
-          <a:solidFill>
-            <a:srgbClr val="DFECE9"/>
-          </a:solidFill>
-          <a:ln w="7620">
-            <a:solidFill>
-              <a:srgbClr val="C5D2CF"/>
-            </a:solidFill>
-            <a:prstDash val="solid"/>
-          </a:ln>
-        </p:spPr>
-      </p:sp>
-      <p:sp>
-        <p:nvSpPr>
-          <p:cNvPr id="8" name="Text 6"/>
-          <p:cNvSpPr/>
-          <p:nvPr/>
-        </p:nvSpPr>
-        <p:spPr>
-          <a:xfrm>
-            <a:off x="1933823" y="2001342"/>
-            <a:ext cx="84435" cy="347068"/>
+            <a:off x="5562501" y="2887762"/>
+            <a:ext cx="5935167" cy="592336"/>
           </a:xfrm>
           <a:prstGeom prst="rect">
             <a:avLst/>
@@ -8445,96 +8853,27 @@
           <a:ln/>
         </p:spPr>
         <p:txBody>
-          <a:bodyPr wrap="none" rtlCol="0" anchor="t"/>
-          <a:lstStyle/>
-          <a:p>
-            <a:pPr algn="ctr">
+          <a:bodyPr wrap="square" rtlCol="0" anchor="t"/>
+          <a:lstStyle/>
+          <a:p>
+            <a:pPr marL="285739" indent="-285739">
               <a:lnSpc>
-                <a:spcPts val="2734"/>
+                <a:spcPts val="2332"/>
               </a:lnSpc>
+              <a:buSzPct val="100000"/>
+              <a:buChar char="•"/>
             </a:pPr>
             <a:r>
-              <a:rPr lang="en-US" sz="2187" dirty="0">
+              <a:rPr lang="en-US" sz="1458" b="1" dirty="0">
                 <a:solidFill>
                   <a:srgbClr val="2C3249"/>
                 </a:solidFill>
-                <a:latin typeface="Kanit" pitchFamily="34" charset="0"/>
-                <a:ea typeface="Kanit" pitchFamily="34" charset="-122"/>
-                <a:cs typeface="Kanit" pitchFamily="34" charset="-120"/>
+                <a:latin typeface="Martel Sans" pitchFamily="34" charset="0"/>
+                <a:ea typeface="Martel Sans" pitchFamily="34" charset="-122"/>
+                <a:cs typeface="Martel Sans" pitchFamily="34" charset="-120"/>
               </a:rPr>
-              <a:t>1</a:t>
-            </a:r>
-            <a:endParaRPr lang="en-US" sz="2187" dirty="0"/>
-          </a:p>
-        </p:txBody>
-      </p:sp>
-      <p:sp>
-        <p:nvSpPr>
-          <p:cNvPr id="9" name="Text 7"/>
-          <p:cNvSpPr/>
-          <p:nvPr/>
-        </p:nvSpPr>
-        <p:spPr>
-          <a:xfrm>
-            <a:off x="2994422" y="2007096"/>
-            <a:ext cx="2314575" cy="289322"/>
-          </a:xfrm>
-          <a:prstGeom prst="rect">
-            <a:avLst/>
-          </a:prstGeom>
-          <a:noFill/>
-          <a:ln/>
-        </p:spPr>
-        <p:txBody>
-          <a:bodyPr wrap="none" rtlCol="0" anchor="t"/>
-          <a:lstStyle/>
-          <a:p>
-            <a:pPr>
-              <a:lnSpc>
-                <a:spcPts val="2278"/>
-              </a:lnSpc>
-            </a:pPr>
-            <a:r>
-              <a:rPr lang="en-US" sz="1822" dirty="0">
-                <a:solidFill>
-                  <a:srgbClr val="2C3249"/>
-                </a:solidFill>
-                <a:latin typeface="Kanit" pitchFamily="34" charset="0"/>
-                <a:ea typeface="Kanit" pitchFamily="34" charset="-122"/>
-                <a:cs typeface="Kanit" pitchFamily="34" charset="-120"/>
-              </a:rPr>
-              <a:t>Seleccionar un widget</a:t>
-            </a:r>
-            <a:endParaRPr lang="en-US" sz="1822" dirty="0"/>
-          </a:p>
-        </p:txBody>
-      </p:sp>
-      <p:sp>
-        <p:nvSpPr>
-          <p:cNvPr id="10" name="Text 8"/>
-          <p:cNvSpPr/>
-          <p:nvPr/>
-        </p:nvSpPr>
-        <p:spPr>
-          <a:xfrm>
-            <a:off x="2994422" y="2407445"/>
-            <a:ext cx="7499251" cy="592336"/>
-          </a:xfrm>
-          <a:prstGeom prst="rect">
-            <a:avLst/>
-          </a:prstGeom>
-          <a:noFill/>
-          <a:ln/>
-        </p:spPr>
-        <p:txBody>
-          <a:bodyPr wrap="square" rtlCol="0" anchor="t"/>
-          <a:lstStyle/>
-          <a:p>
-            <a:pPr>
-              <a:lnSpc>
-                <a:spcPts val="2332"/>
-              </a:lnSpc>
-            </a:pPr>
+              <a:t>Multipropósito:</a:t>
+            </a:r>
             <a:r>
               <a:rPr lang="en-US" sz="1458" dirty="0">
                 <a:solidFill>
@@ -8544,7 +8883,7 @@
                 <a:ea typeface="Martel Sans" pitchFamily="34" charset="-122"/>
                 <a:cs typeface="Martel Sans" pitchFamily="34" charset="-120"/>
               </a:rPr>
-              <a:t>Encuentre un widget HTML que se ajuste a sus necesidades de diseño y funcionalidad.</a:t>
+              <a:t> Los widgets HTML son versátiles y pueden utilizarse para una variedad de funciones en un sitio web.</a:t>
             </a:r>
             <a:endParaRPr lang="en-US" sz="1458" dirty="0"/>
           </a:p>
@@ -8552,63 +8891,14 @@
       </p:sp>
       <p:sp>
         <p:nvSpPr>
-          <p:cNvPr id="11" name="Shape 9"/>
+          <p:cNvPr id="7" name="Text 4"/>
           <p:cNvSpPr/>
           <p:nvPr/>
         </p:nvSpPr>
         <p:spPr>
           <a:xfrm>
-            <a:off x="2184350" y="3704481"/>
-            <a:ext cx="647998" cy="37008"/>
-          </a:xfrm>
-          <a:prstGeom prst="roundRect">
-            <a:avLst>
-              <a:gd name="adj" fmla="val 225151"/>
-            </a:avLst>
-          </a:prstGeom>
-          <a:solidFill>
-            <a:srgbClr val="C5D2CF"/>
-          </a:solidFill>
-          <a:ln/>
-        </p:spPr>
-      </p:sp>
-      <p:sp>
-        <p:nvSpPr>
-          <p:cNvPr id="12" name="Shape 10"/>
-          <p:cNvSpPr/>
-          <p:nvPr/>
-        </p:nvSpPr>
-        <p:spPr>
-          <a:xfrm>
-            <a:off x="1767731" y="3514726"/>
-            <a:ext cx="416619" cy="416619"/>
-          </a:xfrm>
-          <a:prstGeom prst="roundRect">
-            <a:avLst>
-              <a:gd name="adj" fmla="val 20000"/>
-            </a:avLst>
-          </a:prstGeom>
-          <a:solidFill>
-            <a:srgbClr val="DFECE9"/>
-          </a:solidFill>
-          <a:ln w="7620">
-            <a:solidFill>
-              <a:srgbClr val="C5D2CF"/>
-            </a:solidFill>
-            <a:prstDash val="solid"/>
-          </a:ln>
-        </p:spPr>
-      </p:sp>
-      <p:sp>
-        <p:nvSpPr>
-          <p:cNvPr id="13" name="Text 11"/>
-          <p:cNvSpPr/>
-          <p:nvPr/>
-        </p:nvSpPr>
-        <p:spPr>
-          <a:xfrm>
-            <a:off x="1905744" y="3549452"/>
-            <a:ext cx="140593" cy="347068"/>
+            <a:off x="5562501" y="3554116"/>
+            <a:ext cx="5935167" cy="888504"/>
           </a:xfrm>
           <a:prstGeom prst="rect">
             <a:avLst/>
@@ -8617,96 +8907,27 @@
           <a:ln/>
         </p:spPr>
         <p:txBody>
-          <a:bodyPr wrap="none" rtlCol="0" anchor="t"/>
-          <a:lstStyle/>
-          <a:p>
-            <a:pPr algn="ctr">
+          <a:bodyPr wrap="square" rtlCol="0" anchor="t"/>
+          <a:lstStyle/>
+          <a:p>
+            <a:pPr marL="285739" indent="-285739">
               <a:lnSpc>
-                <a:spcPts val="2734"/>
+                <a:spcPts val="2332"/>
               </a:lnSpc>
+              <a:buSzPct val="100000"/>
+              <a:buChar char="•"/>
             </a:pPr>
             <a:r>
-              <a:rPr lang="en-US" sz="2187" dirty="0">
+              <a:rPr lang="en-US" sz="1458" b="1" dirty="0">
                 <a:solidFill>
                   <a:srgbClr val="2C3249"/>
                 </a:solidFill>
-                <a:latin typeface="Kanit" pitchFamily="34" charset="0"/>
-                <a:ea typeface="Kanit" pitchFamily="34" charset="-122"/>
-                <a:cs typeface="Kanit" pitchFamily="34" charset="-120"/>
+                <a:latin typeface="Martel Sans" pitchFamily="34" charset="0"/>
+                <a:ea typeface="Martel Sans" pitchFamily="34" charset="-122"/>
+                <a:cs typeface="Martel Sans" pitchFamily="34" charset="-120"/>
               </a:rPr>
-              <a:t>2</a:t>
-            </a:r>
-            <a:endParaRPr lang="en-US" sz="2187" dirty="0"/>
-          </a:p>
-        </p:txBody>
-      </p:sp>
-      <p:sp>
-        <p:nvSpPr>
-          <p:cNvPr id="14" name="Text 12"/>
-          <p:cNvSpPr/>
-          <p:nvPr/>
-        </p:nvSpPr>
-        <p:spPr>
-          <a:xfrm>
-            <a:off x="2994422" y="3555207"/>
-            <a:ext cx="2314575" cy="289322"/>
-          </a:xfrm>
-          <a:prstGeom prst="rect">
-            <a:avLst/>
-          </a:prstGeom>
-          <a:noFill/>
-          <a:ln/>
-        </p:spPr>
-        <p:txBody>
-          <a:bodyPr wrap="none" rtlCol="0" anchor="t"/>
-          <a:lstStyle/>
-          <a:p>
-            <a:pPr>
-              <a:lnSpc>
-                <a:spcPts val="2278"/>
-              </a:lnSpc>
-            </a:pPr>
-            <a:r>
-              <a:rPr lang="en-US" sz="1822" dirty="0">
-                <a:solidFill>
-                  <a:srgbClr val="2C3249"/>
-                </a:solidFill>
-                <a:latin typeface="Kanit" pitchFamily="34" charset="0"/>
-                <a:ea typeface="Kanit" pitchFamily="34" charset="-122"/>
-                <a:cs typeface="Kanit" pitchFamily="34" charset="-120"/>
-              </a:rPr>
-              <a:t>Obtener el código</a:t>
-            </a:r>
-            <a:endParaRPr lang="en-US" sz="1822" dirty="0"/>
-          </a:p>
-        </p:txBody>
-      </p:sp>
-      <p:sp>
-        <p:nvSpPr>
-          <p:cNvPr id="15" name="Text 13"/>
-          <p:cNvSpPr/>
-          <p:nvPr/>
-        </p:nvSpPr>
-        <p:spPr>
-          <a:xfrm>
-            <a:off x="2994422" y="3955554"/>
-            <a:ext cx="7499251" cy="296168"/>
-          </a:xfrm>
-          <a:prstGeom prst="rect">
-            <a:avLst/>
-          </a:prstGeom>
-          <a:noFill/>
-          <a:ln/>
-        </p:spPr>
-        <p:txBody>
-          <a:bodyPr wrap="none" rtlCol="0" anchor="t"/>
-          <a:lstStyle/>
-          <a:p>
-            <a:pPr>
-              <a:lnSpc>
-                <a:spcPts val="2332"/>
-              </a:lnSpc>
-            </a:pPr>
+              <a:t>Facilidad de implementación:</a:t>
+            </a:r>
             <a:r>
               <a:rPr lang="en-US" sz="1458" dirty="0">
                 <a:solidFill>
@@ -8716,7 +8937,7 @@
                 <a:ea typeface="Martel Sans" pitchFamily="34" charset="-122"/>
                 <a:cs typeface="Martel Sans" pitchFamily="34" charset="-120"/>
               </a:rPr>
-              <a:t>Una vez que haya seleccionado el widget, copie el código HTML proporcionado.</a:t>
+              <a:t> Se pueden agregar fácilmente a cualquier página web sin requerir habilidades de programación avanzadas.</a:t>
             </a:r>
             <a:endParaRPr lang="en-US" sz="1458" dirty="0"/>
           </a:p>
@@ -8724,63 +8945,14 @@
       </p:sp>
       <p:sp>
         <p:nvSpPr>
-          <p:cNvPr id="16" name="Shape 14"/>
+          <p:cNvPr id="8" name="Text 5"/>
           <p:cNvSpPr/>
           <p:nvPr/>
         </p:nvSpPr>
         <p:spPr>
           <a:xfrm>
-            <a:off x="2184350" y="4956424"/>
-            <a:ext cx="647998" cy="37008"/>
-          </a:xfrm>
-          <a:prstGeom prst="roundRect">
-            <a:avLst>
-              <a:gd name="adj" fmla="val 225151"/>
-            </a:avLst>
-          </a:prstGeom>
-          <a:solidFill>
-            <a:srgbClr val="C5D2CF"/>
-          </a:solidFill>
-          <a:ln/>
-        </p:spPr>
-      </p:sp>
-      <p:sp>
-        <p:nvSpPr>
-          <p:cNvPr id="17" name="Shape 15"/>
-          <p:cNvSpPr/>
-          <p:nvPr/>
-        </p:nvSpPr>
-        <p:spPr>
-          <a:xfrm>
-            <a:off x="1767731" y="4766668"/>
-            <a:ext cx="416619" cy="416619"/>
-          </a:xfrm>
-          <a:prstGeom prst="roundRect">
-            <a:avLst>
-              <a:gd name="adj" fmla="val 20000"/>
-            </a:avLst>
-          </a:prstGeom>
-          <a:solidFill>
-            <a:srgbClr val="DFECE9"/>
-          </a:solidFill>
-          <a:ln w="7620">
-            <a:solidFill>
-              <a:srgbClr val="C5D2CF"/>
-            </a:solidFill>
-            <a:prstDash val="solid"/>
-          </a:ln>
-        </p:spPr>
-      </p:sp>
-      <p:sp>
-        <p:nvSpPr>
-          <p:cNvPr id="18" name="Text 16"/>
-          <p:cNvSpPr/>
-          <p:nvPr/>
-        </p:nvSpPr>
-        <p:spPr>
-          <a:xfrm>
-            <a:off x="1904653" y="4801394"/>
-            <a:ext cx="142776" cy="347068"/>
+            <a:off x="5562501" y="4516636"/>
+            <a:ext cx="5935167" cy="888504"/>
           </a:xfrm>
           <a:prstGeom prst="rect">
             <a:avLst/>
@@ -8789,96 +8961,27 @@
           <a:ln/>
         </p:spPr>
         <p:txBody>
-          <a:bodyPr wrap="none" rtlCol="0" anchor="t"/>
-          <a:lstStyle/>
-          <a:p>
-            <a:pPr algn="ctr">
+          <a:bodyPr wrap="square" rtlCol="0" anchor="t"/>
+          <a:lstStyle/>
+          <a:p>
+            <a:pPr marL="285739" indent="-285739">
               <a:lnSpc>
-                <a:spcPts val="2734"/>
+                <a:spcPts val="2332"/>
               </a:lnSpc>
+              <a:buSzPct val="100000"/>
+              <a:buChar char="•"/>
             </a:pPr>
             <a:r>
-              <a:rPr lang="en-US" sz="2187" dirty="0">
+              <a:rPr lang="en-US" sz="1458" b="1" dirty="0">
                 <a:solidFill>
                   <a:srgbClr val="2C3249"/>
                 </a:solidFill>
-                <a:latin typeface="Kanit" pitchFamily="34" charset="0"/>
-                <a:ea typeface="Kanit" pitchFamily="34" charset="-122"/>
-                <a:cs typeface="Kanit" pitchFamily="34" charset="-120"/>
+                <a:latin typeface="Martel Sans" pitchFamily="34" charset="0"/>
+                <a:ea typeface="Martel Sans" pitchFamily="34" charset="-122"/>
+                <a:cs typeface="Martel Sans" pitchFamily="34" charset="-120"/>
               </a:rPr>
-              <a:t>3</a:t>
-            </a:r>
-            <a:endParaRPr lang="en-US" sz="2187" dirty="0"/>
-          </a:p>
-        </p:txBody>
-      </p:sp>
-      <p:sp>
-        <p:nvSpPr>
-          <p:cNvPr id="19" name="Text 17"/>
-          <p:cNvSpPr/>
-          <p:nvPr/>
-        </p:nvSpPr>
-        <p:spPr>
-          <a:xfrm>
-            <a:off x="2994422" y="4807148"/>
-            <a:ext cx="2334220" cy="289322"/>
-          </a:xfrm>
-          <a:prstGeom prst="rect">
-            <a:avLst/>
-          </a:prstGeom>
-          <a:noFill/>
-          <a:ln/>
-        </p:spPr>
-        <p:txBody>
-          <a:bodyPr wrap="none" rtlCol="0" anchor="t"/>
-          <a:lstStyle/>
-          <a:p>
-            <a:pPr>
-              <a:lnSpc>
-                <a:spcPts val="2278"/>
-              </a:lnSpc>
-            </a:pPr>
-            <a:r>
-              <a:rPr lang="en-US" sz="1822" dirty="0">
-                <a:solidFill>
-                  <a:srgbClr val="2C3249"/>
-                </a:solidFill>
-                <a:latin typeface="Kanit" pitchFamily="34" charset="0"/>
-                <a:ea typeface="Kanit" pitchFamily="34" charset="-122"/>
-                <a:cs typeface="Kanit" pitchFamily="34" charset="-120"/>
-              </a:rPr>
-              <a:t>Insertar en su sitio web</a:t>
-            </a:r>
-            <a:endParaRPr lang="en-US" sz="1822" dirty="0"/>
-          </a:p>
-        </p:txBody>
-      </p:sp>
-      <p:sp>
-        <p:nvSpPr>
-          <p:cNvPr id="20" name="Text 18"/>
-          <p:cNvSpPr/>
-          <p:nvPr/>
-        </p:nvSpPr>
-        <p:spPr>
-          <a:xfrm>
-            <a:off x="2994422" y="5207496"/>
-            <a:ext cx="7499251" cy="592336"/>
-          </a:xfrm>
-          <a:prstGeom prst="rect">
-            <a:avLst/>
-          </a:prstGeom>
-          <a:noFill/>
-          <a:ln/>
-        </p:spPr>
-        <p:txBody>
-          <a:bodyPr wrap="square" rtlCol="0" anchor="t"/>
-          <a:lstStyle/>
-          <a:p>
-            <a:pPr>
-              <a:lnSpc>
-                <a:spcPts val="2332"/>
-              </a:lnSpc>
-            </a:pPr>
+              <a:t>Compatibilidad:</a:t>
+            </a:r>
             <a:r>
               <a:rPr lang="en-US" sz="1458" dirty="0">
                 <a:solidFill>
@@ -8888,7 +8991,7 @@
                 <a:ea typeface="Martel Sans" pitchFamily="34" charset="-122"/>
                 <a:cs typeface="Martel Sans" pitchFamily="34" charset="-120"/>
               </a:rPr>
-              <a:t>Pegue el código HTML en la sección del sitio web donde desea que aparezca el widget.</a:t>
+              <a:t> Los widgets HTML son compatibles con la mayoría de los navegadores web y dispositivos, lo que garantiza una visualización consistente.</a:t>
             </a:r>
             <a:endParaRPr lang="en-US" sz="1458" dirty="0"/>
           </a:p>
@@ -8896,40 +8999,10 @@
       </p:sp>
       <p:pic>
         <p:nvPicPr>
-          <p:cNvPr id="21" name="Imagen 20">
+          <p:cNvPr id="9" name="Imagen 8">
             <a:extLst>
               <a:ext uri="{FF2B5EF4-FFF2-40B4-BE49-F238E27FC236}">
-                <a16:creationId xmlns:a16="http://schemas.microsoft.com/office/drawing/2014/main" id="{2935E6E2-75A1-CA3B-BA65-DBFACFFE4EFF}"/>
-              </a:ext>
-            </a:extLst>
-          </p:cNvPr>
-          <p:cNvPicPr>
-            <a:picLocks noChangeAspect="1"/>
-          </p:cNvPicPr>
-          <p:nvPr/>
-        </p:nvPicPr>
-        <p:blipFill>
-          <a:blip r:embed="rId3"/>
-          <a:stretch>
-            <a:fillRect/>
-          </a:stretch>
-        </p:blipFill>
-        <p:spPr>
-          <a:xfrm>
-            <a:off x="0" y="6143625"/>
-            <a:ext cx="11087100" cy="714375"/>
-          </a:xfrm>
-          <a:prstGeom prst="rect">
-            <a:avLst/>
-          </a:prstGeom>
-        </p:spPr>
-      </p:pic>
-      <p:pic>
-        <p:nvPicPr>
-          <p:cNvPr id="22" name="Imagen 21">
-            <a:extLst>
-              <a:ext uri="{FF2B5EF4-FFF2-40B4-BE49-F238E27FC236}">
-                <a16:creationId xmlns:a16="http://schemas.microsoft.com/office/drawing/2014/main" id="{49B7CC23-166D-3883-5E5B-CEE8A5E189AE}"/>
+                <a16:creationId xmlns:a16="http://schemas.microsoft.com/office/drawing/2014/main" id="{547BDD7D-3824-7413-9F80-A4661EA88702}"/>
               </a:ext>
             </a:extLst>
           </p:cNvPr>
@@ -8946,8 +9019,38 @@
         </p:blipFill>
         <p:spPr>
           <a:xfrm>
-            <a:off x="55066" y="0"/>
-            <a:ext cx="11896725" cy="676275"/>
+            <a:off x="5067300" y="0"/>
+            <a:ext cx="7124700" cy="771525"/>
+          </a:xfrm>
+          <a:prstGeom prst="rect">
+            <a:avLst/>
+          </a:prstGeom>
+        </p:spPr>
+      </p:pic>
+      <p:pic>
+        <p:nvPicPr>
+          <p:cNvPr id="10" name="Imagen 9">
+            <a:extLst>
+              <a:ext uri="{FF2B5EF4-FFF2-40B4-BE49-F238E27FC236}">
+                <a16:creationId xmlns:a16="http://schemas.microsoft.com/office/drawing/2014/main" id="{C22CCBB9-DE06-61D2-051C-A5BEE750EB6C}"/>
+              </a:ext>
+            </a:extLst>
+          </p:cNvPr>
+          <p:cNvPicPr>
+            <a:picLocks noChangeAspect="1"/>
+          </p:cNvPicPr>
+          <p:nvPr/>
+        </p:nvPicPr>
+        <p:blipFill>
+          <a:blip r:embed="rId5"/>
+          <a:stretch>
+            <a:fillRect/>
+          </a:stretch>
+        </p:blipFill>
+        <p:spPr>
+          <a:xfrm>
+            <a:off x="4572000" y="6149439"/>
+            <a:ext cx="7620000" cy="714375"/>
           </a:xfrm>
           <a:prstGeom prst="rect">
             <a:avLst/>
@@ -9027,8 +9130,8 @@
         </p:nvSpPr>
         <p:spPr>
           <a:xfrm>
-            <a:off x="1698328" y="1591569"/>
-            <a:ext cx="7840365" cy="578644"/>
+            <a:off x="1698328" y="873026"/>
+            <a:ext cx="8643343" cy="578644"/>
           </a:xfrm>
           <a:prstGeom prst="rect">
             <a:avLst/>
@@ -9054,45 +9157,133 @@
                 <a:ea typeface="Kanit" pitchFamily="34" charset="-122"/>
                 <a:cs typeface="Kanit" pitchFamily="34" charset="-120"/>
               </a:rPr>
-              <a:t>Herramientas para crear widgets HTML</a:t>
+              <a:t>Cómo agregar widgets HTML a su sitio web</a:t>
             </a:r>
             <a:endParaRPr lang="en-US" sz="3645" dirty="0"/>
           </a:p>
         </p:txBody>
       </p:sp>
-      <p:pic>
-        <p:nvPicPr>
-          <p:cNvPr id="5" name="Image 0" descr="preencoded.png"/>
-          <p:cNvPicPr>
-            <a:picLocks noChangeAspect="1"/>
-          </p:cNvPicPr>
-          <p:nvPr/>
-        </p:nvPicPr>
-        <p:blipFill>
-          <a:blip r:embed="rId3"/>
-          <a:stretch>
-            <a:fillRect/>
-          </a:stretch>
-        </p:blipFill>
-        <p:spPr>
-          <a:xfrm>
-            <a:off x="1698328" y="2540496"/>
-            <a:ext cx="370284" cy="370284"/>
-          </a:xfrm>
-          <a:prstGeom prst="rect">
-            <a:avLst/>
-          </a:prstGeom>
-        </p:spPr>
-      </p:pic>
-      <p:sp>
-        <p:nvSpPr>
-          <p:cNvPr id="6" name="Text 3"/>
+      <p:sp>
+        <p:nvSpPr>
+          <p:cNvPr id="5" name="Shape 3"/>
           <p:cNvSpPr/>
           <p:nvPr/>
         </p:nvSpPr>
         <p:spPr>
           <a:xfrm>
-            <a:off x="1698328" y="3095922"/>
+            <a:off x="1957586" y="1821954"/>
+            <a:ext cx="37008" cy="4163020"/>
+          </a:xfrm>
+          <a:prstGeom prst="roundRect">
+            <a:avLst>
+              <a:gd name="adj" fmla="val 225151"/>
+            </a:avLst>
+          </a:prstGeom>
+          <a:solidFill>
+            <a:srgbClr val="C5D2CF"/>
+          </a:solidFill>
+          <a:ln/>
+        </p:spPr>
+      </p:sp>
+      <p:sp>
+        <p:nvSpPr>
+          <p:cNvPr id="6" name="Shape 4"/>
+          <p:cNvSpPr/>
+          <p:nvPr/>
+        </p:nvSpPr>
+        <p:spPr>
+          <a:xfrm>
+            <a:off x="2184350" y="2156371"/>
+            <a:ext cx="647998" cy="37008"/>
+          </a:xfrm>
+          <a:prstGeom prst="roundRect">
+            <a:avLst>
+              <a:gd name="adj" fmla="val 225151"/>
+            </a:avLst>
+          </a:prstGeom>
+          <a:solidFill>
+            <a:srgbClr val="C5D2CF"/>
+          </a:solidFill>
+          <a:ln/>
+        </p:spPr>
+      </p:sp>
+      <p:sp>
+        <p:nvSpPr>
+          <p:cNvPr id="7" name="Shape 5"/>
+          <p:cNvSpPr/>
+          <p:nvPr/>
+        </p:nvSpPr>
+        <p:spPr>
+          <a:xfrm>
+            <a:off x="1767731" y="1966616"/>
+            <a:ext cx="416619" cy="416619"/>
+          </a:xfrm>
+          <a:prstGeom prst="roundRect">
+            <a:avLst>
+              <a:gd name="adj" fmla="val 20000"/>
+            </a:avLst>
+          </a:prstGeom>
+          <a:solidFill>
+            <a:srgbClr val="DFECE9"/>
+          </a:solidFill>
+          <a:ln w="7620">
+            <a:solidFill>
+              <a:srgbClr val="C5D2CF"/>
+            </a:solidFill>
+            <a:prstDash val="solid"/>
+          </a:ln>
+        </p:spPr>
+      </p:sp>
+      <p:sp>
+        <p:nvSpPr>
+          <p:cNvPr id="8" name="Text 6"/>
+          <p:cNvSpPr/>
+          <p:nvPr/>
+        </p:nvSpPr>
+        <p:spPr>
+          <a:xfrm>
+            <a:off x="1933823" y="2001342"/>
+            <a:ext cx="84435" cy="347068"/>
+          </a:xfrm>
+          <a:prstGeom prst="rect">
+            <a:avLst/>
+          </a:prstGeom>
+          <a:noFill/>
+          <a:ln/>
+        </p:spPr>
+        <p:txBody>
+          <a:bodyPr wrap="none" rtlCol="0" anchor="t"/>
+          <a:lstStyle/>
+          <a:p>
+            <a:pPr algn="ctr">
+              <a:lnSpc>
+                <a:spcPts val="2734"/>
+              </a:lnSpc>
+            </a:pPr>
+            <a:r>
+              <a:rPr lang="en-US" sz="2187" dirty="0">
+                <a:solidFill>
+                  <a:srgbClr val="2C3249"/>
+                </a:solidFill>
+                <a:latin typeface="Kanit" pitchFamily="34" charset="0"/>
+                <a:ea typeface="Kanit" pitchFamily="34" charset="-122"/>
+                <a:cs typeface="Kanit" pitchFamily="34" charset="-120"/>
+              </a:rPr>
+              <a:t>1</a:t>
+            </a:r>
+            <a:endParaRPr lang="en-US" sz="2187" dirty="0"/>
+          </a:p>
+        </p:txBody>
+      </p:sp>
+      <p:sp>
+        <p:nvSpPr>
+          <p:cNvPr id="9" name="Text 7"/>
+          <p:cNvSpPr/>
+          <p:nvPr/>
+        </p:nvSpPr>
+        <p:spPr>
+          <a:xfrm>
+            <a:off x="2994422" y="2007096"/>
             <a:ext cx="2314575" cy="289322"/>
           </a:xfrm>
           <a:prstGeom prst="rect">
@@ -9119,7 +9310,7 @@
                 <a:ea typeface="Kanit" pitchFamily="34" charset="-122"/>
                 <a:cs typeface="Kanit" pitchFamily="34" charset="-120"/>
               </a:rPr>
-              <a:t>Editor de texto</a:t>
+              <a:t>Seleccionar un widget</a:t>
             </a:r>
             <a:endParaRPr lang="en-US" sz="1822" dirty="0"/>
           </a:p>
@@ -9127,14 +9318,14 @@
       </p:sp>
       <p:sp>
         <p:nvSpPr>
-          <p:cNvPr id="7" name="Text 4"/>
+          <p:cNvPr id="10" name="Text 8"/>
           <p:cNvSpPr/>
           <p:nvPr/>
         </p:nvSpPr>
         <p:spPr>
           <a:xfrm>
-            <a:off x="1698328" y="3496270"/>
-            <a:ext cx="2746573" cy="1184672"/>
+            <a:off x="2994422" y="2407445"/>
+            <a:ext cx="7499251" cy="592336"/>
           </a:xfrm>
           <a:prstGeom prst="rect">
             <a:avLst/>
@@ -9160,45 +9351,111 @@
                 <a:ea typeface="Martel Sans" pitchFamily="34" charset="-122"/>
                 <a:cs typeface="Martel Sans" pitchFamily="34" charset="-120"/>
               </a:rPr>
-              <a:t>Utilice un editor de texto con resaltado de sintaxis para escribir y editar el código HTML.</a:t>
+              <a:t>Encuentre un widget HTML que se ajuste a sus necesidades de diseño y funcionalidad.</a:t>
             </a:r>
             <a:endParaRPr lang="en-US" sz="1458" dirty="0"/>
           </a:p>
         </p:txBody>
       </p:sp>
-      <p:pic>
-        <p:nvPicPr>
-          <p:cNvPr id="8" name="Image 1" descr="preencoded.png"/>
-          <p:cNvPicPr>
-            <a:picLocks noChangeAspect="1"/>
-          </p:cNvPicPr>
-          <p:nvPr/>
-        </p:nvPicPr>
-        <p:blipFill>
-          <a:blip r:embed="rId4"/>
-          <a:stretch>
-            <a:fillRect/>
-          </a:stretch>
-        </p:blipFill>
-        <p:spPr>
-          <a:xfrm>
-            <a:off x="4722615" y="2540496"/>
-            <a:ext cx="370284" cy="370284"/>
-          </a:xfrm>
-          <a:prstGeom prst="rect">
-            <a:avLst/>
-          </a:prstGeom>
-        </p:spPr>
-      </p:pic>
-      <p:sp>
-        <p:nvSpPr>
-          <p:cNvPr id="9" name="Text 5"/>
+      <p:sp>
+        <p:nvSpPr>
+          <p:cNvPr id="11" name="Shape 9"/>
           <p:cNvSpPr/>
           <p:nvPr/>
         </p:nvSpPr>
         <p:spPr>
           <a:xfrm>
-            <a:off x="4722614" y="3095922"/>
+            <a:off x="2184350" y="3704481"/>
+            <a:ext cx="647998" cy="37008"/>
+          </a:xfrm>
+          <a:prstGeom prst="roundRect">
+            <a:avLst>
+              <a:gd name="adj" fmla="val 225151"/>
+            </a:avLst>
+          </a:prstGeom>
+          <a:solidFill>
+            <a:srgbClr val="C5D2CF"/>
+          </a:solidFill>
+          <a:ln/>
+        </p:spPr>
+      </p:sp>
+      <p:sp>
+        <p:nvSpPr>
+          <p:cNvPr id="12" name="Shape 10"/>
+          <p:cNvSpPr/>
+          <p:nvPr/>
+        </p:nvSpPr>
+        <p:spPr>
+          <a:xfrm>
+            <a:off x="1767731" y="3514726"/>
+            <a:ext cx="416619" cy="416619"/>
+          </a:xfrm>
+          <a:prstGeom prst="roundRect">
+            <a:avLst>
+              <a:gd name="adj" fmla="val 20000"/>
+            </a:avLst>
+          </a:prstGeom>
+          <a:solidFill>
+            <a:srgbClr val="DFECE9"/>
+          </a:solidFill>
+          <a:ln w="7620">
+            <a:solidFill>
+              <a:srgbClr val="C5D2CF"/>
+            </a:solidFill>
+            <a:prstDash val="solid"/>
+          </a:ln>
+        </p:spPr>
+      </p:sp>
+      <p:sp>
+        <p:nvSpPr>
+          <p:cNvPr id="13" name="Text 11"/>
+          <p:cNvSpPr/>
+          <p:nvPr/>
+        </p:nvSpPr>
+        <p:spPr>
+          <a:xfrm>
+            <a:off x="1905744" y="3549452"/>
+            <a:ext cx="140593" cy="347068"/>
+          </a:xfrm>
+          <a:prstGeom prst="rect">
+            <a:avLst/>
+          </a:prstGeom>
+          <a:noFill/>
+          <a:ln/>
+        </p:spPr>
+        <p:txBody>
+          <a:bodyPr wrap="none" rtlCol="0" anchor="t"/>
+          <a:lstStyle/>
+          <a:p>
+            <a:pPr algn="ctr">
+              <a:lnSpc>
+                <a:spcPts val="2734"/>
+              </a:lnSpc>
+            </a:pPr>
+            <a:r>
+              <a:rPr lang="en-US" sz="2187" dirty="0">
+                <a:solidFill>
+                  <a:srgbClr val="2C3249"/>
+                </a:solidFill>
+                <a:latin typeface="Kanit" pitchFamily="34" charset="0"/>
+                <a:ea typeface="Kanit" pitchFamily="34" charset="-122"/>
+                <a:cs typeface="Kanit" pitchFamily="34" charset="-120"/>
+              </a:rPr>
+              <a:t>2</a:t>
+            </a:r>
+            <a:endParaRPr lang="en-US" sz="2187" dirty="0"/>
+          </a:p>
+        </p:txBody>
+      </p:sp>
+      <p:sp>
+        <p:nvSpPr>
+          <p:cNvPr id="14" name="Text 12"/>
+          <p:cNvSpPr/>
+          <p:nvPr/>
+        </p:nvSpPr>
+        <p:spPr>
+          <a:xfrm>
+            <a:off x="2994422" y="3555207"/>
             <a:ext cx="2314575" cy="289322"/>
           </a:xfrm>
           <a:prstGeom prst="rect">
@@ -9225,7 +9482,7 @@
                 <a:ea typeface="Kanit" pitchFamily="34" charset="-122"/>
                 <a:cs typeface="Kanit" pitchFamily="34" charset="-120"/>
               </a:rPr>
-              <a:t>Framework CSS</a:t>
+              <a:t>Obtener el código</a:t>
             </a:r>
             <a:endParaRPr lang="en-US" sz="1822" dirty="0"/>
           </a:p>
@@ -9233,14 +9490,14 @@
       </p:sp>
       <p:sp>
         <p:nvSpPr>
-          <p:cNvPr id="10" name="Text 6"/>
+          <p:cNvPr id="15" name="Text 13"/>
           <p:cNvSpPr/>
           <p:nvPr/>
         </p:nvSpPr>
         <p:spPr>
           <a:xfrm>
-            <a:off x="4722614" y="3496270"/>
-            <a:ext cx="2746673" cy="1184672"/>
+            <a:off x="2994422" y="3955554"/>
+            <a:ext cx="7499251" cy="296168"/>
           </a:xfrm>
           <a:prstGeom prst="rect">
             <a:avLst/>
@@ -9249,7 +9506,7 @@
           <a:ln/>
         </p:spPr>
         <p:txBody>
-          <a:bodyPr wrap="square" rtlCol="0" anchor="t"/>
+          <a:bodyPr wrap="none" rtlCol="0" anchor="t"/>
           <a:lstStyle/>
           <a:p>
             <a:pPr>
@@ -9266,46 +9523,71 @@
                 <a:ea typeface="Martel Sans" pitchFamily="34" charset="-122"/>
                 <a:cs typeface="Martel Sans" pitchFamily="34" charset="-120"/>
               </a:rPr>
-              <a:t>Integre un framework CSS como Bootstrap para facilitar el diseño y la estructura de los widgets.</a:t>
+              <a:t>Una vez que haya seleccionado el widget, copie el código HTML proporcionado.</a:t>
             </a:r>
             <a:endParaRPr lang="en-US" sz="1458" dirty="0"/>
           </a:p>
         </p:txBody>
       </p:sp>
-      <p:pic>
-        <p:nvPicPr>
-          <p:cNvPr id="11" name="Image 2" descr="preencoded.png"/>
-          <p:cNvPicPr>
-            <a:picLocks noChangeAspect="1"/>
-          </p:cNvPicPr>
-          <p:nvPr/>
-        </p:nvPicPr>
-        <p:blipFill>
-          <a:blip r:embed="rId5"/>
-          <a:stretch>
-            <a:fillRect/>
-          </a:stretch>
-        </p:blipFill>
-        <p:spPr>
-          <a:xfrm>
-            <a:off x="7747001" y="2540496"/>
-            <a:ext cx="370284" cy="370284"/>
-          </a:xfrm>
-          <a:prstGeom prst="rect">
-            <a:avLst/>
-          </a:prstGeom>
-        </p:spPr>
-      </p:pic>
-      <p:sp>
-        <p:nvSpPr>
-          <p:cNvPr id="12" name="Text 7"/>
+      <p:sp>
+        <p:nvSpPr>
+          <p:cNvPr id="16" name="Shape 14"/>
           <p:cNvSpPr/>
           <p:nvPr/>
         </p:nvSpPr>
         <p:spPr>
           <a:xfrm>
-            <a:off x="7747000" y="3095923"/>
-            <a:ext cx="2746673" cy="578644"/>
+            <a:off x="2184350" y="4956424"/>
+            <a:ext cx="647998" cy="37008"/>
+          </a:xfrm>
+          <a:prstGeom prst="roundRect">
+            <a:avLst>
+              <a:gd name="adj" fmla="val 225151"/>
+            </a:avLst>
+          </a:prstGeom>
+          <a:solidFill>
+            <a:srgbClr val="C5D2CF"/>
+          </a:solidFill>
+          <a:ln/>
+        </p:spPr>
+      </p:sp>
+      <p:sp>
+        <p:nvSpPr>
+          <p:cNvPr id="17" name="Shape 15"/>
+          <p:cNvSpPr/>
+          <p:nvPr/>
+        </p:nvSpPr>
+        <p:spPr>
+          <a:xfrm>
+            <a:off x="1767731" y="4766668"/>
+            <a:ext cx="416619" cy="416619"/>
+          </a:xfrm>
+          <a:prstGeom prst="roundRect">
+            <a:avLst>
+              <a:gd name="adj" fmla="val 20000"/>
+            </a:avLst>
+          </a:prstGeom>
+          <a:solidFill>
+            <a:srgbClr val="DFECE9"/>
+          </a:solidFill>
+          <a:ln w="7620">
+            <a:solidFill>
+              <a:srgbClr val="C5D2CF"/>
+            </a:solidFill>
+            <a:prstDash val="solid"/>
+          </a:ln>
+        </p:spPr>
+      </p:sp>
+      <p:sp>
+        <p:nvSpPr>
+          <p:cNvPr id="18" name="Text 16"/>
+          <p:cNvSpPr/>
+          <p:nvPr/>
+        </p:nvSpPr>
+        <p:spPr>
+          <a:xfrm>
+            <a:off x="1904653" y="4801394"/>
+            <a:ext cx="142776" cy="347068"/>
           </a:xfrm>
           <a:prstGeom prst="rect">
             <a:avLst/>
@@ -9314,7 +9596,48 @@
           <a:ln/>
         </p:spPr>
         <p:txBody>
-          <a:bodyPr wrap="square" rtlCol="0" anchor="t"/>
+          <a:bodyPr wrap="none" rtlCol="0" anchor="t"/>
+          <a:lstStyle/>
+          <a:p>
+            <a:pPr algn="ctr">
+              <a:lnSpc>
+                <a:spcPts val="2734"/>
+              </a:lnSpc>
+            </a:pPr>
+            <a:r>
+              <a:rPr lang="en-US" sz="2187" dirty="0">
+                <a:solidFill>
+                  <a:srgbClr val="2C3249"/>
+                </a:solidFill>
+                <a:latin typeface="Kanit" pitchFamily="34" charset="0"/>
+                <a:ea typeface="Kanit" pitchFamily="34" charset="-122"/>
+                <a:cs typeface="Kanit" pitchFamily="34" charset="-120"/>
+              </a:rPr>
+              <a:t>3</a:t>
+            </a:r>
+            <a:endParaRPr lang="en-US" sz="2187" dirty="0"/>
+          </a:p>
+        </p:txBody>
+      </p:sp>
+      <p:sp>
+        <p:nvSpPr>
+          <p:cNvPr id="19" name="Text 17"/>
+          <p:cNvSpPr/>
+          <p:nvPr/>
+        </p:nvSpPr>
+        <p:spPr>
+          <a:xfrm>
+            <a:off x="2994422" y="4807148"/>
+            <a:ext cx="2334220" cy="289322"/>
+          </a:xfrm>
+          <a:prstGeom prst="rect">
+            <a:avLst/>
+          </a:prstGeom>
+          <a:noFill/>
+          <a:ln/>
+        </p:spPr>
+        <p:txBody>
+          <a:bodyPr wrap="none" rtlCol="0" anchor="t"/>
           <a:lstStyle/>
           <a:p>
             <a:pPr>
@@ -9331,7 +9654,7 @@
                 <a:ea typeface="Kanit" pitchFamily="34" charset="-122"/>
                 <a:cs typeface="Kanit" pitchFamily="34" charset="-120"/>
               </a:rPr>
-              <a:t>Herramientas de desarrollo</a:t>
+              <a:t>Insertar en su sitio web</a:t>
             </a:r>
             <a:endParaRPr lang="en-US" sz="1822" dirty="0"/>
           </a:p>
@@ -9339,14 +9662,14 @@
       </p:sp>
       <p:sp>
         <p:nvSpPr>
-          <p:cNvPr id="13" name="Text 8"/>
+          <p:cNvPr id="20" name="Text 18"/>
           <p:cNvSpPr/>
           <p:nvPr/>
         </p:nvSpPr>
         <p:spPr>
           <a:xfrm>
-            <a:off x="7747000" y="3785593"/>
-            <a:ext cx="2746673" cy="1480840"/>
+            <a:off x="2994422" y="5207496"/>
+            <a:ext cx="7499251" cy="592336"/>
           </a:xfrm>
           <a:prstGeom prst="rect">
             <a:avLst/>
@@ -9372,7 +9695,7 @@
                 <a:ea typeface="Martel Sans" pitchFamily="34" charset="-122"/>
                 <a:cs typeface="Martel Sans" pitchFamily="34" charset="-120"/>
               </a:rPr>
-              <a:t>Utilice herramientas de desarrollo como Chrome DevTools para depurar y mejorar la funcionalidad de los widgets.</a:t>
+              <a:t>Pegue el código HTML en la sección del sitio web donde desea que aparezca el widget.</a:t>
             </a:r>
             <a:endParaRPr lang="en-US" sz="1458" dirty="0"/>
           </a:p>
@@ -9380,10 +9703,10 @@
       </p:sp>
       <p:pic>
         <p:nvPicPr>
-          <p:cNvPr id="14" name="Imagen 13">
+          <p:cNvPr id="21" name="Imagen 20">
             <a:extLst>
               <a:ext uri="{FF2B5EF4-FFF2-40B4-BE49-F238E27FC236}">
-                <a16:creationId xmlns:a16="http://schemas.microsoft.com/office/drawing/2014/main" id="{3D33FDE6-0604-DAF4-789A-0568F0D45133}"/>
+                <a16:creationId xmlns:a16="http://schemas.microsoft.com/office/drawing/2014/main" id="{2935E6E2-75A1-CA3B-BA65-DBFACFFE4EFF}"/>
               </a:ext>
             </a:extLst>
           </p:cNvPr>
@@ -9393,7 +9716,7 @@
           <p:nvPr/>
         </p:nvPicPr>
         <p:blipFill>
-          <a:blip r:embed="rId6"/>
+          <a:blip r:embed="rId3"/>
           <a:stretch>
             <a:fillRect/>
           </a:stretch>
@@ -9410,10 +9733,10 @@
       </p:pic>
       <p:pic>
         <p:nvPicPr>
-          <p:cNvPr id="15" name="Imagen 14">
+          <p:cNvPr id="22" name="Imagen 21">
             <a:extLst>
               <a:ext uri="{FF2B5EF4-FFF2-40B4-BE49-F238E27FC236}">
-                <a16:creationId xmlns:a16="http://schemas.microsoft.com/office/drawing/2014/main" id="{57A103FD-250F-CBE8-E432-E5EAAADE09F9}"/>
+                <a16:creationId xmlns:a16="http://schemas.microsoft.com/office/drawing/2014/main" id="{49B7CC23-166D-3883-5E5B-CEE8A5E189AE}"/>
               </a:ext>
             </a:extLst>
           </p:cNvPr>
@@ -9423,7 +9746,7 @@
           <p:nvPr/>
         </p:nvPicPr>
         <p:blipFill>
-          <a:blip r:embed="rId7"/>
+          <a:blip r:embed="rId4"/>
           <a:stretch>
             <a:fillRect/>
           </a:stretch>
@@ -9511,8 +9834,8 @@
         </p:nvSpPr>
         <p:spPr>
           <a:xfrm>
-            <a:off x="1698328" y="706636"/>
-            <a:ext cx="6785968" cy="578644"/>
+            <a:off x="1698328" y="1591569"/>
+            <a:ext cx="7840365" cy="578644"/>
           </a:xfrm>
           <a:prstGeom prst="rect">
             <a:avLst/>
@@ -9538,22 +9861,87 @@
                 <a:ea typeface="Kanit" pitchFamily="34" charset="-122"/>
                 <a:cs typeface="Kanit" pitchFamily="34" charset="-120"/>
               </a:rPr>
-              <a:t>Personalización de widgets HTML</a:t>
+              <a:t>Herramientas para crear widgets HTML</a:t>
             </a:r>
             <a:endParaRPr lang="en-US" sz="3645" dirty="0"/>
           </a:p>
         </p:txBody>
       </p:sp>
-      <p:sp>
-        <p:nvSpPr>
-          <p:cNvPr id="5" name="Text 3"/>
+      <p:pic>
+        <p:nvPicPr>
+          <p:cNvPr id="5" name="Image 0" descr="preencoded.png"/>
+          <p:cNvPicPr>
+            <a:picLocks noChangeAspect="1"/>
+          </p:cNvPicPr>
+          <p:nvPr/>
+        </p:nvPicPr>
+        <p:blipFill>
+          <a:blip r:embed="rId3"/>
+          <a:stretch>
+            <a:fillRect/>
+          </a:stretch>
+        </p:blipFill>
+        <p:spPr>
+          <a:xfrm>
+            <a:off x="1698328" y="2540496"/>
+            <a:ext cx="370284" cy="370284"/>
+          </a:xfrm>
+          <a:prstGeom prst="rect">
+            <a:avLst/>
+          </a:prstGeom>
+        </p:spPr>
+      </p:pic>
+      <p:sp>
+        <p:nvSpPr>
+          <p:cNvPr id="6" name="Text 3"/>
           <p:cNvSpPr/>
           <p:nvPr/>
         </p:nvSpPr>
         <p:spPr>
           <a:xfrm>
-            <a:off x="1698328" y="1729582"/>
-            <a:ext cx="4171851" cy="2073176"/>
+            <a:off x="1698328" y="3095922"/>
+            <a:ext cx="2314575" cy="289322"/>
+          </a:xfrm>
+          <a:prstGeom prst="rect">
+            <a:avLst/>
+          </a:prstGeom>
+          <a:noFill/>
+          <a:ln/>
+        </p:spPr>
+        <p:txBody>
+          <a:bodyPr wrap="none" rtlCol="0" anchor="t"/>
+          <a:lstStyle/>
+          <a:p>
+            <a:pPr>
+              <a:lnSpc>
+                <a:spcPts val="2278"/>
+              </a:lnSpc>
+            </a:pPr>
+            <a:r>
+              <a:rPr lang="en-US" sz="1822" dirty="0">
+                <a:solidFill>
+                  <a:srgbClr val="2C3249"/>
+                </a:solidFill>
+                <a:latin typeface="Kanit" pitchFamily="34" charset="0"/>
+                <a:ea typeface="Kanit" pitchFamily="34" charset="-122"/>
+                <a:cs typeface="Kanit" pitchFamily="34" charset="-120"/>
+              </a:rPr>
+              <a:t>Editor de texto</a:t>
+            </a:r>
+            <a:endParaRPr lang="en-US" sz="1822" dirty="0"/>
+          </a:p>
+        </p:txBody>
+      </p:sp>
+      <p:sp>
+        <p:nvSpPr>
+          <p:cNvPr id="7" name="Text 4"/>
+          <p:cNvSpPr/>
+          <p:nvPr/>
+        </p:nvSpPr>
+        <p:spPr>
+          <a:xfrm>
+            <a:off x="1698328" y="3496270"/>
+            <a:ext cx="2746573" cy="1184672"/>
           </a:xfrm>
           <a:prstGeom prst="rect">
             <a:avLst/>
@@ -9579,7 +9967,7 @@
                 <a:ea typeface="Martel Sans" pitchFamily="34" charset="-122"/>
                 <a:cs typeface="Martel Sans" pitchFamily="34" charset="-120"/>
               </a:rPr>
-              <a:t>La personalización de los widgets HTML es esencial para adaptarlos al diseño y funcionalidad del sitio web. Se puede personalizar el estilo, el comportamiento interactivo y el contenido de los widgets para que se integren perfectamente con la marca y la experiencia del usuario.</a:t>
+              <a:t>Utilice un editor de texto con resaltado de sintaxis para escribir y editar el código HTML.</a:t>
             </a:r>
             <a:endParaRPr lang="en-US" sz="1458" dirty="0"/>
           </a:p>
@@ -9587,37 +9975,7 @@
       </p:sp>
       <p:pic>
         <p:nvPicPr>
-          <p:cNvPr id="6" name="Image 0" descr="preencoded.png"/>
-          <p:cNvPicPr>
-            <a:picLocks noChangeAspect="1"/>
-          </p:cNvPicPr>
-          <p:nvPr/>
-        </p:nvPicPr>
-        <p:blipFill>
-          <a:blip r:embed="rId3"/>
-          <a:stretch>
-            <a:fillRect/>
-          </a:stretch>
-        </p:blipFill>
-        <p:spPr>
-          <a:xfrm>
-            <a:off x="6328172" y="1771254"/>
-            <a:ext cx="4171851" cy="4171851"/>
-          </a:xfrm>
-          <a:prstGeom prst="rect">
-            <a:avLst/>
-          </a:prstGeom>
-        </p:spPr>
-      </p:pic>
-      <p:pic>
-        <p:nvPicPr>
-          <p:cNvPr id="7" name="Imagen 6">
-            <a:extLst>
-              <a:ext uri="{FF2B5EF4-FFF2-40B4-BE49-F238E27FC236}">
-                <a16:creationId xmlns:a16="http://schemas.microsoft.com/office/drawing/2014/main" id="{823CA5B4-9C44-10E5-986D-B1B67D636FE1}"/>
-              </a:ext>
-            </a:extLst>
-          </p:cNvPr>
+          <p:cNvPr id="8" name="Image 1" descr="preencoded.png"/>
           <p:cNvPicPr>
             <a:picLocks noChangeAspect="1"/>
           </p:cNvPicPr>
@@ -9631,20 +9989,208 @@
         </p:blipFill>
         <p:spPr>
           <a:xfrm>
-            <a:off x="0" y="6143625"/>
-            <a:ext cx="11087100" cy="714375"/>
+            <a:off x="4722615" y="2540496"/>
+            <a:ext cx="370284" cy="370284"/>
           </a:xfrm>
           <a:prstGeom prst="rect">
             <a:avLst/>
           </a:prstGeom>
         </p:spPr>
       </p:pic>
+      <p:sp>
+        <p:nvSpPr>
+          <p:cNvPr id="9" name="Text 5"/>
+          <p:cNvSpPr/>
+          <p:nvPr/>
+        </p:nvSpPr>
+        <p:spPr>
+          <a:xfrm>
+            <a:off x="4722614" y="3095922"/>
+            <a:ext cx="2314575" cy="289322"/>
+          </a:xfrm>
+          <a:prstGeom prst="rect">
+            <a:avLst/>
+          </a:prstGeom>
+          <a:noFill/>
+          <a:ln/>
+        </p:spPr>
+        <p:txBody>
+          <a:bodyPr wrap="none" rtlCol="0" anchor="t"/>
+          <a:lstStyle/>
+          <a:p>
+            <a:pPr>
+              <a:lnSpc>
+                <a:spcPts val="2278"/>
+              </a:lnSpc>
+            </a:pPr>
+            <a:r>
+              <a:rPr lang="en-US" sz="1822" dirty="0">
+                <a:solidFill>
+                  <a:srgbClr val="2C3249"/>
+                </a:solidFill>
+                <a:latin typeface="Kanit" pitchFamily="34" charset="0"/>
+                <a:ea typeface="Kanit" pitchFamily="34" charset="-122"/>
+                <a:cs typeface="Kanit" pitchFamily="34" charset="-120"/>
+              </a:rPr>
+              <a:t>Framework CSS</a:t>
+            </a:r>
+            <a:endParaRPr lang="en-US" sz="1822" dirty="0"/>
+          </a:p>
+        </p:txBody>
+      </p:sp>
+      <p:sp>
+        <p:nvSpPr>
+          <p:cNvPr id="10" name="Text 6"/>
+          <p:cNvSpPr/>
+          <p:nvPr/>
+        </p:nvSpPr>
+        <p:spPr>
+          <a:xfrm>
+            <a:off x="4722614" y="3496270"/>
+            <a:ext cx="2746673" cy="1184672"/>
+          </a:xfrm>
+          <a:prstGeom prst="rect">
+            <a:avLst/>
+          </a:prstGeom>
+          <a:noFill/>
+          <a:ln/>
+        </p:spPr>
+        <p:txBody>
+          <a:bodyPr wrap="square" rtlCol="0" anchor="t"/>
+          <a:lstStyle/>
+          <a:p>
+            <a:pPr>
+              <a:lnSpc>
+                <a:spcPts val="2332"/>
+              </a:lnSpc>
+            </a:pPr>
+            <a:r>
+              <a:rPr lang="en-US" sz="1458" dirty="0">
+                <a:solidFill>
+                  <a:srgbClr val="2C3249"/>
+                </a:solidFill>
+                <a:latin typeface="Martel Sans" pitchFamily="34" charset="0"/>
+                <a:ea typeface="Martel Sans" pitchFamily="34" charset="-122"/>
+                <a:cs typeface="Martel Sans" pitchFamily="34" charset="-120"/>
+              </a:rPr>
+              <a:t>Integre un framework CSS como Bootstrap para facilitar el diseño y la estructura de los widgets.</a:t>
+            </a:r>
+            <a:endParaRPr lang="en-US" sz="1458" dirty="0"/>
+          </a:p>
+        </p:txBody>
+      </p:sp>
       <p:pic>
         <p:nvPicPr>
-          <p:cNvPr id="8" name="Imagen 7">
+          <p:cNvPr id="11" name="Image 2" descr="preencoded.png"/>
+          <p:cNvPicPr>
+            <a:picLocks noChangeAspect="1"/>
+          </p:cNvPicPr>
+          <p:nvPr/>
+        </p:nvPicPr>
+        <p:blipFill>
+          <a:blip r:embed="rId5"/>
+          <a:stretch>
+            <a:fillRect/>
+          </a:stretch>
+        </p:blipFill>
+        <p:spPr>
+          <a:xfrm>
+            <a:off x="7747001" y="2540496"/>
+            <a:ext cx="370284" cy="370284"/>
+          </a:xfrm>
+          <a:prstGeom prst="rect">
+            <a:avLst/>
+          </a:prstGeom>
+        </p:spPr>
+      </p:pic>
+      <p:sp>
+        <p:nvSpPr>
+          <p:cNvPr id="12" name="Text 7"/>
+          <p:cNvSpPr/>
+          <p:nvPr/>
+        </p:nvSpPr>
+        <p:spPr>
+          <a:xfrm>
+            <a:off x="7747000" y="3095923"/>
+            <a:ext cx="2746673" cy="578644"/>
+          </a:xfrm>
+          <a:prstGeom prst="rect">
+            <a:avLst/>
+          </a:prstGeom>
+          <a:noFill/>
+          <a:ln/>
+        </p:spPr>
+        <p:txBody>
+          <a:bodyPr wrap="square" rtlCol="0" anchor="t"/>
+          <a:lstStyle/>
+          <a:p>
+            <a:pPr>
+              <a:lnSpc>
+                <a:spcPts val="2278"/>
+              </a:lnSpc>
+            </a:pPr>
+            <a:r>
+              <a:rPr lang="en-US" sz="1822" dirty="0">
+                <a:solidFill>
+                  <a:srgbClr val="2C3249"/>
+                </a:solidFill>
+                <a:latin typeface="Kanit" pitchFamily="34" charset="0"/>
+                <a:ea typeface="Kanit" pitchFamily="34" charset="-122"/>
+                <a:cs typeface="Kanit" pitchFamily="34" charset="-120"/>
+              </a:rPr>
+              <a:t>Herramientas de desarrollo</a:t>
+            </a:r>
+            <a:endParaRPr lang="en-US" sz="1822" dirty="0"/>
+          </a:p>
+        </p:txBody>
+      </p:sp>
+      <p:sp>
+        <p:nvSpPr>
+          <p:cNvPr id="13" name="Text 8"/>
+          <p:cNvSpPr/>
+          <p:nvPr/>
+        </p:nvSpPr>
+        <p:spPr>
+          <a:xfrm>
+            <a:off x="7747000" y="3785593"/>
+            <a:ext cx="2746673" cy="1480840"/>
+          </a:xfrm>
+          <a:prstGeom prst="rect">
+            <a:avLst/>
+          </a:prstGeom>
+          <a:noFill/>
+          <a:ln/>
+        </p:spPr>
+        <p:txBody>
+          <a:bodyPr wrap="square" rtlCol="0" anchor="t"/>
+          <a:lstStyle/>
+          <a:p>
+            <a:pPr>
+              <a:lnSpc>
+                <a:spcPts val="2332"/>
+              </a:lnSpc>
+            </a:pPr>
+            <a:r>
+              <a:rPr lang="en-US" sz="1458" dirty="0">
+                <a:solidFill>
+                  <a:srgbClr val="2C3249"/>
+                </a:solidFill>
+                <a:latin typeface="Martel Sans" pitchFamily="34" charset="0"/>
+                <a:ea typeface="Martel Sans" pitchFamily="34" charset="-122"/>
+                <a:cs typeface="Martel Sans" pitchFamily="34" charset="-120"/>
+              </a:rPr>
+              <a:t>Utilice herramientas de desarrollo como Chrome DevTools para depurar y mejorar la funcionalidad de los widgets.</a:t>
+            </a:r>
+            <a:endParaRPr lang="en-US" sz="1458" dirty="0"/>
+          </a:p>
+        </p:txBody>
+      </p:sp>
+      <p:pic>
+        <p:nvPicPr>
+          <p:cNvPr id="14" name="Imagen 13">
             <a:extLst>
               <a:ext uri="{FF2B5EF4-FFF2-40B4-BE49-F238E27FC236}">
-                <a16:creationId xmlns:a16="http://schemas.microsoft.com/office/drawing/2014/main" id="{FC73C8F9-3AB2-551A-07CE-62902DCC845B}"/>
+                <a16:creationId xmlns:a16="http://schemas.microsoft.com/office/drawing/2014/main" id="{3D33FDE6-0604-DAF4-789A-0568F0D45133}"/>
               </a:ext>
             </a:extLst>
           </p:cNvPr>
@@ -9654,7 +10200,37 @@
           <p:nvPr/>
         </p:nvPicPr>
         <p:blipFill>
-          <a:blip r:embed="rId5"/>
+          <a:blip r:embed="rId6"/>
+          <a:stretch>
+            <a:fillRect/>
+          </a:stretch>
+        </p:blipFill>
+        <p:spPr>
+          <a:xfrm>
+            <a:off x="0" y="6143625"/>
+            <a:ext cx="11087100" cy="714375"/>
+          </a:xfrm>
+          <a:prstGeom prst="rect">
+            <a:avLst/>
+          </a:prstGeom>
+        </p:spPr>
+      </p:pic>
+      <p:pic>
+        <p:nvPicPr>
+          <p:cNvPr id="15" name="Imagen 14">
+            <a:extLst>
+              <a:ext uri="{FF2B5EF4-FFF2-40B4-BE49-F238E27FC236}">
+                <a16:creationId xmlns:a16="http://schemas.microsoft.com/office/drawing/2014/main" id="{57A103FD-250F-CBE8-E432-E5EAAADE09F9}"/>
+              </a:ext>
+            </a:extLst>
+          </p:cNvPr>
+          <p:cNvPicPr>
+            <a:picLocks noChangeAspect="1"/>
+          </p:cNvPicPr>
+          <p:nvPr/>
+        </p:nvPicPr>
+        <p:blipFill>
+          <a:blip r:embed="rId7"/>
           <a:stretch>
             <a:fillRect/>
           </a:stretch>
@@ -9742,8 +10318,8 @@
         </p:nvSpPr>
         <p:spPr>
           <a:xfrm>
-            <a:off x="1698328" y="1049437"/>
-            <a:ext cx="7593608" cy="578644"/>
+            <a:off x="1698328" y="706636"/>
+            <a:ext cx="6785968" cy="578644"/>
           </a:xfrm>
           <a:prstGeom prst="rect">
             <a:avLst/>
@@ -9769,87 +10345,22 @@
                 <a:ea typeface="Kanit" pitchFamily="34" charset="-122"/>
                 <a:cs typeface="Kanit" pitchFamily="34" charset="-120"/>
               </a:rPr>
-              <a:t>Ejemplos de widgets HTML populares</a:t>
+              <a:t>Personalización de widgets HTML</a:t>
             </a:r>
             <a:endParaRPr lang="en-US" sz="3645" dirty="0"/>
           </a:p>
         </p:txBody>
       </p:sp>
-      <p:pic>
-        <p:nvPicPr>
-          <p:cNvPr id="5" name="Image 0" descr="preencoded.png"/>
-          <p:cNvPicPr>
-            <a:picLocks noChangeAspect="1"/>
-          </p:cNvPicPr>
-          <p:nvPr/>
-        </p:nvPicPr>
-        <p:blipFill>
-          <a:blip r:embed="rId3"/>
-          <a:stretch>
-            <a:fillRect/>
-          </a:stretch>
-        </p:blipFill>
-        <p:spPr>
-          <a:xfrm>
-            <a:off x="1698328" y="1998366"/>
-            <a:ext cx="2746573" cy="1697434"/>
-          </a:xfrm>
-          <a:prstGeom prst="rect">
-            <a:avLst/>
-          </a:prstGeom>
-        </p:spPr>
-      </p:pic>
-      <p:sp>
-        <p:nvSpPr>
-          <p:cNvPr id="6" name="Text 3"/>
+      <p:sp>
+        <p:nvSpPr>
+          <p:cNvPr id="5" name="Text 3"/>
           <p:cNvSpPr/>
           <p:nvPr/>
         </p:nvSpPr>
         <p:spPr>
           <a:xfrm>
-            <a:off x="1698328" y="3927178"/>
-            <a:ext cx="2746573" cy="578644"/>
-          </a:xfrm>
-          <a:prstGeom prst="rect">
-            <a:avLst/>
-          </a:prstGeom>
-          <a:noFill/>
-          <a:ln/>
-        </p:spPr>
-        <p:txBody>
-          <a:bodyPr wrap="square" rtlCol="0" anchor="t"/>
-          <a:lstStyle/>
-          <a:p>
-            <a:pPr>
-              <a:lnSpc>
-                <a:spcPts val="2278"/>
-              </a:lnSpc>
-            </a:pPr>
-            <a:r>
-              <a:rPr lang="en-US" sz="1822" dirty="0">
-                <a:solidFill>
-                  <a:srgbClr val="2C3249"/>
-                </a:solidFill>
-                <a:latin typeface="Kanit" pitchFamily="34" charset="0"/>
-                <a:ea typeface="Kanit" pitchFamily="34" charset="-122"/>
-                <a:cs typeface="Kanit" pitchFamily="34" charset="-120"/>
-              </a:rPr>
-              <a:t>Reproductor de vídeo HTML5</a:t>
-            </a:r>
-            <a:endParaRPr lang="en-US" sz="1822" dirty="0"/>
-          </a:p>
-        </p:txBody>
-      </p:sp>
-      <p:sp>
-        <p:nvSpPr>
-          <p:cNvPr id="7" name="Text 4"/>
-          <p:cNvSpPr/>
-          <p:nvPr/>
-        </p:nvSpPr>
-        <p:spPr>
-          <a:xfrm>
-            <a:off x="1698328" y="4616847"/>
-            <a:ext cx="2746573" cy="1184672"/>
+            <a:off x="1698328" y="1729582"/>
+            <a:ext cx="4171851" cy="2073176"/>
           </a:xfrm>
           <a:prstGeom prst="rect">
             <a:avLst/>
@@ -9875,7 +10386,7 @@
                 <a:ea typeface="Martel Sans" pitchFamily="34" charset="-122"/>
                 <a:cs typeface="Martel Sans" pitchFamily="34" charset="-120"/>
               </a:rPr>
-              <a:t>Un reproductor de vídeo HTML5 con controles personalizables y un diseño moderno y minimalista.</a:t>
+              <a:t>La personalización de los widgets HTML es esencial para adaptarlos al diseño y funcionalidad del sitio web. Se puede personalizar el estilo, el comportamiento interactivo y el contenido de los widgets para que se integren perfectamente con la marca y la experiencia del usuario.</a:t>
             </a:r>
             <a:endParaRPr lang="en-US" sz="1458" dirty="0"/>
           </a:p>
@@ -9883,7 +10394,37 @@
       </p:sp>
       <p:pic>
         <p:nvPicPr>
-          <p:cNvPr id="8" name="Image 1" descr="preencoded.png"/>
+          <p:cNvPr id="6" name="Image 0" descr="preencoded.png"/>
+          <p:cNvPicPr>
+            <a:picLocks noChangeAspect="1"/>
+          </p:cNvPicPr>
+          <p:nvPr/>
+        </p:nvPicPr>
+        <p:blipFill>
+          <a:blip r:embed="rId3"/>
+          <a:stretch>
+            <a:fillRect/>
+          </a:stretch>
+        </p:blipFill>
+        <p:spPr>
+          <a:xfrm>
+            <a:off x="6328172" y="1771254"/>
+            <a:ext cx="4171851" cy="4171851"/>
+          </a:xfrm>
+          <a:prstGeom prst="rect">
+            <a:avLst/>
+          </a:prstGeom>
+        </p:spPr>
+      </p:pic>
+      <p:pic>
+        <p:nvPicPr>
+          <p:cNvPr id="7" name="Imagen 6">
+            <a:extLst>
+              <a:ext uri="{FF2B5EF4-FFF2-40B4-BE49-F238E27FC236}">
+                <a16:creationId xmlns:a16="http://schemas.microsoft.com/office/drawing/2014/main" id="{823CA5B4-9C44-10E5-986D-B1B67D636FE1}"/>
+              </a:ext>
+            </a:extLst>
+          </p:cNvPr>
           <p:cNvPicPr>
             <a:picLocks noChangeAspect="1"/>
           </p:cNvPicPr>
@@ -9897,208 +10438,20 @@
         </p:blipFill>
         <p:spPr>
           <a:xfrm>
-            <a:off x="4722614" y="1998365"/>
-            <a:ext cx="2746673" cy="1697533"/>
+            <a:off x="0" y="6143625"/>
+            <a:ext cx="11087100" cy="714375"/>
           </a:xfrm>
           <a:prstGeom prst="rect">
             <a:avLst/>
           </a:prstGeom>
         </p:spPr>
       </p:pic>
-      <p:sp>
-        <p:nvSpPr>
-          <p:cNvPr id="9" name="Text 5"/>
-          <p:cNvSpPr/>
-          <p:nvPr/>
-        </p:nvSpPr>
-        <p:spPr>
-          <a:xfrm>
-            <a:off x="4722615" y="3927277"/>
-            <a:ext cx="2331839" cy="289322"/>
-          </a:xfrm>
-          <a:prstGeom prst="rect">
-            <a:avLst/>
-          </a:prstGeom>
-          <a:noFill/>
-          <a:ln/>
-        </p:spPr>
-        <p:txBody>
-          <a:bodyPr wrap="none" rtlCol="0" anchor="t"/>
-          <a:lstStyle/>
-          <a:p>
-            <a:pPr>
-              <a:lnSpc>
-                <a:spcPts val="2278"/>
-              </a:lnSpc>
-            </a:pPr>
-            <a:r>
-              <a:rPr lang="en-US" sz="1822" dirty="0">
-                <a:solidFill>
-                  <a:srgbClr val="2C3249"/>
-                </a:solidFill>
-                <a:latin typeface="Kanit" pitchFamily="34" charset="0"/>
-                <a:ea typeface="Kanit" pitchFamily="34" charset="-122"/>
-                <a:cs typeface="Kanit" pitchFamily="34" charset="-120"/>
-              </a:rPr>
-              <a:t>Mapa interactivo HTML</a:t>
-            </a:r>
-            <a:endParaRPr lang="en-US" sz="1822" dirty="0"/>
-          </a:p>
-        </p:txBody>
-      </p:sp>
-      <p:sp>
-        <p:nvSpPr>
-          <p:cNvPr id="10" name="Text 6"/>
-          <p:cNvSpPr/>
-          <p:nvPr/>
-        </p:nvSpPr>
-        <p:spPr>
-          <a:xfrm>
-            <a:off x="4722614" y="4327624"/>
-            <a:ext cx="2746673" cy="1480840"/>
-          </a:xfrm>
-          <a:prstGeom prst="rect">
-            <a:avLst/>
-          </a:prstGeom>
-          <a:noFill/>
-          <a:ln/>
-        </p:spPr>
-        <p:txBody>
-          <a:bodyPr wrap="square" rtlCol="0" anchor="t"/>
-          <a:lstStyle/>
-          <a:p>
-            <a:pPr>
-              <a:lnSpc>
-                <a:spcPts val="2332"/>
-              </a:lnSpc>
-            </a:pPr>
-            <a:r>
-              <a:rPr lang="en-US" sz="1458" dirty="0">
-                <a:solidFill>
-                  <a:srgbClr val="2C3249"/>
-                </a:solidFill>
-                <a:latin typeface="Martel Sans" pitchFamily="34" charset="0"/>
-                <a:ea typeface="Martel Sans" pitchFamily="34" charset="-122"/>
-                <a:cs typeface="Martel Sans" pitchFamily="34" charset="-120"/>
-              </a:rPr>
-              <a:t>Mapa interactivo HTML que muestra datos en tiempo real, con esquema de colores vibrante y marcadores personalizables.</a:t>
-            </a:r>
-            <a:endParaRPr lang="en-US" sz="1458" dirty="0"/>
-          </a:p>
-        </p:txBody>
-      </p:sp>
       <p:pic>
         <p:nvPicPr>
-          <p:cNvPr id="11" name="Image 2" descr="preencoded.png"/>
-          <p:cNvPicPr>
-            <a:picLocks noChangeAspect="1"/>
-          </p:cNvPicPr>
-          <p:nvPr/>
-        </p:nvPicPr>
-        <p:blipFill>
-          <a:blip r:embed="rId5"/>
-          <a:stretch>
-            <a:fillRect/>
-          </a:stretch>
-        </p:blipFill>
-        <p:spPr>
-          <a:xfrm>
-            <a:off x="7747000" y="1998365"/>
-            <a:ext cx="2746673" cy="1697533"/>
-          </a:xfrm>
-          <a:prstGeom prst="rect">
-            <a:avLst/>
-          </a:prstGeom>
-        </p:spPr>
-      </p:pic>
-      <p:sp>
-        <p:nvSpPr>
-          <p:cNvPr id="12" name="Text 7"/>
-          <p:cNvSpPr/>
-          <p:nvPr/>
-        </p:nvSpPr>
-        <p:spPr>
-          <a:xfrm>
-            <a:off x="7747000" y="3927277"/>
-            <a:ext cx="2314575" cy="289322"/>
-          </a:xfrm>
-          <a:prstGeom prst="rect">
-            <a:avLst/>
-          </a:prstGeom>
-          <a:noFill/>
-          <a:ln/>
-        </p:spPr>
-        <p:txBody>
-          <a:bodyPr wrap="none" rtlCol="0" anchor="t"/>
-          <a:lstStyle/>
-          <a:p>
-            <a:pPr>
-              <a:lnSpc>
-                <a:spcPts val="2278"/>
-              </a:lnSpc>
-            </a:pPr>
-            <a:r>
-              <a:rPr lang="en-US" sz="1822" dirty="0">
-                <a:solidFill>
-                  <a:srgbClr val="2C3249"/>
-                </a:solidFill>
-                <a:latin typeface="Kanit" pitchFamily="34" charset="0"/>
-                <a:ea typeface="Kanit" pitchFamily="34" charset="-122"/>
-                <a:cs typeface="Kanit" pitchFamily="34" charset="-120"/>
-              </a:rPr>
-              <a:t>Calendario HTML</a:t>
-            </a:r>
-            <a:endParaRPr lang="en-US" sz="1822" dirty="0"/>
-          </a:p>
-        </p:txBody>
-      </p:sp>
-      <p:sp>
-        <p:nvSpPr>
-          <p:cNvPr id="13" name="Text 8"/>
-          <p:cNvSpPr/>
-          <p:nvPr/>
-        </p:nvSpPr>
-        <p:spPr>
-          <a:xfrm>
-            <a:off x="7747000" y="4327624"/>
-            <a:ext cx="2746673" cy="1184672"/>
-          </a:xfrm>
-          <a:prstGeom prst="rect">
-            <a:avLst/>
-          </a:prstGeom>
-          <a:noFill/>
-          <a:ln/>
-        </p:spPr>
-        <p:txBody>
-          <a:bodyPr wrap="square" rtlCol="0" anchor="t"/>
-          <a:lstStyle/>
-          <a:p>
-            <a:pPr>
-              <a:lnSpc>
-                <a:spcPts val="2332"/>
-              </a:lnSpc>
-            </a:pPr>
-            <a:r>
-              <a:rPr lang="en-US" sz="1458" dirty="0">
-                <a:solidFill>
-                  <a:srgbClr val="2C3249"/>
-                </a:solidFill>
-                <a:latin typeface="Martel Sans" pitchFamily="34" charset="0"/>
-                <a:ea typeface="Martel Sans" pitchFamily="34" charset="-122"/>
-                <a:cs typeface="Martel Sans" pitchFamily="34" charset="-120"/>
-              </a:rPr>
-              <a:t>Calendario HTML responsive con notificaciones de eventos, interfaz limpia e intuitiva y tipografía elegante.</a:t>
-            </a:r>
-            <a:endParaRPr lang="en-US" sz="1458" dirty="0"/>
-          </a:p>
-        </p:txBody>
-      </p:sp>
-      <p:pic>
-        <p:nvPicPr>
-          <p:cNvPr id="14" name="Imagen 13">
+          <p:cNvPr id="8" name="Imagen 7">
             <a:extLst>
               <a:ext uri="{FF2B5EF4-FFF2-40B4-BE49-F238E27FC236}">
-                <a16:creationId xmlns:a16="http://schemas.microsoft.com/office/drawing/2014/main" id="{375B4B40-7E5F-72B0-E02F-7961660B961B}"/>
+                <a16:creationId xmlns:a16="http://schemas.microsoft.com/office/drawing/2014/main" id="{FC73C8F9-3AB2-551A-07CE-62902DCC845B}"/>
               </a:ext>
             </a:extLst>
           </p:cNvPr>
@@ -10108,37 +10461,7 @@
           <p:nvPr/>
         </p:nvPicPr>
         <p:blipFill>
-          <a:blip r:embed="rId6"/>
-          <a:stretch>
-            <a:fillRect/>
-          </a:stretch>
-        </p:blipFill>
-        <p:spPr>
-          <a:xfrm>
-            <a:off x="0" y="6143625"/>
-            <a:ext cx="11087100" cy="714375"/>
-          </a:xfrm>
-          <a:prstGeom prst="rect">
-            <a:avLst/>
-          </a:prstGeom>
-        </p:spPr>
-      </p:pic>
-      <p:pic>
-        <p:nvPicPr>
-          <p:cNvPr id="15" name="Imagen 14">
-            <a:extLst>
-              <a:ext uri="{FF2B5EF4-FFF2-40B4-BE49-F238E27FC236}">
-                <a16:creationId xmlns:a16="http://schemas.microsoft.com/office/drawing/2014/main" id="{A4D56547-8953-EC5A-4764-0CF0090B82EC}"/>
-              </a:ext>
-            </a:extLst>
-          </p:cNvPr>
-          <p:cNvPicPr>
-            <a:picLocks noChangeAspect="1"/>
-          </p:cNvPicPr>
-          <p:nvPr/>
-        </p:nvPicPr>
-        <p:blipFill>
-          <a:blip r:embed="rId7"/>
+          <a:blip r:embed="rId5"/>
           <a:stretch>
             <a:fillRect/>
           </a:stretch>
